--- a/_drafts/Recent_Linux_kernel.pptx
+++ b/_drafts/Recent_Linux_kernel.pptx
@@ -4,16 +4,22 @@
   <p:sldMasterIdLst>
     <p:sldMasterId id="2147483648" r:id="rId1"/>
   </p:sldMasterIdLst>
+  <p:notesMasterIdLst>
+    <p:notesMasterId r:id="rId19"/>
+  </p:notesMasterIdLst>
+  <p:handoutMasterIdLst>
+    <p:handoutMasterId r:id="rId20"/>
+  </p:handoutMasterIdLst>
   <p:sldIdLst>
     <p:sldId id="256" r:id="rId2"/>
     <p:sldId id="257" r:id="rId3"/>
     <p:sldId id="258" r:id="rId4"/>
-    <p:sldId id="265" r:id="rId5"/>
-    <p:sldId id="259" r:id="rId6"/>
-    <p:sldId id="267" r:id="rId7"/>
-    <p:sldId id="260" r:id="rId8"/>
-    <p:sldId id="261" r:id="rId9"/>
-    <p:sldId id="269" r:id="rId10"/>
+    <p:sldId id="274" r:id="rId5"/>
+    <p:sldId id="260" r:id="rId6"/>
+    <p:sldId id="265" r:id="rId7"/>
+    <p:sldId id="259" r:id="rId8"/>
+    <p:sldId id="267" r:id="rId9"/>
+    <p:sldId id="261" r:id="rId10"/>
     <p:sldId id="262" r:id="rId11"/>
     <p:sldId id="263" r:id="rId12"/>
     <p:sldId id="270" r:id="rId13"/>
@@ -120,6 +126,11 @@
       </a:defRPr>
     </a:lvl9pPr>
   </p:defaultTextStyle>
+  <p:extLst>
+    <p:ext uri="{EFAFB233-063F-42B5-8137-9DF3F51BA10A}">
+      <p15:sldGuideLst xmlns:p15="http://schemas.microsoft.com/office/powerpoint/2012/main"/>
+    </p:ext>
+  </p:extLst>
 </p:presentation>
 </file>
 
@@ -874,7 +885,7 @@
 <dgm:dataModel xmlns:dgm="http://schemas.openxmlformats.org/drawingml/2006/diagram" xmlns:a="http://schemas.openxmlformats.org/drawingml/2006/main">
   <dgm:ptLst>
     <dgm:pt modelId="{E090E725-DCAF-4771-9562-20A9E39131E8}" type="doc">
-      <dgm:prSet loTypeId="urn:microsoft.com/office/officeart/2008/layout/LinedList" loCatId="list" qsTypeId="urn:microsoft.com/office/officeart/2005/8/quickstyle/simple2" qsCatId="simple" csTypeId="urn:microsoft.com/office/officeart/2005/8/colors/accent4_2" csCatId="accent4"/>
+      <dgm:prSet loTypeId="urn:microsoft.com/office/officeart/2008/layout/LinedList" loCatId="list" qsTypeId="urn:microsoft.com/office/officeart/2005/8/quickstyle/simple2" qsCatId="simple" csTypeId="urn:microsoft.com/office/officeart/2005/8/colors/accent4_2" csCatId="accent4" phldr="1"/>
       <dgm:spPr/>
       <dgm:t>
         <a:bodyPr/>
@@ -966,10 +977,10 @@
         <a:lstStyle/>
         <a:p>
           <a:r>
-            <a:rPr kumimoji="1" lang="en-US"/>
+            <a:rPr kumimoji="1" lang="en-US" dirty="0"/>
             <a:t>Live with upstream kernel</a:t>
           </a:r>
-          <a:endParaRPr lang="en-US"/>
+          <a:endParaRPr lang="en-US" dirty="0"/>
         </a:p>
       </dgm:t>
     </dgm:pt>
@@ -1003,10 +1014,10 @@
         <a:lstStyle/>
         <a:p>
           <a:r>
-            <a:rPr kumimoji="1" lang="en-US"/>
-            <a:t>Meltdown and Spectre</a:t>
+            <a:rPr kumimoji="1" lang="en-US" dirty="0"/>
+            <a:t>Architecture relative features</a:t>
           </a:r>
-          <a:endParaRPr lang="en-US"/>
+          <a:endParaRPr lang="en-US" dirty="0"/>
         </a:p>
       </dgm:t>
     </dgm:pt>
@@ -1032,43 +1043,6 @@
         </a:p>
       </dgm:t>
     </dgm:pt>
-    <dgm:pt modelId="{E4001202-BEE7-410F-94C4-5C23687DB158}">
-      <dgm:prSet/>
-      <dgm:spPr/>
-      <dgm:t>
-        <a:bodyPr/>
-        <a:lstStyle/>
-        <a:p>
-          <a:r>
-            <a:rPr kumimoji="1" lang="en-US"/>
-            <a:t>SCMI</a:t>
-          </a:r>
-          <a:endParaRPr lang="en-US"/>
-        </a:p>
-      </dgm:t>
-    </dgm:pt>
-    <dgm:pt modelId="{9B035B84-F873-4F5F-85C9-E5A2C1DB3AA4}" type="parTrans" cxnId="{0B157081-06D3-48D8-A269-C5E84CBB59F8}">
-      <dgm:prSet/>
-      <dgm:spPr/>
-      <dgm:t>
-        <a:bodyPr/>
-        <a:lstStyle/>
-        <a:p>
-          <a:endParaRPr lang="en-US"/>
-        </a:p>
-      </dgm:t>
-    </dgm:pt>
-    <dgm:pt modelId="{10896154-5A43-41D7-ABF5-5AD710A5C41F}" type="sibTrans" cxnId="{0B157081-06D3-48D8-A269-C5E84CBB59F8}">
-      <dgm:prSet/>
-      <dgm:spPr/>
-      <dgm:t>
-        <a:bodyPr/>
-        <a:lstStyle/>
-        <a:p>
-          <a:endParaRPr lang="en-US"/>
-        </a:p>
-      </dgm:t>
-    </dgm:pt>
     <dgm:pt modelId="{1ABB3222-A862-4F34-BB23-416DF09253CE}">
       <dgm:prSet/>
       <dgm:spPr/>
@@ -1077,10 +1051,10 @@
         <a:lstStyle/>
         <a:p>
           <a:r>
-            <a:rPr kumimoji="1" lang="en-US"/>
-            <a:t>Memory</a:t>
+            <a:rPr kumimoji="1" lang="en-US" dirty="0"/>
+            <a:t>Memory features</a:t>
           </a:r>
-          <a:endParaRPr lang="en-US"/>
+          <a:endParaRPr lang="en-US" dirty="0"/>
         </a:p>
       </dgm:t>
     </dgm:pt>
@@ -1154,7 +1128,7 @@
       <dgm:spPr/>
     </dgm:pt>
     <dgm:pt modelId="{9613398F-3ABC-2744-8061-FF5AF21A4457}" type="pres">
-      <dgm:prSet presAssocID="{F34D8220-6677-4A94-B43E-ACA888DED31F}" presName="thickLine" presStyleLbl="alignNode1" presStyleIdx="0" presStyleCnt="7"/>
+      <dgm:prSet presAssocID="{F34D8220-6677-4A94-B43E-ACA888DED31F}" presName="thickLine" presStyleLbl="alignNode1" presStyleIdx="0" presStyleCnt="6"/>
       <dgm:spPr/>
     </dgm:pt>
     <dgm:pt modelId="{86C9FFC5-8FF3-894C-BDDE-9D945F2EF18C}" type="pres">
@@ -1162,15 +1136,31 @@
       <dgm:spPr/>
     </dgm:pt>
     <dgm:pt modelId="{E75A8EA8-7F93-1E40-95B6-20A4B66230A7}" type="pres">
-      <dgm:prSet presAssocID="{F34D8220-6677-4A94-B43E-ACA888DED31F}" presName="tx1" presStyleLbl="revTx" presStyleIdx="0" presStyleCnt="7"/>
+      <dgm:prSet presAssocID="{F34D8220-6677-4A94-B43E-ACA888DED31F}" presName="tx1" presStyleLbl="revTx" presStyleIdx="0" presStyleCnt="6"/>
       <dgm:spPr/>
     </dgm:pt>
     <dgm:pt modelId="{8BCE7470-999B-8F44-BB06-5F5F93F31E1F}" type="pres">
       <dgm:prSet presAssocID="{F34D8220-6677-4A94-B43E-ACA888DED31F}" presName="vert1" presStyleCnt="0"/>
       <dgm:spPr/>
     </dgm:pt>
+    <dgm:pt modelId="{068E5ACA-1852-7B46-BAB4-CFCF545BE431}" type="pres">
+      <dgm:prSet presAssocID="{19EDFD73-03AA-4645-8D36-3E7BE9728302}" presName="thickLine" presStyleLbl="alignNode1" presStyleIdx="1" presStyleCnt="6"/>
+      <dgm:spPr/>
+    </dgm:pt>
+    <dgm:pt modelId="{54205B1A-C479-CD4D-9812-22F792265703}" type="pres">
+      <dgm:prSet presAssocID="{19EDFD73-03AA-4645-8D36-3E7BE9728302}" presName="horz1" presStyleCnt="0"/>
+      <dgm:spPr/>
+    </dgm:pt>
+    <dgm:pt modelId="{C447F2BF-409F-7045-A607-FBED0E27BD62}" type="pres">
+      <dgm:prSet presAssocID="{19EDFD73-03AA-4645-8D36-3E7BE9728302}" presName="tx1" presStyleLbl="revTx" presStyleIdx="1" presStyleCnt="6"/>
+      <dgm:spPr/>
+    </dgm:pt>
+    <dgm:pt modelId="{EE0C6909-77F9-A74A-AB8E-254B64D68AF9}" type="pres">
+      <dgm:prSet presAssocID="{19EDFD73-03AA-4645-8D36-3E7BE9728302}" presName="vert1" presStyleCnt="0"/>
+      <dgm:spPr/>
+    </dgm:pt>
     <dgm:pt modelId="{9DB8BE05-E8BF-1D41-821E-A4B00C7F1EDF}" type="pres">
-      <dgm:prSet presAssocID="{4A3A58B9-E833-4AB0-851E-FE9427773129}" presName="thickLine" presStyleLbl="alignNode1" presStyleIdx="1" presStyleCnt="7"/>
+      <dgm:prSet presAssocID="{4A3A58B9-E833-4AB0-851E-FE9427773129}" presName="thickLine" presStyleLbl="alignNode1" presStyleIdx="2" presStyleCnt="6"/>
       <dgm:spPr/>
     </dgm:pt>
     <dgm:pt modelId="{D37280D2-FBF1-044E-9F78-8EFB1109B553}" type="pres">
@@ -1178,31 +1168,15 @@
       <dgm:spPr/>
     </dgm:pt>
     <dgm:pt modelId="{1FCACEF5-5FF0-AF49-82AC-5723DCCA1BA4}" type="pres">
-      <dgm:prSet presAssocID="{4A3A58B9-E833-4AB0-851E-FE9427773129}" presName="tx1" presStyleLbl="revTx" presStyleIdx="1" presStyleCnt="7"/>
+      <dgm:prSet presAssocID="{4A3A58B9-E833-4AB0-851E-FE9427773129}" presName="tx1" presStyleLbl="revTx" presStyleIdx="2" presStyleCnt="6"/>
       <dgm:spPr/>
     </dgm:pt>
     <dgm:pt modelId="{A8923683-A9D3-7E42-8D1C-28E859927720}" type="pres">
       <dgm:prSet presAssocID="{4A3A58B9-E833-4AB0-851E-FE9427773129}" presName="vert1" presStyleCnt="0"/>
       <dgm:spPr/>
     </dgm:pt>
-    <dgm:pt modelId="{068E5ACA-1852-7B46-BAB4-CFCF545BE431}" type="pres">
-      <dgm:prSet presAssocID="{19EDFD73-03AA-4645-8D36-3E7BE9728302}" presName="thickLine" presStyleLbl="alignNode1" presStyleIdx="2" presStyleCnt="7"/>
-      <dgm:spPr/>
-    </dgm:pt>
-    <dgm:pt modelId="{54205B1A-C479-CD4D-9812-22F792265703}" type="pres">
-      <dgm:prSet presAssocID="{19EDFD73-03AA-4645-8D36-3E7BE9728302}" presName="horz1" presStyleCnt="0"/>
-      <dgm:spPr/>
-    </dgm:pt>
-    <dgm:pt modelId="{C447F2BF-409F-7045-A607-FBED0E27BD62}" type="pres">
-      <dgm:prSet presAssocID="{19EDFD73-03AA-4645-8D36-3E7BE9728302}" presName="tx1" presStyleLbl="revTx" presStyleIdx="2" presStyleCnt="7"/>
-      <dgm:spPr/>
-    </dgm:pt>
-    <dgm:pt modelId="{EE0C6909-77F9-A74A-AB8E-254B64D68AF9}" type="pres">
-      <dgm:prSet presAssocID="{19EDFD73-03AA-4645-8D36-3E7BE9728302}" presName="vert1" presStyleCnt="0"/>
-      <dgm:spPr/>
-    </dgm:pt>
     <dgm:pt modelId="{34F20FF6-6F36-9F4C-AB64-D37AD74BDFC5}" type="pres">
-      <dgm:prSet presAssocID="{C0A92530-8B9B-4E62-A5AD-7C5A9731F236}" presName="thickLine" presStyleLbl="alignNode1" presStyleIdx="3" presStyleCnt="7"/>
+      <dgm:prSet presAssocID="{C0A92530-8B9B-4E62-A5AD-7C5A9731F236}" presName="thickLine" presStyleLbl="alignNode1" presStyleIdx="3" presStyleCnt="6"/>
       <dgm:spPr/>
     </dgm:pt>
     <dgm:pt modelId="{FF5CC36A-52D7-2948-A71A-7D5A8AA05A95}" type="pres">
@@ -1210,31 +1184,15 @@
       <dgm:spPr/>
     </dgm:pt>
     <dgm:pt modelId="{CE781C6B-62C6-BE40-84A7-52E1D7F613A8}" type="pres">
-      <dgm:prSet presAssocID="{C0A92530-8B9B-4E62-A5AD-7C5A9731F236}" presName="tx1" presStyleLbl="revTx" presStyleIdx="3" presStyleCnt="7"/>
+      <dgm:prSet presAssocID="{C0A92530-8B9B-4E62-A5AD-7C5A9731F236}" presName="tx1" presStyleLbl="revTx" presStyleIdx="3" presStyleCnt="6"/>
       <dgm:spPr/>
     </dgm:pt>
     <dgm:pt modelId="{D5AF9EEF-94B3-7240-8698-75E900BF9D22}" type="pres">
       <dgm:prSet presAssocID="{C0A92530-8B9B-4E62-A5AD-7C5A9731F236}" presName="vert1" presStyleCnt="0"/>
       <dgm:spPr/>
     </dgm:pt>
-    <dgm:pt modelId="{13B439A8-F097-CD40-B31A-8F48EF4B33B7}" type="pres">
-      <dgm:prSet presAssocID="{E4001202-BEE7-410F-94C4-5C23687DB158}" presName="thickLine" presStyleLbl="alignNode1" presStyleIdx="4" presStyleCnt="7"/>
-      <dgm:spPr/>
-    </dgm:pt>
-    <dgm:pt modelId="{24A40AA3-259E-C849-9B77-01CBC4881BA2}" type="pres">
-      <dgm:prSet presAssocID="{E4001202-BEE7-410F-94C4-5C23687DB158}" presName="horz1" presStyleCnt="0"/>
-      <dgm:spPr/>
-    </dgm:pt>
-    <dgm:pt modelId="{6C924824-3D61-4A45-95C9-7D7DBE449EED}" type="pres">
-      <dgm:prSet presAssocID="{E4001202-BEE7-410F-94C4-5C23687DB158}" presName="tx1" presStyleLbl="revTx" presStyleIdx="4" presStyleCnt="7"/>
-      <dgm:spPr/>
-    </dgm:pt>
-    <dgm:pt modelId="{187256BA-B52A-C74D-ACB8-6A96D86E35B8}" type="pres">
-      <dgm:prSet presAssocID="{E4001202-BEE7-410F-94C4-5C23687DB158}" presName="vert1" presStyleCnt="0"/>
-      <dgm:spPr/>
-    </dgm:pt>
     <dgm:pt modelId="{5080DBA0-D858-2C4C-83F8-B6179A1F0BB7}" type="pres">
-      <dgm:prSet presAssocID="{1ABB3222-A862-4F34-BB23-416DF09253CE}" presName="thickLine" presStyleLbl="alignNode1" presStyleIdx="5" presStyleCnt="7"/>
+      <dgm:prSet presAssocID="{1ABB3222-A862-4F34-BB23-416DF09253CE}" presName="thickLine" presStyleLbl="alignNode1" presStyleIdx="4" presStyleCnt="6"/>
       <dgm:spPr/>
     </dgm:pt>
     <dgm:pt modelId="{3C782321-A01A-2C47-8245-2740F2612F34}" type="pres">
@@ -1242,7 +1200,7 @@
       <dgm:spPr/>
     </dgm:pt>
     <dgm:pt modelId="{1F249974-3771-A048-AA2D-7EF4909A6A3A}" type="pres">
-      <dgm:prSet presAssocID="{1ABB3222-A862-4F34-BB23-416DF09253CE}" presName="tx1" presStyleLbl="revTx" presStyleIdx="5" presStyleCnt="7"/>
+      <dgm:prSet presAssocID="{1ABB3222-A862-4F34-BB23-416DF09253CE}" presName="tx1" presStyleLbl="revTx" presStyleIdx="4" presStyleCnt="6"/>
       <dgm:spPr/>
     </dgm:pt>
     <dgm:pt modelId="{D09C2636-4050-1947-B56C-7F960B8659AA}" type="pres">
@@ -1250,7 +1208,7 @@
       <dgm:spPr/>
     </dgm:pt>
     <dgm:pt modelId="{972E88E8-5308-2047-833F-ACDA62D67E49}" type="pres">
-      <dgm:prSet presAssocID="{60A4501D-3489-4E49-9CF1-9E80A2414AFF}" presName="thickLine" presStyleLbl="alignNode1" presStyleIdx="6" presStyleCnt="7"/>
+      <dgm:prSet presAssocID="{60A4501D-3489-4E49-9CF1-9E80A2414AFF}" presName="thickLine" presStyleLbl="alignNode1" presStyleIdx="5" presStyleCnt="6"/>
       <dgm:spPr/>
     </dgm:pt>
     <dgm:pt modelId="{34E90136-849C-DA47-90DB-E82D1369ADEC}" type="pres">
@@ -1258,7 +1216,7 @@
       <dgm:spPr/>
     </dgm:pt>
     <dgm:pt modelId="{2F1CFC4F-7951-FE45-BF96-92D227E4C41B}" type="pres">
-      <dgm:prSet presAssocID="{60A4501D-3489-4E49-9CF1-9E80A2414AFF}" presName="tx1" presStyleLbl="revTx" presStyleIdx="6" presStyleCnt="7"/>
+      <dgm:prSet presAssocID="{60A4501D-3489-4E49-9CF1-9E80A2414AFF}" presName="tx1" presStyleLbl="revTx" presStyleIdx="5" presStyleCnt="6"/>
       <dgm:spPr/>
     </dgm:pt>
     <dgm:pt modelId="{4B3DE04A-3225-AA45-AC14-3FB0E2AEFCB3}" type="pres">
@@ -1267,49 +1225,43 @@
     </dgm:pt>
   </dgm:ptLst>
   <dgm:cxnLst>
-    <dgm:cxn modelId="{ECAF6222-6AB0-FA45-A4C5-EC8EA9039812}" type="presOf" srcId="{F34D8220-6677-4A94-B43E-ACA888DED31F}" destId="{E75A8EA8-7F93-1E40-95B6-20A4B66230A7}" srcOrd="0" destOrd="0" presId="urn:microsoft.com/office/officeart/2008/layout/LinedList"/>
-    <dgm:cxn modelId="{B3FDE34B-CDF6-411D-9077-A6615904CE8C}" srcId="{E090E725-DCAF-4771-9562-20A9E39131E8}" destId="{19EDFD73-03AA-4645-8D36-3E7BE9728302}" srcOrd="2" destOrd="0" parTransId="{EFDE00AA-7153-4DB0-AC1C-CEA9246A5B01}" sibTransId="{1BC512F2-B6DC-409D-9992-7939F4E32DD8}"/>
+    <dgm:cxn modelId="{6AEF4929-C861-B44E-A97D-185B7351D0BE}" type="presOf" srcId="{1ABB3222-A862-4F34-BB23-416DF09253CE}" destId="{1F249974-3771-A048-AA2D-7EF4909A6A3A}" srcOrd="0" destOrd="0" presId="urn:microsoft.com/office/officeart/2008/layout/LinedList"/>
+    <dgm:cxn modelId="{B3FDE34B-CDF6-411D-9077-A6615904CE8C}" srcId="{E090E725-DCAF-4771-9562-20A9E39131E8}" destId="{19EDFD73-03AA-4645-8D36-3E7BE9728302}" srcOrd="1" destOrd="0" parTransId="{EFDE00AA-7153-4DB0-AC1C-CEA9246A5B01}" sibTransId="{1BC512F2-B6DC-409D-9992-7939F4E32DD8}"/>
     <dgm:cxn modelId="{CF66DD58-5694-4835-8651-292AEB3BEB17}" srcId="{E090E725-DCAF-4771-9562-20A9E39131E8}" destId="{F34D8220-6677-4A94-B43E-ACA888DED31F}" srcOrd="0" destOrd="0" parTransId="{5164E3ED-20A6-483B-BC54-5FB5585568E3}" sibTransId="{5ACAE7C3-9A53-42A6-B7BE-ACA3CE767A04}"/>
-    <dgm:cxn modelId="{CD10685F-10FD-BC4D-B1A6-CEFDC98A4D14}" type="presOf" srcId="{C0A92530-8B9B-4E62-A5AD-7C5A9731F236}" destId="{CE781C6B-62C6-BE40-84A7-52E1D7F613A8}" srcOrd="0" destOrd="0" presId="urn:microsoft.com/office/officeart/2008/layout/LinedList"/>
+    <dgm:cxn modelId="{E5E2FD65-D646-8641-99F4-689FC07F9D04}" type="presOf" srcId="{60A4501D-3489-4E49-9CF1-9E80A2414AFF}" destId="{2F1CFC4F-7951-FE45-BF96-92D227E4C41B}" srcOrd="0" destOrd="0" presId="urn:microsoft.com/office/officeart/2008/layout/LinedList"/>
     <dgm:cxn modelId="{F6409E6C-67E2-DC45-8521-FB1EDC5E79E9}" type="presOf" srcId="{E090E725-DCAF-4771-9562-20A9E39131E8}" destId="{6B2A1BA8-C00C-494C-973E-86645174C5EA}" srcOrd="0" destOrd="0" presId="urn:microsoft.com/office/officeart/2008/layout/LinedList"/>
     <dgm:cxn modelId="{F69DDE73-048B-4D1A-B566-43D20F701C61}" srcId="{E090E725-DCAF-4771-9562-20A9E39131E8}" destId="{C0A92530-8B9B-4E62-A5AD-7C5A9731F236}" srcOrd="3" destOrd="0" parTransId="{7FCE6E63-E98D-462E-A874-DDB7BE7A0EED}" sibTransId="{A51D91AA-BDFC-4DDD-AD95-D21DD92E63C1}"/>
-    <dgm:cxn modelId="{3F574674-3BD6-E047-A7F4-BFDE60CC12F8}" type="presOf" srcId="{19EDFD73-03AA-4645-8D36-3E7BE9728302}" destId="{C447F2BF-409F-7045-A607-FBED0E27BD62}" srcOrd="0" destOrd="0" presId="urn:microsoft.com/office/officeart/2008/layout/LinedList"/>
-    <dgm:cxn modelId="{0BCF207F-3FB1-4128-9BB2-A3979EC2F15C}" srcId="{E090E725-DCAF-4771-9562-20A9E39131E8}" destId="{4A3A58B9-E833-4AB0-851E-FE9427773129}" srcOrd="1" destOrd="0" parTransId="{9DF5DF28-63D3-445E-BFA4-8FBB3B2F6790}" sibTransId="{63A98430-0E61-406E-851B-D43B33408BEF}"/>
-    <dgm:cxn modelId="{0B157081-06D3-48D8-A269-C5E84CBB59F8}" srcId="{E090E725-DCAF-4771-9562-20A9E39131E8}" destId="{E4001202-BEE7-410F-94C4-5C23687DB158}" srcOrd="4" destOrd="0" parTransId="{9B035B84-F873-4F5F-85C9-E5A2C1DB3AA4}" sibTransId="{10896154-5A43-41D7-ABF5-5AD710A5C41F}"/>
-    <dgm:cxn modelId="{FB6474A7-EA41-2445-B1AF-B54FD72DAEC0}" type="presOf" srcId="{4A3A58B9-E833-4AB0-851E-FE9427773129}" destId="{1FCACEF5-5FF0-AF49-82AC-5723DCCA1BA4}" srcOrd="0" destOrd="0" presId="urn:microsoft.com/office/officeart/2008/layout/LinedList"/>
-    <dgm:cxn modelId="{2C6E42C7-7502-4BD4-90B2-5013775DFB37}" srcId="{E090E725-DCAF-4771-9562-20A9E39131E8}" destId="{1ABB3222-A862-4F34-BB23-416DF09253CE}" srcOrd="5" destOrd="0" parTransId="{ADD36BD0-595B-4F6A-A352-0EE7B63DE928}" sibTransId="{187D5028-C94A-4538-B1F0-4EA58E1BDEF3}"/>
-    <dgm:cxn modelId="{3B0D4AC9-445F-4BB2-9942-F4A83DF3F639}" srcId="{E090E725-DCAF-4771-9562-20A9E39131E8}" destId="{60A4501D-3489-4E49-9CF1-9E80A2414AFF}" srcOrd="6" destOrd="0" parTransId="{E988A915-C989-4A3F-810C-428D2F6FD6DD}" sibTransId="{DD621FE8-4D0D-4710-BEDE-23B58C0B8C7D}"/>
-    <dgm:cxn modelId="{22972ECA-F9B5-1341-9F37-9A8AEF355AEB}" type="presOf" srcId="{E4001202-BEE7-410F-94C4-5C23687DB158}" destId="{6C924824-3D61-4A45-95C9-7D7DBE449EED}" srcOrd="0" destOrd="0" presId="urn:microsoft.com/office/officeart/2008/layout/LinedList"/>
-    <dgm:cxn modelId="{D13E06D0-D4FD-CF40-85E0-C60E4E315715}" type="presOf" srcId="{60A4501D-3489-4E49-9CF1-9E80A2414AFF}" destId="{2F1CFC4F-7951-FE45-BF96-92D227E4C41B}" srcOrd="0" destOrd="0" presId="urn:microsoft.com/office/officeart/2008/layout/LinedList"/>
-    <dgm:cxn modelId="{BB9460E9-56A2-5244-A990-EB90BD28B8CE}" type="presOf" srcId="{1ABB3222-A862-4F34-BB23-416DF09253CE}" destId="{1F249974-3771-A048-AA2D-7EF4909A6A3A}" srcOrd="0" destOrd="0" presId="urn:microsoft.com/office/officeart/2008/layout/LinedList"/>
-    <dgm:cxn modelId="{64D85F97-64A0-DB44-89B2-2604C1EE12FF}" type="presParOf" srcId="{6B2A1BA8-C00C-494C-973E-86645174C5EA}" destId="{9613398F-3ABC-2744-8061-FF5AF21A4457}" srcOrd="0" destOrd="0" presId="urn:microsoft.com/office/officeart/2008/layout/LinedList"/>
-    <dgm:cxn modelId="{6674FB5F-7154-F747-8020-EDBE7B848038}" type="presParOf" srcId="{6B2A1BA8-C00C-494C-973E-86645174C5EA}" destId="{86C9FFC5-8FF3-894C-BDDE-9D945F2EF18C}" srcOrd="1" destOrd="0" presId="urn:microsoft.com/office/officeart/2008/layout/LinedList"/>
-    <dgm:cxn modelId="{F10BEF08-1835-2846-A104-E60EF445DE09}" type="presParOf" srcId="{86C9FFC5-8FF3-894C-BDDE-9D945F2EF18C}" destId="{E75A8EA8-7F93-1E40-95B6-20A4B66230A7}" srcOrd="0" destOrd="0" presId="urn:microsoft.com/office/officeart/2008/layout/LinedList"/>
-    <dgm:cxn modelId="{2435E969-5155-5D45-BB4E-DC5C603157FE}" type="presParOf" srcId="{86C9FFC5-8FF3-894C-BDDE-9D945F2EF18C}" destId="{8BCE7470-999B-8F44-BB06-5F5F93F31E1F}" srcOrd="1" destOrd="0" presId="urn:microsoft.com/office/officeart/2008/layout/LinedList"/>
-    <dgm:cxn modelId="{2CACF514-70BB-7D4F-B039-E679418C9B2B}" type="presParOf" srcId="{6B2A1BA8-C00C-494C-973E-86645174C5EA}" destId="{9DB8BE05-E8BF-1D41-821E-A4B00C7F1EDF}" srcOrd="2" destOrd="0" presId="urn:microsoft.com/office/officeart/2008/layout/LinedList"/>
-    <dgm:cxn modelId="{2E1B421B-2D67-BE4E-B1DA-D42349340DE9}" type="presParOf" srcId="{6B2A1BA8-C00C-494C-973E-86645174C5EA}" destId="{D37280D2-FBF1-044E-9F78-8EFB1109B553}" srcOrd="3" destOrd="0" presId="urn:microsoft.com/office/officeart/2008/layout/LinedList"/>
-    <dgm:cxn modelId="{94F3BA7F-BB2D-0442-9B28-DAFB817CC067}" type="presParOf" srcId="{D37280D2-FBF1-044E-9F78-8EFB1109B553}" destId="{1FCACEF5-5FF0-AF49-82AC-5723DCCA1BA4}" srcOrd="0" destOrd="0" presId="urn:microsoft.com/office/officeart/2008/layout/LinedList"/>
-    <dgm:cxn modelId="{5F353861-BE48-5141-8F82-F580CDBF6250}" type="presParOf" srcId="{D37280D2-FBF1-044E-9F78-8EFB1109B553}" destId="{A8923683-A9D3-7E42-8D1C-28E859927720}" srcOrd="1" destOrd="0" presId="urn:microsoft.com/office/officeart/2008/layout/LinedList"/>
-    <dgm:cxn modelId="{55A6F171-9482-E040-8CA6-93139F5EBE3E}" type="presParOf" srcId="{6B2A1BA8-C00C-494C-973E-86645174C5EA}" destId="{068E5ACA-1852-7B46-BAB4-CFCF545BE431}" srcOrd="4" destOrd="0" presId="urn:microsoft.com/office/officeart/2008/layout/LinedList"/>
-    <dgm:cxn modelId="{CA8CEA8A-4811-6E4F-9343-0F2934F3A86C}" type="presParOf" srcId="{6B2A1BA8-C00C-494C-973E-86645174C5EA}" destId="{54205B1A-C479-CD4D-9812-22F792265703}" srcOrd="5" destOrd="0" presId="urn:microsoft.com/office/officeart/2008/layout/LinedList"/>
-    <dgm:cxn modelId="{83DB518B-A57C-AF43-A953-709825B0E871}" type="presParOf" srcId="{54205B1A-C479-CD4D-9812-22F792265703}" destId="{C447F2BF-409F-7045-A607-FBED0E27BD62}" srcOrd="0" destOrd="0" presId="urn:microsoft.com/office/officeart/2008/layout/LinedList"/>
-    <dgm:cxn modelId="{FEA84331-E0CE-6048-8086-A0850AEF1458}" type="presParOf" srcId="{54205B1A-C479-CD4D-9812-22F792265703}" destId="{EE0C6909-77F9-A74A-AB8E-254B64D68AF9}" srcOrd="1" destOrd="0" presId="urn:microsoft.com/office/officeart/2008/layout/LinedList"/>
-    <dgm:cxn modelId="{7A2B8AC4-B5F3-194D-8B6E-5DCBF6DDB922}" type="presParOf" srcId="{6B2A1BA8-C00C-494C-973E-86645174C5EA}" destId="{34F20FF6-6F36-9F4C-AB64-D37AD74BDFC5}" srcOrd="6" destOrd="0" presId="urn:microsoft.com/office/officeart/2008/layout/LinedList"/>
-    <dgm:cxn modelId="{B5986E0F-E0F7-5B49-8888-3B2F5E86E5CB}" type="presParOf" srcId="{6B2A1BA8-C00C-494C-973E-86645174C5EA}" destId="{FF5CC36A-52D7-2948-A71A-7D5A8AA05A95}" srcOrd="7" destOrd="0" presId="urn:microsoft.com/office/officeart/2008/layout/LinedList"/>
-    <dgm:cxn modelId="{9DB97405-7010-3743-92B9-B0DE0BDB6F1D}" type="presParOf" srcId="{FF5CC36A-52D7-2948-A71A-7D5A8AA05A95}" destId="{CE781C6B-62C6-BE40-84A7-52E1D7F613A8}" srcOrd="0" destOrd="0" presId="urn:microsoft.com/office/officeart/2008/layout/LinedList"/>
-    <dgm:cxn modelId="{05499C3C-4A57-7D4D-B794-500F0A74C3E9}" type="presParOf" srcId="{FF5CC36A-52D7-2948-A71A-7D5A8AA05A95}" destId="{D5AF9EEF-94B3-7240-8698-75E900BF9D22}" srcOrd="1" destOrd="0" presId="urn:microsoft.com/office/officeart/2008/layout/LinedList"/>
-    <dgm:cxn modelId="{DF6B7D79-B640-C348-8263-818A6B37544A}" type="presParOf" srcId="{6B2A1BA8-C00C-494C-973E-86645174C5EA}" destId="{13B439A8-F097-CD40-B31A-8F48EF4B33B7}" srcOrd="8" destOrd="0" presId="urn:microsoft.com/office/officeart/2008/layout/LinedList"/>
-    <dgm:cxn modelId="{6A691E15-7EA4-1C41-AA53-C999FDBD8984}" type="presParOf" srcId="{6B2A1BA8-C00C-494C-973E-86645174C5EA}" destId="{24A40AA3-259E-C849-9B77-01CBC4881BA2}" srcOrd="9" destOrd="0" presId="urn:microsoft.com/office/officeart/2008/layout/LinedList"/>
-    <dgm:cxn modelId="{0BDF56D6-76AD-3044-8758-EABEAB63A1EC}" type="presParOf" srcId="{24A40AA3-259E-C849-9B77-01CBC4881BA2}" destId="{6C924824-3D61-4A45-95C9-7D7DBE449EED}" srcOrd="0" destOrd="0" presId="urn:microsoft.com/office/officeart/2008/layout/LinedList"/>
-    <dgm:cxn modelId="{C267866D-6B71-CA4A-BD61-5EF70A066C38}" type="presParOf" srcId="{24A40AA3-259E-C849-9B77-01CBC4881BA2}" destId="{187256BA-B52A-C74D-ACB8-6A96D86E35B8}" srcOrd="1" destOrd="0" presId="urn:microsoft.com/office/officeart/2008/layout/LinedList"/>
-    <dgm:cxn modelId="{7580B692-72B3-634A-9AF4-BE60828F93A6}" type="presParOf" srcId="{6B2A1BA8-C00C-494C-973E-86645174C5EA}" destId="{5080DBA0-D858-2C4C-83F8-B6179A1F0BB7}" srcOrd="10" destOrd="0" presId="urn:microsoft.com/office/officeart/2008/layout/LinedList"/>
-    <dgm:cxn modelId="{85583E8C-F834-3B47-A426-8C917DA03AA8}" type="presParOf" srcId="{6B2A1BA8-C00C-494C-973E-86645174C5EA}" destId="{3C782321-A01A-2C47-8245-2740F2612F34}" srcOrd="11" destOrd="0" presId="urn:microsoft.com/office/officeart/2008/layout/LinedList"/>
-    <dgm:cxn modelId="{ECCE41AB-AEBD-0041-A3CC-814846DA3C38}" type="presParOf" srcId="{3C782321-A01A-2C47-8245-2740F2612F34}" destId="{1F249974-3771-A048-AA2D-7EF4909A6A3A}" srcOrd="0" destOrd="0" presId="urn:microsoft.com/office/officeart/2008/layout/LinedList"/>
-    <dgm:cxn modelId="{7E8B418C-BB43-CB40-BED0-468B5B728010}" type="presParOf" srcId="{3C782321-A01A-2C47-8245-2740F2612F34}" destId="{D09C2636-4050-1947-B56C-7F960B8659AA}" srcOrd="1" destOrd="0" presId="urn:microsoft.com/office/officeart/2008/layout/LinedList"/>
-    <dgm:cxn modelId="{62525145-FA7A-714D-9DA5-AFC77407C215}" type="presParOf" srcId="{6B2A1BA8-C00C-494C-973E-86645174C5EA}" destId="{972E88E8-5308-2047-833F-ACDA62D67E49}" srcOrd="12" destOrd="0" presId="urn:microsoft.com/office/officeart/2008/layout/LinedList"/>
-    <dgm:cxn modelId="{079EFF31-B8F4-2F46-A426-75B49EFC198E}" type="presParOf" srcId="{6B2A1BA8-C00C-494C-973E-86645174C5EA}" destId="{34E90136-849C-DA47-90DB-E82D1369ADEC}" srcOrd="13" destOrd="0" presId="urn:microsoft.com/office/officeart/2008/layout/LinedList"/>
-    <dgm:cxn modelId="{74FA2D97-51FA-B94B-91A1-AE629DD27C8C}" type="presParOf" srcId="{34E90136-849C-DA47-90DB-E82D1369ADEC}" destId="{2F1CFC4F-7951-FE45-BF96-92D227E4C41B}" srcOrd="0" destOrd="0" presId="urn:microsoft.com/office/officeart/2008/layout/LinedList"/>
-    <dgm:cxn modelId="{B7626EB2-9F55-D749-83BA-9556C45A03C7}" type="presParOf" srcId="{34E90136-849C-DA47-90DB-E82D1369ADEC}" destId="{4B3DE04A-3225-AA45-AC14-3FB0E2AEFCB3}" srcOrd="1" destOrd="0" presId="urn:microsoft.com/office/officeart/2008/layout/LinedList"/>
+    <dgm:cxn modelId="{93221D76-7B6B-CD4D-ADD5-7F103D3C5D31}" type="presOf" srcId="{C0A92530-8B9B-4E62-A5AD-7C5A9731F236}" destId="{CE781C6B-62C6-BE40-84A7-52E1D7F613A8}" srcOrd="0" destOrd="0" presId="urn:microsoft.com/office/officeart/2008/layout/LinedList"/>
+    <dgm:cxn modelId="{0BCF207F-3FB1-4128-9BB2-A3979EC2F15C}" srcId="{E090E725-DCAF-4771-9562-20A9E39131E8}" destId="{4A3A58B9-E833-4AB0-851E-FE9427773129}" srcOrd="2" destOrd="0" parTransId="{9DF5DF28-63D3-445E-BFA4-8FBB3B2F6790}" sibTransId="{63A98430-0E61-406E-851B-D43B33408BEF}"/>
+    <dgm:cxn modelId="{638D86A9-B43A-3C43-B6A7-B16E1286F893}" type="presOf" srcId="{F34D8220-6677-4A94-B43E-ACA888DED31F}" destId="{E75A8EA8-7F93-1E40-95B6-20A4B66230A7}" srcOrd="0" destOrd="0" presId="urn:microsoft.com/office/officeart/2008/layout/LinedList"/>
+    <dgm:cxn modelId="{51C97DB1-793A-544B-8F97-9A98EC617A19}" type="presOf" srcId="{4A3A58B9-E833-4AB0-851E-FE9427773129}" destId="{1FCACEF5-5FF0-AF49-82AC-5723DCCA1BA4}" srcOrd="0" destOrd="0" presId="urn:microsoft.com/office/officeart/2008/layout/LinedList"/>
+    <dgm:cxn modelId="{2C6E42C7-7502-4BD4-90B2-5013775DFB37}" srcId="{E090E725-DCAF-4771-9562-20A9E39131E8}" destId="{1ABB3222-A862-4F34-BB23-416DF09253CE}" srcOrd="4" destOrd="0" parTransId="{ADD36BD0-595B-4F6A-A352-0EE7B63DE928}" sibTransId="{187D5028-C94A-4538-B1F0-4EA58E1BDEF3}"/>
+    <dgm:cxn modelId="{3B0D4AC9-445F-4BB2-9942-F4A83DF3F639}" srcId="{E090E725-DCAF-4771-9562-20A9E39131E8}" destId="{60A4501D-3489-4E49-9CF1-9E80A2414AFF}" srcOrd="5" destOrd="0" parTransId="{E988A915-C989-4A3F-810C-428D2F6FD6DD}" sibTransId="{DD621FE8-4D0D-4710-BEDE-23B58C0B8C7D}"/>
+    <dgm:cxn modelId="{45183EF3-B860-934F-A322-D3615B3AECBD}" type="presOf" srcId="{19EDFD73-03AA-4645-8D36-3E7BE9728302}" destId="{C447F2BF-409F-7045-A607-FBED0E27BD62}" srcOrd="0" destOrd="0" presId="urn:microsoft.com/office/officeart/2008/layout/LinedList"/>
+    <dgm:cxn modelId="{439DD193-25FF-1A40-86A5-F458F1A342AE}" type="presParOf" srcId="{6B2A1BA8-C00C-494C-973E-86645174C5EA}" destId="{9613398F-3ABC-2744-8061-FF5AF21A4457}" srcOrd="0" destOrd="0" presId="urn:microsoft.com/office/officeart/2008/layout/LinedList"/>
+    <dgm:cxn modelId="{1D332686-3DCC-1C49-A4DF-8F7C3C1FA951}" type="presParOf" srcId="{6B2A1BA8-C00C-494C-973E-86645174C5EA}" destId="{86C9FFC5-8FF3-894C-BDDE-9D945F2EF18C}" srcOrd="1" destOrd="0" presId="urn:microsoft.com/office/officeart/2008/layout/LinedList"/>
+    <dgm:cxn modelId="{DC41B2AB-9874-DE4F-8714-43B2AD186C77}" type="presParOf" srcId="{86C9FFC5-8FF3-894C-BDDE-9D945F2EF18C}" destId="{E75A8EA8-7F93-1E40-95B6-20A4B66230A7}" srcOrd="0" destOrd="0" presId="urn:microsoft.com/office/officeart/2008/layout/LinedList"/>
+    <dgm:cxn modelId="{C34117C8-D0B0-424E-A8B8-18498C93D24A}" type="presParOf" srcId="{86C9FFC5-8FF3-894C-BDDE-9D945F2EF18C}" destId="{8BCE7470-999B-8F44-BB06-5F5F93F31E1F}" srcOrd="1" destOrd="0" presId="urn:microsoft.com/office/officeart/2008/layout/LinedList"/>
+    <dgm:cxn modelId="{550E831F-6606-494E-B233-657EF8F9C961}" type="presParOf" srcId="{6B2A1BA8-C00C-494C-973E-86645174C5EA}" destId="{068E5ACA-1852-7B46-BAB4-CFCF545BE431}" srcOrd="2" destOrd="0" presId="urn:microsoft.com/office/officeart/2008/layout/LinedList"/>
+    <dgm:cxn modelId="{3D4197F2-049B-4245-B464-E75619AFCDC4}" type="presParOf" srcId="{6B2A1BA8-C00C-494C-973E-86645174C5EA}" destId="{54205B1A-C479-CD4D-9812-22F792265703}" srcOrd="3" destOrd="0" presId="urn:microsoft.com/office/officeart/2008/layout/LinedList"/>
+    <dgm:cxn modelId="{7A49239D-6E1D-DA45-A9ED-2FD987140EBB}" type="presParOf" srcId="{54205B1A-C479-CD4D-9812-22F792265703}" destId="{C447F2BF-409F-7045-A607-FBED0E27BD62}" srcOrd="0" destOrd="0" presId="urn:microsoft.com/office/officeart/2008/layout/LinedList"/>
+    <dgm:cxn modelId="{942EFAE9-01EB-024F-82BF-393CD349BFB2}" type="presParOf" srcId="{54205B1A-C479-CD4D-9812-22F792265703}" destId="{EE0C6909-77F9-A74A-AB8E-254B64D68AF9}" srcOrd="1" destOrd="0" presId="urn:microsoft.com/office/officeart/2008/layout/LinedList"/>
+    <dgm:cxn modelId="{C7343ADE-5FFA-874E-9842-894CA80E3677}" type="presParOf" srcId="{6B2A1BA8-C00C-494C-973E-86645174C5EA}" destId="{9DB8BE05-E8BF-1D41-821E-A4B00C7F1EDF}" srcOrd="4" destOrd="0" presId="urn:microsoft.com/office/officeart/2008/layout/LinedList"/>
+    <dgm:cxn modelId="{926FAA44-7448-E746-A531-1202D3B1DB1A}" type="presParOf" srcId="{6B2A1BA8-C00C-494C-973E-86645174C5EA}" destId="{D37280D2-FBF1-044E-9F78-8EFB1109B553}" srcOrd="5" destOrd="0" presId="urn:microsoft.com/office/officeart/2008/layout/LinedList"/>
+    <dgm:cxn modelId="{7F77C23A-7F29-7240-8386-A3B78E2D1C2E}" type="presParOf" srcId="{D37280D2-FBF1-044E-9F78-8EFB1109B553}" destId="{1FCACEF5-5FF0-AF49-82AC-5723DCCA1BA4}" srcOrd="0" destOrd="0" presId="urn:microsoft.com/office/officeart/2008/layout/LinedList"/>
+    <dgm:cxn modelId="{CEA5906B-AD10-D842-A3F2-843501019DA2}" type="presParOf" srcId="{D37280D2-FBF1-044E-9F78-8EFB1109B553}" destId="{A8923683-A9D3-7E42-8D1C-28E859927720}" srcOrd="1" destOrd="0" presId="urn:microsoft.com/office/officeart/2008/layout/LinedList"/>
+    <dgm:cxn modelId="{A382828C-9950-5D4F-B800-C7D8357184DA}" type="presParOf" srcId="{6B2A1BA8-C00C-494C-973E-86645174C5EA}" destId="{34F20FF6-6F36-9F4C-AB64-D37AD74BDFC5}" srcOrd="6" destOrd="0" presId="urn:microsoft.com/office/officeart/2008/layout/LinedList"/>
+    <dgm:cxn modelId="{75509718-879F-6C4D-A416-5FFD53CDA8E6}" type="presParOf" srcId="{6B2A1BA8-C00C-494C-973E-86645174C5EA}" destId="{FF5CC36A-52D7-2948-A71A-7D5A8AA05A95}" srcOrd="7" destOrd="0" presId="urn:microsoft.com/office/officeart/2008/layout/LinedList"/>
+    <dgm:cxn modelId="{207DD38C-DCD1-AA44-A131-0990AE533BE3}" type="presParOf" srcId="{FF5CC36A-52D7-2948-A71A-7D5A8AA05A95}" destId="{CE781C6B-62C6-BE40-84A7-52E1D7F613A8}" srcOrd="0" destOrd="0" presId="urn:microsoft.com/office/officeart/2008/layout/LinedList"/>
+    <dgm:cxn modelId="{0F12A244-4D0F-F946-931A-16BFC338F234}" type="presParOf" srcId="{FF5CC36A-52D7-2948-A71A-7D5A8AA05A95}" destId="{D5AF9EEF-94B3-7240-8698-75E900BF9D22}" srcOrd="1" destOrd="0" presId="urn:microsoft.com/office/officeart/2008/layout/LinedList"/>
+    <dgm:cxn modelId="{35DA5344-37F1-A94A-B740-D13EECF89171}" type="presParOf" srcId="{6B2A1BA8-C00C-494C-973E-86645174C5EA}" destId="{5080DBA0-D858-2C4C-83F8-B6179A1F0BB7}" srcOrd="8" destOrd="0" presId="urn:microsoft.com/office/officeart/2008/layout/LinedList"/>
+    <dgm:cxn modelId="{F8E05358-0190-7F4F-B656-93EB9B5DE8F2}" type="presParOf" srcId="{6B2A1BA8-C00C-494C-973E-86645174C5EA}" destId="{3C782321-A01A-2C47-8245-2740F2612F34}" srcOrd="9" destOrd="0" presId="urn:microsoft.com/office/officeart/2008/layout/LinedList"/>
+    <dgm:cxn modelId="{386609CF-DBF9-084F-9C81-105120820D30}" type="presParOf" srcId="{3C782321-A01A-2C47-8245-2740F2612F34}" destId="{1F249974-3771-A048-AA2D-7EF4909A6A3A}" srcOrd="0" destOrd="0" presId="urn:microsoft.com/office/officeart/2008/layout/LinedList"/>
+    <dgm:cxn modelId="{DD4D6F57-EAAE-0A43-9C2B-4B6174D8E395}" type="presParOf" srcId="{3C782321-A01A-2C47-8245-2740F2612F34}" destId="{D09C2636-4050-1947-B56C-7F960B8659AA}" srcOrd="1" destOrd="0" presId="urn:microsoft.com/office/officeart/2008/layout/LinedList"/>
+    <dgm:cxn modelId="{52843A10-F1FD-9144-AF0E-34D4C03DFB82}" type="presParOf" srcId="{6B2A1BA8-C00C-494C-973E-86645174C5EA}" destId="{972E88E8-5308-2047-833F-ACDA62D67E49}" srcOrd="10" destOrd="0" presId="urn:microsoft.com/office/officeart/2008/layout/LinedList"/>
+    <dgm:cxn modelId="{57E2151A-549D-D141-A304-7BE3C3909C46}" type="presParOf" srcId="{6B2A1BA8-C00C-494C-973E-86645174C5EA}" destId="{34E90136-849C-DA47-90DB-E82D1369ADEC}" srcOrd="11" destOrd="0" presId="urn:microsoft.com/office/officeart/2008/layout/LinedList"/>
+    <dgm:cxn modelId="{622BCEB9-7E46-A947-8243-85163AC94896}" type="presParOf" srcId="{34E90136-849C-DA47-90DB-E82D1369ADEC}" destId="{2F1CFC4F-7951-FE45-BF96-92D227E4C41B}" srcOrd="0" destOrd="0" presId="urn:microsoft.com/office/officeart/2008/layout/LinedList"/>
+    <dgm:cxn modelId="{81DB5A5E-BC9A-8945-BF94-3B4F5F624227}" type="presParOf" srcId="{34E90136-849C-DA47-90DB-E82D1369ADEC}" destId="{4B3DE04A-3225-AA45-AC14-3FB0E2AEFCB3}" srcOrd="1" destOrd="0" presId="urn:microsoft.com/office/officeart/2008/layout/LinedList"/>
   </dgm:cxnLst>
   <dgm:bg/>
   <dgm:whole/>
@@ -1336,7 +1288,7 @@
       </dsp:nvSpPr>
       <dsp:spPr>
         <a:xfrm>
-          <a:off x="0" y="598"/>
+          <a:off x="0" y="2394"/>
           <a:ext cx="5728344" cy="0"/>
         </a:xfrm>
         <a:prstGeom prst="line">
@@ -1385,8 +1337,8 @@
       </dsp:nvSpPr>
       <dsp:spPr>
         <a:xfrm>
-          <a:off x="0" y="598"/>
-          <a:ext cx="5728344" cy="700256"/>
+          <a:off x="0" y="2394"/>
+          <a:ext cx="5728344" cy="816366"/>
         </a:xfrm>
         <a:prstGeom prst="rect">
           <a:avLst/>
@@ -1410,12 +1362,12 @@
         <a:fontRef idx="minor"/>
       </dsp:style>
       <dsp:txBody>
-        <a:bodyPr spcFirstLastPara="0" vert="horz" wrap="square" lIns="121920" tIns="121920" rIns="121920" bIns="121920" numCol="1" spcCol="1270" anchor="t" anchorCtr="0">
+        <a:bodyPr spcFirstLastPara="0" vert="horz" wrap="square" lIns="114300" tIns="114300" rIns="114300" bIns="114300" numCol="1" spcCol="1270" anchor="t" anchorCtr="0">
           <a:noAutofit/>
         </a:bodyPr>
         <a:lstStyle/>
         <a:p>
-          <a:pPr marL="0" lvl="0" indent="0" algn="l" defTabSz="1422400">
+          <a:pPr marL="0" lvl="0" indent="0" algn="l" defTabSz="1333500">
             <a:lnSpc>
               <a:spcPct val="90000"/>
             </a:lnSpc>
@@ -1428,15 +1380,125 @@
             <a:buNone/>
           </a:pPr>
           <a:r>
-            <a:rPr kumimoji="1" lang="en-US" sz="3200" kern="1200"/>
+            <a:rPr kumimoji="1" lang="en-US" sz="3000" kern="1200"/>
             <a:t>Who I am</a:t>
           </a:r>
-          <a:endParaRPr lang="en-US" sz="3200" kern="1200"/>
+          <a:endParaRPr lang="en-US" sz="3000" kern="1200"/>
         </a:p>
       </dsp:txBody>
       <dsp:txXfrm>
-        <a:off x="0" y="598"/>
-        <a:ext cx="5728344" cy="700256"/>
+        <a:off x="0" y="2394"/>
+        <a:ext cx="5728344" cy="816366"/>
+      </dsp:txXfrm>
+    </dsp:sp>
+    <dsp:sp modelId="{068E5ACA-1852-7B46-BAB4-CFCF545BE431}">
+      <dsp:nvSpPr>
+        <dsp:cNvPr id="0" name=""/>
+        <dsp:cNvSpPr/>
+      </dsp:nvSpPr>
+      <dsp:spPr>
+        <a:xfrm>
+          <a:off x="0" y="818761"/>
+          <a:ext cx="5728344" cy="0"/>
+        </a:xfrm>
+        <a:prstGeom prst="line">
+          <a:avLst/>
+        </a:prstGeom>
+        <a:solidFill>
+          <a:schemeClr val="accent4">
+            <a:hueOff val="0"/>
+            <a:satOff val="0"/>
+            <a:lumOff val="0"/>
+            <a:alphaOff val="0"/>
+          </a:schemeClr>
+        </a:solidFill>
+        <a:ln w="15875" cap="rnd" cmpd="sng" algn="ctr">
+          <a:solidFill>
+            <a:schemeClr val="accent4">
+              <a:hueOff val="0"/>
+              <a:satOff val="0"/>
+              <a:lumOff val="0"/>
+              <a:alphaOff val="0"/>
+            </a:schemeClr>
+          </a:solidFill>
+          <a:prstDash val="solid"/>
+        </a:ln>
+        <a:effectLst/>
+      </dsp:spPr>
+      <dsp:style>
+        <a:lnRef idx="2">
+          <a:scrgbClr r="0" g="0" b="0"/>
+        </a:lnRef>
+        <a:fillRef idx="1">
+          <a:scrgbClr r="0" g="0" b="0"/>
+        </a:fillRef>
+        <a:effectRef idx="1">
+          <a:scrgbClr r="0" g="0" b="0"/>
+        </a:effectRef>
+        <a:fontRef idx="minor">
+          <a:schemeClr val="lt1"/>
+        </a:fontRef>
+      </dsp:style>
+    </dsp:sp>
+    <dsp:sp modelId="{C447F2BF-409F-7045-A607-FBED0E27BD62}">
+      <dsp:nvSpPr>
+        <dsp:cNvPr id="0" name=""/>
+        <dsp:cNvSpPr/>
+      </dsp:nvSpPr>
+      <dsp:spPr>
+        <a:xfrm>
+          <a:off x="0" y="818761"/>
+          <a:ext cx="5728344" cy="816366"/>
+        </a:xfrm>
+        <a:prstGeom prst="rect">
+          <a:avLst/>
+        </a:prstGeom>
+        <a:noFill/>
+        <a:ln>
+          <a:noFill/>
+        </a:ln>
+        <a:effectLst/>
+      </dsp:spPr>
+      <dsp:style>
+        <a:lnRef idx="0">
+          <a:scrgbClr r="0" g="0" b="0"/>
+        </a:lnRef>
+        <a:fillRef idx="0">
+          <a:scrgbClr r="0" g="0" b="0"/>
+        </a:fillRef>
+        <a:effectRef idx="0">
+          <a:scrgbClr r="0" g="0" b="0"/>
+        </a:effectRef>
+        <a:fontRef idx="minor"/>
+      </dsp:style>
+      <dsp:txBody>
+        <a:bodyPr spcFirstLastPara="0" vert="horz" wrap="square" lIns="114300" tIns="114300" rIns="114300" bIns="114300" numCol="1" spcCol="1270" anchor="t" anchorCtr="0">
+          <a:noAutofit/>
+        </a:bodyPr>
+        <a:lstStyle/>
+        <a:p>
+          <a:pPr marL="0" lvl="0" indent="0" algn="l" defTabSz="1333500">
+            <a:lnSpc>
+              <a:spcPct val="90000"/>
+            </a:lnSpc>
+            <a:spcBef>
+              <a:spcPct val="0"/>
+            </a:spcBef>
+            <a:spcAft>
+              <a:spcPct val="35000"/>
+            </a:spcAft>
+            <a:buNone/>
+          </a:pPr>
+          <a:r>
+            <a:rPr kumimoji="1" lang="en-US" sz="3000" kern="1200" dirty="0"/>
+            <a:t>Live with upstream kernel</a:t>
+          </a:r>
+          <a:endParaRPr lang="en-US" sz="3000" kern="1200" dirty="0"/>
+        </a:p>
+      </dsp:txBody>
+      <dsp:txXfrm>
+        <a:off x="0" y="818761"/>
+        <a:ext cx="5728344" cy="816366"/>
       </dsp:txXfrm>
     </dsp:sp>
     <dsp:sp modelId="{9DB8BE05-E8BF-1D41-821E-A4B00C7F1EDF}">
@@ -1446,7 +1508,7 @@
       </dsp:nvSpPr>
       <dsp:spPr>
         <a:xfrm>
-          <a:off x="0" y="700854"/>
+          <a:off x="0" y="1635128"/>
           <a:ext cx="5728344" cy="0"/>
         </a:xfrm>
         <a:prstGeom prst="line">
@@ -1495,8 +1557,8 @@
       </dsp:nvSpPr>
       <dsp:spPr>
         <a:xfrm>
-          <a:off x="0" y="700854"/>
-          <a:ext cx="5728344" cy="700256"/>
+          <a:off x="0" y="1635128"/>
+          <a:ext cx="5728344" cy="816366"/>
         </a:xfrm>
         <a:prstGeom prst="rect">
           <a:avLst/>
@@ -1520,12 +1582,12 @@
         <a:fontRef idx="minor"/>
       </dsp:style>
       <dsp:txBody>
-        <a:bodyPr spcFirstLastPara="0" vert="horz" wrap="square" lIns="121920" tIns="121920" rIns="121920" bIns="121920" numCol="1" spcCol="1270" anchor="t" anchorCtr="0">
+        <a:bodyPr spcFirstLastPara="0" vert="horz" wrap="square" lIns="114300" tIns="114300" rIns="114300" bIns="114300" numCol="1" spcCol="1270" anchor="t" anchorCtr="0">
           <a:noAutofit/>
         </a:bodyPr>
         <a:lstStyle/>
         <a:p>
-          <a:pPr marL="0" lvl="0" indent="0" algn="l" defTabSz="1422400">
+          <a:pPr marL="0" lvl="0" indent="0" algn="l" defTabSz="1333500">
             <a:lnSpc>
               <a:spcPct val="90000"/>
             </a:lnSpc>
@@ -1538,125 +1600,15 @@
             <a:buNone/>
           </a:pPr>
           <a:r>
-            <a:rPr kumimoji="1" lang="en-US" sz="3200" kern="1200" dirty="0"/>
+            <a:rPr kumimoji="1" lang="en-US" sz="3000" kern="1200" dirty="0"/>
             <a:t>Who writes the Linux kernel</a:t>
           </a:r>
-          <a:endParaRPr lang="en-US" sz="3200" kern="1200" dirty="0"/>
+          <a:endParaRPr lang="en-US" sz="3000" kern="1200" dirty="0"/>
         </a:p>
       </dsp:txBody>
       <dsp:txXfrm>
-        <a:off x="0" y="700854"/>
-        <a:ext cx="5728344" cy="700256"/>
-      </dsp:txXfrm>
-    </dsp:sp>
-    <dsp:sp modelId="{068E5ACA-1852-7B46-BAB4-CFCF545BE431}">
-      <dsp:nvSpPr>
-        <dsp:cNvPr id="0" name=""/>
-        <dsp:cNvSpPr/>
-      </dsp:nvSpPr>
-      <dsp:spPr>
-        <a:xfrm>
-          <a:off x="0" y="1401110"/>
-          <a:ext cx="5728344" cy="0"/>
-        </a:xfrm>
-        <a:prstGeom prst="line">
-          <a:avLst/>
-        </a:prstGeom>
-        <a:solidFill>
-          <a:schemeClr val="accent4">
-            <a:hueOff val="0"/>
-            <a:satOff val="0"/>
-            <a:lumOff val="0"/>
-            <a:alphaOff val="0"/>
-          </a:schemeClr>
-        </a:solidFill>
-        <a:ln w="15875" cap="rnd" cmpd="sng" algn="ctr">
-          <a:solidFill>
-            <a:schemeClr val="accent4">
-              <a:hueOff val="0"/>
-              <a:satOff val="0"/>
-              <a:lumOff val="0"/>
-              <a:alphaOff val="0"/>
-            </a:schemeClr>
-          </a:solidFill>
-          <a:prstDash val="solid"/>
-        </a:ln>
-        <a:effectLst/>
-      </dsp:spPr>
-      <dsp:style>
-        <a:lnRef idx="2">
-          <a:scrgbClr r="0" g="0" b="0"/>
-        </a:lnRef>
-        <a:fillRef idx="1">
-          <a:scrgbClr r="0" g="0" b="0"/>
-        </a:fillRef>
-        <a:effectRef idx="1">
-          <a:scrgbClr r="0" g="0" b="0"/>
-        </a:effectRef>
-        <a:fontRef idx="minor">
-          <a:schemeClr val="lt1"/>
-        </a:fontRef>
-      </dsp:style>
-    </dsp:sp>
-    <dsp:sp modelId="{C447F2BF-409F-7045-A607-FBED0E27BD62}">
-      <dsp:nvSpPr>
-        <dsp:cNvPr id="0" name=""/>
-        <dsp:cNvSpPr/>
-      </dsp:nvSpPr>
-      <dsp:spPr>
-        <a:xfrm>
-          <a:off x="0" y="1401110"/>
-          <a:ext cx="5728344" cy="700256"/>
-        </a:xfrm>
-        <a:prstGeom prst="rect">
-          <a:avLst/>
-        </a:prstGeom>
-        <a:noFill/>
-        <a:ln>
-          <a:noFill/>
-        </a:ln>
-        <a:effectLst/>
-      </dsp:spPr>
-      <dsp:style>
-        <a:lnRef idx="0">
-          <a:scrgbClr r="0" g="0" b="0"/>
-        </a:lnRef>
-        <a:fillRef idx="0">
-          <a:scrgbClr r="0" g="0" b="0"/>
-        </a:fillRef>
-        <a:effectRef idx="0">
-          <a:scrgbClr r="0" g="0" b="0"/>
-        </a:effectRef>
-        <a:fontRef idx="minor"/>
-      </dsp:style>
-      <dsp:txBody>
-        <a:bodyPr spcFirstLastPara="0" vert="horz" wrap="square" lIns="121920" tIns="121920" rIns="121920" bIns="121920" numCol="1" spcCol="1270" anchor="t" anchorCtr="0">
-          <a:noAutofit/>
-        </a:bodyPr>
-        <a:lstStyle/>
-        <a:p>
-          <a:pPr marL="0" lvl="0" indent="0" algn="l" defTabSz="1422400">
-            <a:lnSpc>
-              <a:spcPct val="90000"/>
-            </a:lnSpc>
-            <a:spcBef>
-              <a:spcPct val="0"/>
-            </a:spcBef>
-            <a:spcAft>
-              <a:spcPct val="35000"/>
-            </a:spcAft>
-            <a:buNone/>
-          </a:pPr>
-          <a:r>
-            <a:rPr kumimoji="1" lang="en-US" sz="3200" kern="1200"/>
-            <a:t>Live with upstream kernel</a:t>
-          </a:r>
-          <a:endParaRPr lang="en-US" sz="3200" kern="1200"/>
-        </a:p>
-      </dsp:txBody>
-      <dsp:txXfrm>
-        <a:off x="0" y="1401110"/>
-        <a:ext cx="5728344" cy="700256"/>
+        <a:off x="0" y="1635128"/>
+        <a:ext cx="5728344" cy="816366"/>
       </dsp:txXfrm>
     </dsp:sp>
     <dsp:sp modelId="{34F20FF6-6F36-9F4C-AB64-D37AD74BDFC5}">
@@ -1666,7 +1618,7 @@
       </dsp:nvSpPr>
       <dsp:spPr>
         <a:xfrm>
-          <a:off x="0" y="2101366"/>
+          <a:off x="0" y="2451495"/>
           <a:ext cx="5728344" cy="0"/>
         </a:xfrm>
         <a:prstGeom prst="line">
@@ -1715,8 +1667,8 @@
       </dsp:nvSpPr>
       <dsp:spPr>
         <a:xfrm>
-          <a:off x="0" y="2101366"/>
-          <a:ext cx="5728344" cy="700256"/>
+          <a:off x="0" y="2451495"/>
+          <a:ext cx="5728344" cy="816366"/>
         </a:xfrm>
         <a:prstGeom prst="rect">
           <a:avLst/>
@@ -1740,12 +1692,12 @@
         <a:fontRef idx="minor"/>
       </dsp:style>
       <dsp:txBody>
-        <a:bodyPr spcFirstLastPara="0" vert="horz" wrap="square" lIns="121920" tIns="121920" rIns="121920" bIns="121920" numCol="1" spcCol="1270" anchor="t" anchorCtr="0">
+        <a:bodyPr spcFirstLastPara="0" vert="horz" wrap="square" lIns="114300" tIns="114300" rIns="114300" bIns="114300" numCol="1" spcCol="1270" anchor="t" anchorCtr="0">
           <a:noAutofit/>
         </a:bodyPr>
         <a:lstStyle/>
         <a:p>
-          <a:pPr marL="0" lvl="0" indent="0" algn="l" defTabSz="1422400">
+          <a:pPr marL="0" lvl="0" indent="0" algn="l" defTabSz="1333500">
             <a:lnSpc>
               <a:spcPct val="90000"/>
             </a:lnSpc>
@@ -1758,125 +1710,15 @@
             <a:buNone/>
           </a:pPr>
           <a:r>
-            <a:rPr kumimoji="1" lang="en-US" sz="3200" kern="1200"/>
-            <a:t>Meltdown and Spectre</a:t>
+            <a:rPr kumimoji="1" lang="en-US" sz="3000" kern="1200" dirty="0"/>
+            <a:t>Architecture relative features</a:t>
           </a:r>
-          <a:endParaRPr lang="en-US" sz="3200" kern="1200"/>
+          <a:endParaRPr lang="en-US" sz="3000" kern="1200" dirty="0"/>
         </a:p>
       </dsp:txBody>
       <dsp:txXfrm>
-        <a:off x="0" y="2101366"/>
-        <a:ext cx="5728344" cy="700256"/>
-      </dsp:txXfrm>
-    </dsp:sp>
-    <dsp:sp modelId="{13B439A8-F097-CD40-B31A-8F48EF4B33B7}">
-      <dsp:nvSpPr>
-        <dsp:cNvPr id="0" name=""/>
-        <dsp:cNvSpPr/>
-      </dsp:nvSpPr>
-      <dsp:spPr>
-        <a:xfrm>
-          <a:off x="0" y="2801623"/>
-          <a:ext cx="5728344" cy="0"/>
-        </a:xfrm>
-        <a:prstGeom prst="line">
-          <a:avLst/>
-        </a:prstGeom>
-        <a:solidFill>
-          <a:schemeClr val="accent4">
-            <a:hueOff val="0"/>
-            <a:satOff val="0"/>
-            <a:lumOff val="0"/>
-            <a:alphaOff val="0"/>
-          </a:schemeClr>
-        </a:solidFill>
-        <a:ln w="15875" cap="rnd" cmpd="sng" algn="ctr">
-          <a:solidFill>
-            <a:schemeClr val="accent4">
-              <a:hueOff val="0"/>
-              <a:satOff val="0"/>
-              <a:lumOff val="0"/>
-              <a:alphaOff val="0"/>
-            </a:schemeClr>
-          </a:solidFill>
-          <a:prstDash val="solid"/>
-        </a:ln>
-        <a:effectLst/>
-      </dsp:spPr>
-      <dsp:style>
-        <a:lnRef idx="2">
-          <a:scrgbClr r="0" g="0" b="0"/>
-        </a:lnRef>
-        <a:fillRef idx="1">
-          <a:scrgbClr r="0" g="0" b="0"/>
-        </a:fillRef>
-        <a:effectRef idx="1">
-          <a:scrgbClr r="0" g="0" b="0"/>
-        </a:effectRef>
-        <a:fontRef idx="minor">
-          <a:schemeClr val="lt1"/>
-        </a:fontRef>
-      </dsp:style>
-    </dsp:sp>
-    <dsp:sp modelId="{6C924824-3D61-4A45-95C9-7D7DBE449EED}">
-      <dsp:nvSpPr>
-        <dsp:cNvPr id="0" name=""/>
-        <dsp:cNvSpPr/>
-      </dsp:nvSpPr>
-      <dsp:spPr>
-        <a:xfrm>
-          <a:off x="0" y="2801623"/>
-          <a:ext cx="5728344" cy="700256"/>
-        </a:xfrm>
-        <a:prstGeom prst="rect">
-          <a:avLst/>
-        </a:prstGeom>
-        <a:noFill/>
-        <a:ln>
-          <a:noFill/>
-        </a:ln>
-        <a:effectLst/>
-      </dsp:spPr>
-      <dsp:style>
-        <a:lnRef idx="0">
-          <a:scrgbClr r="0" g="0" b="0"/>
-        </a:lnRef>
-        <a:fillRef idx="0">
-          <a:scrgbClr r="0" g="0" b="0"/>
-        </a:fillRef>
-        <a:effectRef idx="0">
-          <a:scrgbClr r="0" g="0" b="0"/>
-        </a:effectRef>
-        <a:fontRef idx="minor"/>
-      </dsp:style>
-      <dsp:txBody>
-        <a:bodyPr spcFirstLastPara="0" vert="horz" wrap="square" lIns="121920" tIns="121920" rIns="121920" bIns="121920" numCol="1" spcCol="1270" anchor="t" anchorCtr="0">
-          <a:noAutofit/>
-        </a:bodyPr>
-        <a:lstStyle/>
-        <a:p>
-          <a:pPr marL="0" lvl="0" indent="0" algn="l" defTabSz="1422400">
-            <a:lnSpc>
-              <a:spcPct val="90000"/>
-            </a:lnSpc>
-            <a:spcBef>
-              <a:spcPct val="0"/>
-            </a:spcBef>
-            <a:spcAft>
-              <a:spcPct val="35000"/>
-            </a:spcAft>
-            <a:buNone/>
-          </a:pPr>
-          <a:r>
-            <a:rPr kumimoji="1" lang="en-US" sz="3200" kern="1200"/>
-            <a:t>SCMI</a:t>
-          </a:r>
-          <a:endParaRPr lang="en-US" sz="3200" kern="1200"/>
-        </a:p>
-      </dsp:txBody>
-      <dsp:txXfrm>
-        <a:off x="0" y="2801623"/>
-        <a:ext cx="5728344" cy="700256"/>
+        <a:off x="0" y="2451495"/>
+        <a:ext cx="5728344" cy="816366"/>
       </dsp:txXfrm>
     </dsp:sp>
     <dsp:sp modelId="{5080DBA0-D858-2C4C-83F8-B6179A1F0BB7}">
@@ -1886,7 +1728,7 @@
       </dsp:nvSpPr>
       <dsp:spPr>
         <a:xfrm>
-          <a:off x="0" y="3501879"/>
+          <a:off x="0" y="3267861"/>
           <a:ext cx="5728344" cy="0"/>
         </a:xfrm>
         <a:prstGeom prst="line">
@@ -1935,8 +1777,8 @@
       </dsp:nvSpPr>
       <dsp:spPr>
         <a:xfrm>
-          <a:off x="0" y="3501879"/>
-          <a:ext cx="5728344" cy="700256"/>
+          <a:off x="0" y="3267861"/>
+          <a:ext cx="5728344" cy="816366"/>
         </a:xfrm>
         <a:prstGeom prst="rect">
           <a:avLst/>
@@ -1960,12 +1802,12 @@
         <a:fontRef idx="minor"/>
       </dsp:style>
       <dsp:txBody>
-        <a:bodyPr spcFirstLastPara="0" vert="horz" wrap="square" lIns="121920" tIns="121920" rIns="121920" bIns="121920" numCol="1" spcCol="1270" anchor="t" anchorCtr="0">
+        <a:bodyPr spcFirstLastPara="0" vert="horz" wrap="square" lIns="114300" tIns="114300" rIns="114300" bIns="114300" numCol="1" spcCol="1270" anchor="t" anchorCtr="0">
           <a:noAutofit/>
         </a:bodyPr>
         <a:lstStyle/>
         <a:p>
-          <a:pPr marL="0" lvl="0" indent="0" algn="l" defTabSz="1422400">
+          <a:pPr marL="0" lvl="0" indent="0" algn="l" defTabSz="1333500">
             <a:lnSpc>
               <a:spcPct val="90000"/>
             </a:lnSpc>
@@ -1978,15 +1820,15 @@
             <a:buNone/>
           </a:pPr>
           <a:r>
-            <a:rPr kumimoji="1" lang="en-US" sz="3200" kern="1200"/>
-            <a:t>Memory</a:t>
+            <a:rPr kumimoji="1" lang="en-US" sz="3000" kern="1200" dirty="0"/>
+            <a:t>Memory features</a:t>
           </a:r>
-          <a:endParaRPr lang="en-US" sz="3200" kern="1200"/>
+          <a:endParaRPr lang="en-US" sz="3000" kern="1200" dirty="0"/>
         </a:p>
       </dsp:txBody>
       <dsp:txXfrm>
-        <a:off x="0" y="3501879"/>
-        <a:ext cx="5728344" cy="700256"/>
+        <a:off x="0" y="3267861"/>
+        <a:ext cx="5728344" cy="816366"/>
       </dsp:txXfrm>
     </dsp:sp>
     <dsp:sp modelId="{972E88E8-5308-2047-833F-ACDA62D67E49}">
@@ -1996,7 +1838,7 @@
       </dsp:nvSpPr>
       <dsp:spPr>
         <a:xfrm>
-          <a:off x="0" y="4202135"/>
+          <a:off x="0" y="4084228"/>
           <a:ext cx="5728344" cy="0"/>
         </a:xfrm>
         <a:prstGeom prst="line">
@@ -2045,8 +1887,8 @@
       </dsp:nvSpPr>
       <dsp:spPr>
         <a:xfrm>
-          <a:off x="0" y="4202135"/>
-          <a:ext cx="5728344" cy="700256"/>
+          <a:off x="0" y="4084228"/>
+          <a:ext cx="5728344" cy="816366"/>
         </a:xfrm>
         <a:prstGeom prst="rect">
           <a:avLst/>
@@ -2070,12 +1912,12 @@
         <a:fontRef idx="minor"/>
       </dsp:style>
       <dsp:txBody>
-        <a:bodyPr spcFirstLastPara="0" vert="horz" wrap="square" lIns="121920" tIns="121920" rIns="121920" bIns="121920" numCol="1" spcCol="1270" anchor="t" anchorCtr="0">
+        <a:bodyPr spcFirstLastPara="0" vert="horz" wrap="square" lIns="114300" tIns="114300" rIns="114300" bIns="114300" numCol="1" spcCol="1270" anchor="t" anchorCtr="0">
           <a:noAutofit/>
         </a:bodyPr>
         <a:lstStyle/>
         <a:p>
-          <a:pPr marL="0" lvl="0" indent="0" algn="l" defTabSz="1422400">
+          <a:pPr marL="0" lvl="0" indent="0" algn="l" defTabSz="1333500">
             <a:lnSpc>
               <a:spcPct val="90000"/>
             </a:lnSpc>
@@ -2088,15 +1930,15 @@
             <a:buNone/>
           </a:pPr>
           <a:r>
-            <a:rPr kumimoji="1" lang="en-US" sz="3200" kern="1200"/>
+            <a:rPr kumimoji="1" lang="en-US" sz="3000" kern="1200"/>
             <a:t>Staging features: ILP32</a:t>
           </a:r>
-          <a:endParaRPr lang="en-US" sz="3200" kern="1200"/>
+          <a:endParaRPr lang="en-US" sz="3000" kern="1200"/>
         </a:p>
       </dsp:txBody>
       <dsp:txXfrm>
-        <a:off x="0" y="4202135"/>
-        <a:ext cx="5728344" cy="700256"/>
+        <a:off x="0" y="4084228"/>
+        <a:ext cx="5728344" cy="816366"/>
       </dsp:txXfrm>
     </dsp:sp>
   </dsp:spTree>
@@ -3603,6 +3445,708 @@
 </dgm:styleDef>
 </file>
 
+<file path=ppt/handoutMasters/handoutMaster1.xml><?xml version="1.0" encoding="utf-8"?>
+<p:handoutMaster xmlns:a="http://schemas.openxmlformats.org/drawingml/2006/main" xmlns:r="http://schemas.openxmlformats.org/officeDocument/2006/relationships" xmlns:p="http://schemas.openxmlformats.org/presentationml/2006/main">
+  <p:cSld>
+    <p:bg>
+      <p:bgRef idx="1001">
+        <a:schemeClr val="bg1"/>
+      </p:bgRef>
+    </p:bg>
+    <p:spTree>
+      <p:nvGrpSpPr>
+        <p:cNvPr id="1" name=""/>
+        <p:cNvGrpSpPr/>
+        <p:nvPr/>
+      </p:nvGrpSpPr>
+      <p:grpSpPr>
+        <a:xfrm>
+          <a:off x="0" y="0"/>
+          <a:ext cx="0" cy="0"/>
+          <a:chOff x="0" y="0"/>
+          <a:chExt cx="0" cy="0"/>
+        </a:xfrm>
+      </p:grpSpPr>
+      <p:sp>
+        <p:nvSpPr>
+          <p:cNvPr id="2" name="页眉占位符 1">
+            <a:extLst>
+              <a:ext uri="{FF2B5EF4-FFF2-40B4-BE49-F238E27FC236}">
+                <a16:creationId xmlns:a16="http://schemas.microsoft.com/office/drawing/2014/main" id="{D92554DA-3684-FF47-B7A8-1E819D5F0A0A}"/>
+              </a:ext>
+            </a:extLst>
+          </p:cNvPr>
+          <p:cNvSpPr>
+            <a:spLocks noGrp="1"/>
+          </p:cNvSpPr>
+          <p:nvPr>
+            <p:ph type="hdr" sz="quarter"/>
+          </p:nvPr>
+        </p:nvSpPr>
+        <p:spPr>
+          <a:xfrm>
+            <a:off x="0" y="0"/>
+            <a:ext cx="2971800" cy="458788"/>
+          </a:xfrm>
+          <a:prstGeom prst="rect">
+            <a:avLst/>
+          </a:prstGeom>
+        </p:spPr>
+        <p:txBody>
+          <a:bodyPr vert="horz" lIns="91440" tIns="45720" rIns="91440" bIns="45720" rtlCol="0"/>
+          <a:lstStyle>
+            <a:lvl1pPr algn="l">
+              <a:defRPr sz="1200"/>
+            </a:lvl1pPr>
+          </a:lstStyle>
+          <a:p>
+            <a:endParaRPr kumimoji="1" lang="zh-CN" altLang="en-US"/>
+          </a:p>
+        </p:txBody>
+      </p:sp>
+      <p:sp>
+        <p:nvSpPr>
+          <p:cNvPr id="3" name="日期占位符 2">
+            <a:extLst>
+              <a:ext uri="{FF2B5EF4-FFF2-40B4-BE49-F238E27FC236}">
+                <a16:creationId xmlns:a16="http://schemas.microsoft.com/office/drawing/2014/main" id="{E6891859-90FF-E542-873B-083A3E2F8C7A}"/>
+              </a:ext>
+            </a:extLst>
+          </p:cNvPr>
+          <p:cNvSpPr>
+            <a:spLocks noGrp="1"/>
+          </p:cNvSpPr>
+          <p:nvPr>
+            <p:ph type="dt" sz="quarter" idx="1"/>
+          </p:nvPr>
+        </p:nvSpPr>
+        <p:spPr>
+          <a:xfrm>
+            <a:off x="3884613" y="0"/>
+            <a:ext cx="2971800" cy="458788"/>
+          </a:xfrm>
+          <a:prstGeom prst="rect">
+            <a:avLst/>
+          </a:prstGeom>
+        </p:spPr>
+        <p:txBody>
+          <a:bodyPr vert="horz" lIns="91440" tIns="45720" rIns="91440" bIns="45720" rtlCol="0"/>
+          <a:lstStyle>
+            <a:lvl1pPr algn="r">
+              <a:defRPr sz="1200"/>
+            </a:lvl1pPr>
+          </a:lstStyle>
+          <a:p>
+            <a:fld id="{29D37BD8-9277-BD4D-9531-B9A5A076E21E}" type="datetimeFigureOut">
+              <a:rPr kumimoji="1" lang="zh-CN" altLang="en-US" smtClean="0"/>
+              <a:t>2018/5/21</a:t>
+            </a:fld>
+            <a:endParaRPr kumimoji="1" lang="zh-CN" altLang="en-US"/>
+          </a:p>
+        </p:txBody>
+      </p:sp>
+      <p:sp>
+        <p:nvSpPr>
+          <p:cNvPr id="4" name="页脚占位符 3">
+            <a:extLst>
+              <a:ext uri="{FF2B5EF4-FFF2-40B4-BE49-F238E27FC236}">
+                <a16:creationId xmlns:a16="http://schemas.microsoft.com/office/drawing/2014/main" id="{00F1B5F8-C05C-524B-B31B-0141C4FFD973}"/>
+              </a:ext>
+            </a:extLst>
+          </p:cNvPr>
+          <p:cNvSpPr>
+            <a:spLocks noGrp="1"/>
+          </p:cNvSpPr>
+          <p:nvPr>
+            <p:ph type="ftr" sz="quarter" idx="2"/>
+          </p:nvPr>
+        </p:nvSpPr>
+        <p:spPr>
+          <a:xfrm>
+            <a:off x="0" y="8685213"/>
+            <a:ext cx="2971800" cy="458787"/>
+          </a:xfrm>
+          <a:prstGeom prst="rect">
+            <a:avLst/>
+          </a:prstGeom>
+        </p:spPr>
+        <p:txBody>
+          <a:bodyPr vert="horz" lIns="91440" tIns="45720" rIns="91440" bIns="45720" rtlCol="0" anchor="b"/>
+          <a:lstStyle>
+            <a:lvl1pPr algn="l">
+              <a:defRPr sz="1200"/>
+            </a:lvl1pPr>
+          </a:lstStyle>
+          <a:p>
+            <a:endParaRPr kumimoji="1" lang="zh-CN" altLang="en-US"/>
+          </a:p>
+        </p:txBody>
+      </p:sp>
+      <p:sp>
+        <p:nvSpPr>
+          <p:cNvPr id="5" name="灯片编号占位符 4">
+            <a:extLst>
+              <a:ext uri="{FF2B5EF4-FFF2-40B4-BE49-F238E27FC236}">
+                <a16:creationId xmlns:a16="http://schemas.microsoft.com/office/drawing/2014/main" id="{E4BC3295-803F-1A4F-83D4-60CB41D3A2F0}"/>
+              </a:ext>
+            </a:extLst>
+          </p:cNvPr>
+          <p:cNvSpPr>
+            <a:spLocks noGrp="1"/>
+          </p:cNvSpPr>
+          <p:nvPr>
+            <p:ph type="sldNum" sz="quarter" idx="3"/>
+          </p:nvPr>
+        </p:nvSpPr>
+        <p:spPr>
+          <a:xfrm>
+            <a:off x="3884613" y="8685213"/>
+            <a:ext cx="2971800" cy="458787"/>
+          </a:xfrm>
+          <a:prstGeom prst="rect">
+            <a:avLst/>
+          </a:prstGeom>
+        </p:spPr>
+        <p:txBody>
+          <a:bodyPr vert="horz" lIns="91440" tIns="45720" rIns="91440" bIns="45720" rtlCol="0" anchor="b"/>
+          <a:lstStyle>
+            <a:lvl1pPr algn="r">
+              <a:defRPr sz="1200"/>
+            </a:lvl1pPr>
+          </a:lstStyle>
+          <a:p>
+            <a:fld id="{FC9DAE0F-EE4C-CD43-A967-DA1177E93D0A}" type="slidenum">
+              <a:rPr kumimoji="1" lang="zh-CN" altLang="en-US" smtClean="0"/>
+              <a:t>‹#›</a:t>
+            </a:fld>
+            <a:endParaRPr kumimoji="1" lang="zh-CN" altLang="en-US"/>
+          </a:p>
+        </p:txBody>
+      </p:sp>
+    </p:spTree>
+    <p:extLst>
+      <p:ext uri="{BB962C8B-B14F-4D97-AF65-F5344CB8AC3E}">
+        <p14:creationId xmlns:p14="http://schemas.microsoft.com/office/powerpoint/2010/main" val="3835602711"/>
+      </p:ext>
+    </p:extLst>
+  </p:cSld>
+  <p:clrMap bg1="lt1" tx1="dk1" bg2="lt2" tx2="dk2" accent1="accent1" accent2="accent2" accent3="accent3" accent4="accent4" accent5="accent5" accent6="accent6" hlink="hlink" folHlink="folHlink"/>
+</p:handoutMaster>
+</file>
+
+<file path=ppt/notesMasters/notesMaster1.xml><?xml version="1.0" encoding="utf-8"?>
+<p:notesMaster xmlns:a="http://schemas.openxmlformats.org/drawingml/2006/main" xmlns:r="http://schemas.openxmlformats.org/officeDocument/2006/relationships" xmlns:p="http://schemas.openxmlformats.org/presentationml/2006/main">
+  <p:cSld>
+    <p:bg>
+      <p:bgRef idx="1001">
+        <a:schemeClr val="bg1"/>
+      </p:bgRef>
+    </p:bg>
+    <p:spTree>
+      <p:nvGrpSpPr>
+        <p:cNvPr id="1" name=""/>
+        <p:cNvGrpSpPr/>
+        <p:nvPr/>
+      </p:nvGrpSpPr>
+      <p:grpSpPr>
+        <a:xfrm>
+          <a:off x="0" y="0"/>
+          <a:ext cx="0" cy="0"/>
+          <a:chOff x="0" y="0"/>
+          <a:chExt cx="0" cy="0"/>
+        </a:xfrm>
+      </p:grpSpPr>
+      <p:sp>
+        <p:nvSpPr>
+          <p:cNvPr id="2" name="页眉占位符 1"/>
+          <p:cNvSpPr>
+            <a:spLocks noGrp="1"/>
+          </p:cNvSpPr>
+          <p:nvPr>
+            <p:ph type="hdr" sz="quarter"/>
+          </p:nvPr>
+        </p:nvSpPr>
+        <p:spPr>
+          <a:xfrm>
+            <a:off x="0" y="0"/>
+            <a:ext cx="2971800" cy="458788"/>
+          </a:xfrm>
+          <a:prstGeom prst="rect">
+            <a:avLst/>
+          </a:prstGeom>
+        </p:spPr>
+        <p:txBody>
+          <a:bodyPr vert="horz" lIns="91440" tIns="45720" rIns="91440" bIns="45720" rtlCol="0"/>
+          <a:lstStyle>
+            <a:lvl1pPr algn="l">
+              <a:defRPr sz="1200"/>
+            </a:lvl1pPr>
+          </a:lstStyle>
+          <a:p>
+            <a:endParaRPr kumimoji="1" lang="zh-CN" altLang="en-US"/>
+          </a:p>
+        </p:txBody>
+      </p:sp>
+      <p:sp>
+        <p:nvSpPr>
+          <p:cNvPr id="3" name="日期占位符 2"/>
+          <p:cNvSpPr>
+            <a:spLocks noGrp="1"/>
+          </p:cNvSpPr>
+          <p:nvPr>
+            <p:ph type="dt" idx="1"/>
+          </p:nvPr>
+        </p:nvSpPr>
+        <p:spPr>
+          <a:xfrm>
+            <a:off x="3884613" y="0"/>
+            <a:ext cx="2971800" cy="458788"/>
+          </a:xfrm>
+          <a:prstGeom prst="rect">
+            <a:avLst/>
+          </a:prstGeom>
+        </p:spPr>
+        <p:txBody>
+          <a:bodyPr vert="horz" lIns="91440" tIns="45720" rIns="91440" bIns="45720" rtlCol="0"/>
+          <a:lstStyle>
+            <a:lvl1pPr algn="r">
+              <a:defRPr sz="1200"/>
+            </a:lvl1pPr>
+          </a:lstStyle>
+          <a:p>
+            <a:fld id="{37F34CCF-FA8D-724F-AA4E-DAC1C0FB6FF9}" type="datetimeFigureOut">
+              <a:rPr kumimoji="1" lang="zh-CN" altLang="en-US" smtClean="0"/>
+              <a:t>2018/5/21</a:t>
+            </a:fld>
+            <a:endParaRPr kumimoji="1" lang="zh-CN" altLang="en-US"/>
+          </a:p>
+        </p:txBody>
+      </p:sp>
+      <p:sp>
+        <p:nvSpPr>
+          <p:cNvPr id="4" name="幻灯片图像占位符 3"/>
+          <p:cNvSpPr>
+            <a:spLocks noGrp="1" noRot="1" noChangeAspect="1"/>
+          </p:cNvSpPr>
+          <p:nvPr>
+            <p:ph type="sldImg" idx="2"/>
+          </p:nvPr>
+        </p:nvSpPr>
+        <p:spPr>
+          <a:xfrm>
+            <a:off x="685800" y="1143000"/>
+            <a:ext cx="5486400" cy="3086100"/>
+          </a:xfrm>
+          <a:prstGeom prst="rect">
+            <a:avLst/>
+          </a:prstGeom>
+          <a:noFill/>
+          <a:ln w="12700">
+            <a:solidFill>
+              <a:prstClr val="black"/>
+            </a:solidFill>
+          </a:ln>
+        </p:spPr>
+        <p:txBody>
+          <a:bodyPr vert="horz" lIns="91440" tIns="45720" rIns="91440" bIns="45720" rtlCol="0" anchor="ctr"/>
+          <a:lstStyle/>
+          <a:p>
+            <a:endParaRPr lang="zh-CN" altLang="en-US"/>
+          </a:p>
+        </p:txBody>
+      </p:sp>
+      <p:sp>
+        <p:nvSpPr>
+          <p:cNvPr id="5" name="备注占位符 4"/>
+          <p:cNvSpPr>
+            <a:spLocks noGrp="1"/>
+          </p:cNvSpPr>
+          <p:nvPr>
+            <p:ph type="body" sz="quarter" idx="3"/>
+          </p:nvPr>
+        </p:nvSpPr>
+        <p:spPr>
+          <a:xfrm>
+            <a:off x="685800" y="4400550"/>
+            <a:ext cx="5486400" cy="3600450"/>
+          </a:xfrm>
+          <a:prstGeom prst="rect">
+            <a:avLst/>
+          </a:prstGeom>
+        </p:spPr>
+        <p:txBody>
+          <a:bodyPr vert="horz" lIns="91440" tIns="45720" rIns="91440" bIns="45720" rtlCol="0"/>
+          <a:lstStyle/>
+          <a:p>
+            <a:r>
+              <a:rPr kumimoji="1" lang="zh-CN" altLang="en-US"/>
+              <a:t>编辑母版文本样式
+第二级
+第三级
+第四级
+第五级</a:t>
+            </a:r>
+          </a:p>
+        </p:txBody>
+      </p:sp>
+      <p:sp>
+        <p:nvSpPr>
+          <p:cNvPr id="6" name="页脚占位符 5"/>
+          <p:cNvSpPr>
+            <a:spLocks noGrp="1"/>
+          </p:cNvSpPr>
+          <p:nvPr>
+            <p:ph type="ftr" sz="quarter" idx="4"/>
+          </p:nvPr>
+        </p:nvSpPr>
+        <p:spPr>
+          <a:xfrm>
+            <a:off x="0" y="8685213"/>
+            <a:ext cx="2971800" cy="458787"/>
+          </a:xfrm>
+          <a:prstGeom prst="rect">
+            <a:avLst/>
+          </a:prstGeom>
+        </p:spPr>
+        <p:txBody>
+          <a:bodyPr vert="horz" lIns="91440" tIns="45720" rIns="91440" bIns="45720" rtlCol="0" anchor="b"/>
+          <a:lstStyle>
+            <a:lvl1pPr algn="l">
+              <a:defRPr sz="1200"/>
+            </a:lvl1pPr>
+          </a:lstStyle>
+          <a:p>
+            <a:endParaRPr kumimoji="1" lang="zh-CN" altLang="en-US"/>
+          </a:p>
+        </p:txBody>
+      </p:sp>
+      <p:sp>
+        <p:nvSpPr>
+          <p:cNvPr id="7" name="灯片编号占位符 6"/>
+          <p:cNvSpPr>
+            <a:spLocks noGrp="1"/>
+          </p:cNvSpPr>
+          <p:nvPr>
+            <p:ph type="sldNum" sz="quarter" idx="5"/>
+          </p:nvPr>
+        </p:nvSpPr>
+        <p:spPr>
+          <a:xfrm>
+            <a:off x="3884613" y="8685213"/>
+            <a:ext cx="2971800" cy="458787"/>
+          </a:xfrm>
+          <a:prstGeom prst="rect">
+            <a:avLst/>
+          </a:prstGeom>
+        </p:spPr>
+        <p:txBody>
+          <a:bodyPr vert="horz" lIns="91440" tIns="45720" rIns="91440" bIns="45720" rtlCol="0" anchor="b"/>
+          <a:lstStyle>
+            <a:lvl1pPr algn="r">
+              <a:defRPr sz="1200"/>
+            </a:lvl1pPr>
+          </a:lstStyle>
+          <a:p>
+            <a:fld id="{30A8C9AD-ED29-5A43-962F-AC9AB80D95B9}" type="slidenum">
+              <a:rPr kumimoji="1" lang="zh-CN" altLang="en-US" smtClean="0"/>
+              <a:t>‹#›</a:t>
+            </a:fld>
+            <a:endParaRPr kumimoji="1" lang="zh-CN" altLang="en-US"/>
+          </a:p>
+        </p:txBody>
+      </p:sp>
+    </p:spTree>
+    <p:extLst>
+      <p:ext uri="{BB962C8B-B14F-4D97-AF65-F5344CB8AC3E}">
+        <p14:creationId xmlns:p14="http://schemas.microsoft.com/office/powerpoint/2010/main" val="3031570792"/>
+      </p:ext>
+    </p:extLst>
+  </p:cSld>
+  <p:clrMap bg1="lt1" tx1="dk1" bg2="lt2" tx2="dk2" accent1="accent1" accent2="accent2" accent3="accent3" accent4="accent4" accent5="accent5" accent6="accent6" hlink="hlink" folHlink="folHlink"/>
+  <p:notesStyle>
+    <a:lvl1pPr marL="0" algn="l" defTabSz="914400" rtl="0" eaLnBrk="1" latinLnBrk="0" hangingPunct="1">
+      <a:defRPr sz="1200" kern="1200">
+        <a:solidFill>
+          <a:schemeClr val="tx1"/>
+        </a:solidFill>
+        <a:latin typeface="+mn-lt"/>
+        <a:ea typeface="+mn-ea"/>
+        <a:cs typeface="+mn-cs"/>
+      </a:defRPr>
+    </a:lvl1pPr>
+    <a:lvl2pPr marL="457200" algn="l" defTabSz="914400" rtl="0" eaLnBrk="1" latinLnBrk="0" hangingPunct="1">
+      <a:defRPr sz="1200" kern="1200">
+        <a:solidFill>
+          <a:schemeClr val="tx1"/>
+        </a:solidFill>
+        <a:latin typeface="+mn-lt"/>
+        <a:ea typeface="+mn-ea"/>
+        <a:cs typeface="+mn-cs"/>
+      </a:defRPr>
+    </a:lvl2pPr>
+    <a:lvl3pPr marL="914400" algn="l" defTabSz="914400" rtl="0" eaLnBrk="1" latinLnBrk="0" hangingPunct="1">
+      <a:defRPr sz="1200" kern="1200">
+        <a:solidFill>
+          <a:schemeClr val="tx1"/>
+        </a:solidFill>
+        <a:latin typeface="+mn-lt"/>
+        <a:ea typeface="+mn-ea"/>
+        <a:cs typeface="+mn-cs"/>
+      </a:defRPr>
+    </a:lvl3pPr>
+    <a:lvl4pPr marL="1371600" algn="l" defTabSz="914400" rtl="0" eaLnBrk="1" latinLnBrk="0" hangingPunct="1">
+      <a:defRPr sz="1200" kern="1200">
+        <a:solidFill>
+          <a:schemeClr val="tx1"/>
+        </a:solidFill>
+        <a:latin typeface="+mn-lt"/>
+        <a:ea typeface="+mn-ea"/>
+        <a:cs typeface="+mn-cs"/>
+      </a:defRPr>
+    </a:lvl4pPr>
+    <a:lvl5pPr marL="1828800" algn="l" defTabSz="914400" rtl="0" eaLnBrk="1" latinLnBrk="0" hangingPunct="1">
+      <a:defRPr sz="1200" kern="1200">
+        <a:solidFill>
+          <a:schemeClr val="tx1"/>
+        </a:solidFill>
+        <a:latin typeface="+mn-lt"/>
+        <a:ea typeface="+mn-ea"/>
+        <a:cs typeface="+mn-cs"/>
+      </a:defRPr>
+    </a:lvl5pPr>
+    <a:lvl6pPr marL="2286000" algn="l" defTabSz="914400" rtl="0" eaLnBrk="1" latinLnBrk="0" hangingPunct="1">
+      <a:defRPr sz="1200" kern="1200">
+        <a:solidFill>
+          <a:schemeClr val="tx1"/>
+        </a:solidFill>
+        <a:latin typeface="+mn-lt"/>
+        <a:ea typeface="+mn-ea"/>
+        <a:cs typeface="+mn-cs"/>
+      </a:defRPr>
+    </a:lvl6pPr>
+    <a:lvl7pPr marL="2743200" algn="l" defTabSz="914400" rtl="0" eaLnBrk="1" latinLnBrk="0" hangingPunct="1">
+      <a:defRPr sz="1200" kern="1200">
+        <a:solidFill>
+          <a:schemeClr val="tx1"/>
+        </a:solidFill>
+        <a:latin typeface="+mn-lt"/>
+        <a:ea typeface="+mn-ea"/>
+        <a:cs typeface="+mn-cs"/>
+      </a:defRPr>
+    </a:lvl7pPr>
+    <a:lvl8pPr marL="3200400" algn="l" defTabSz="914400" rtl="0" eaLnBrk="1" latinLnBrk="0" hangingPunct="1">
+      <a:defRPr sz="1200" kern="1200">
+        <a:solidFill>
+          <a:schemeClr val="tx1"/>
+        </a:solidFill>
+        <a:latin typeface="+mn-lt"/>
+        <a:ea typeface="+mn-ea"/>
+        <a:cs typeface="+mn-cs"/>
+      </a:defRPr>
+    </a:lvl8pPr>
+    <a:lvl9pPr marL="3657600" algn="l" defTabSz="914400" rtl="0" eaLnBrk="1" latinLnBrk="0" hangingPunct="1">
+      <a:defRPr sz="1200" kern="1200">
+        <a:solidFill>
+          <a:schemeClr val="tx1"/>
+        </a:solidFill>
+        <a:latin typeface="+mn-lt"/>
+        <a:ea typeface="+mn-ea"/>
+        <a:cs typeface="+mn-cs"/>
+      </a:defRPr>
+    </a:lvl9pPr>
+  </p:notesStyle>
+</p:notesMaster>
+</file>
+
+<file path=ppt/notesSlides/notesSlide1.xml><?xml version="1.0" encoding="utf-8"?>
+<p:notes xmlns:a="http://schemas.openxmlformats.org/drawingml/2006/main" xmlns:r="http://schemas.openxmlformats.org/officeDocument/2006/relationships" xmlns:p="http://schemas.openxmlformats.org/presentationml/2006/main">
+  <p:cSld>
+    <p:spTree>
+      <p:nvGrpSpPr>
+        <p:cNvPr id="1" name=""/>
+        <p:cNvGrpSpPr/>
+        <p:nvPr/>
+      </p:nvGrpSpPr>
+      <p:grpSpPr>
+        <a:xfrm>
+          <a:off x="0" y="0"/>
+          <a:ext cx="0" cy="0"/>
+          <a:chOff x="0" y="0"/>
+          <a:chExt cx="0" cy="0"/>
+        </a:xfrm>
+      </p:grpSpPr>
+      <p:sp>
+        <p:nvSpPr>
+          <p:cNvPr id="2" name="幻灯片图像占位符 1"/>
+          <p:cNvSpPr>
+            <a:spLocks noGrp="1" noRot="1" noChangeAspect="1"/>
+          </p:cNvSpPr>
+          <p:nvPr>
+            <p:ph type="sldImg"/>
+          </p:nvPr>
+        </p:nvSpPr>
+        <p:spPr/>
+      </p:sp>
+      <p:sp>
+        <p:nvSpPr>
+          <p:cNvPr id="3" name="备注占位符 2"/>
+          <p:cNvSpPr>
+            <a:spLocks noGrp="1"/>
+          </p:cNvSpPr>
+          <p:nvPr>
+            <p:ph type="body" idx="1"/>
+          </p:nvPr>
+        </p:nvSpPr>
+        <p:spPr/>
+        <p:txBody>
+          <a:bodyPr/>
+          <a:lstStyle/>
+          <a:p>
+            <a:r>
+              <a:rPr kumimoji="1" lang="en-US" altLang="zh-CN" dirty="0"/>
+              <a:t>TODO </a:t>
+            </a:r>
+            <a:r>
+              <a:rPr kumimoji="1" lang="zh-CN" altLang="en-US" dirty="0"/>
+              <a:t>添加共享的社区</a:t>
+            </a:r>
+          </a:p>
+        </p:txBody>
+      </p:sp>
+      <p:sp>
+        <p:nvSpPr>
+          <p:cNvPr id="4" name="灯片编号占位符 3"/>
+          <p:cNvSpPr>
+            <a:spLocks noGrp="1"/>
+          </p:cNvSpPr>
+          <p:nvPr>
+            <p:ph type="sldNum" sz="quarter" idx="10"/>
+          </p:nvPr>
+        </p:nvSpPr>
+        <p:spPr/>
+        <p:txBody>
+          <a:bodyPr/>
+          <a:lstStyle/>
+          <a:p>
+            <a:fld id="{30A8C9AD-ED29-5A43-962F-AC9AB80D95B9}" type="slidenum">
+              <a:rPr kumimoji="1" lang="zh-CN" altLang="en-US" smtClean="0"/>
+              <a:t>3</a:t>
+            </a:fld>
+            <a:endParaRPr kumimoji="1" lang="zh-CN" altLang="en-US"/>
+          </a:p>
+        </p:txBody>
+      </p:sp>
+    </p:spTree>
+    <p:extLst>
+      <p:ext uri="{BB962C8B-B14F-4D97-AF65-F5344CB8AC3E}">
+        <p14:creationId xmlns:p14="http://schemas.microsoft.com/office/powerpoint/2010/main" val="171219141"/>
+      </p:ext>
+    </p:extLst>
+  </p:cSld>
+  <p:clrMapOvr>
+    <a:masterClrMapping/>
+  </p:clrMapOvr>
+</p:notes>
+</file>
+
+<file path=ppt/notesSlides/notesSlide2.xml><?xml version="1.0" encoding="utf-8"?>
+<p:notes xmlns:a="http://schemas.openxmlformats.org/drawingml/2006/main" xmlns:r="http://schemas.openxmlformats.org/officeDocument/2006/relationships" xmlns:p="http://schemas.openxmlformats.org/presentationml/2006/main">
+  <p:cSld>
+    <p:spTree>
+      <p:nvGrpSpPr>
+        <p:cNvPr id="1" name=""/>
+        <p:cNvGrpSpPr/>
+        <p:nvPr/>
+      </p:nvGrpSpPr>
+      <p:grpSpPr>
+        <a:xfrm>
+          <a:off x="0" y="0"/>
+          <a:ext cx="0" cy="0"/>
+          <a:chOff x="0" y="0"/>
+          <a:chExt cx="0" cy="0"/>
+        </a:xfrm>
+      </p:grpSpPr>
+      <p:sp>
+        <p:nvSpPr>
+          <p:cNvPr id="2" name="幻灯片图像占位符 1"/>
+          <p:cNvSpPr>
+            <a:spLocks noGrp="1" noRot="1" noChangeAspect="1"/>
+          </p:cNvSpPr>
+          <p:nvPr>
+            <p:ph type="sldImg"/>
+          </p:nvPr>
+        </p:nvSpPr>
+        <p:spPr/>
+      </p:sp>
+      <p:sp>
+        <p:nvSpPr>
+          <p:cNvPr id="3" name="备注占位符 2"/>
+          <p:cNvSpPr>
+            <a:spLocks noGrp="1"/>
+          </p:cNvSpPr>
+          <p:nvPr>
+            <p:ph type="body" idx="1"/>
+          </p:nvPr>
+        </p:nvSpPr>
+        <p:spPr/>
+        <p:txBody>
+          <a:bodyPr/>
+          <a:lstStyle/>
+          <a:p>
+            <a:pPr lvl="1"/>
+            <a:r>
+              <a:rPr kumimoji="1" lang="en-US" altLang="zh-CN" dirty="0"/>
+              <a:t>Mailing list</a:t>
+            </a:r>
+          </a:p>
+          <a:p>
+            <a:pPr lvl="1"/>
+            <a:r>
+              <a:rPr kumimoji="1" lang="en-US" altLang="zh-CN" dirty="0"/>
+              <a:t>Conference</a:t>
+            </a:r>
+          </a:p>
+          <a:p>
+            <a:endParaRPr kumimoji="1" lang="zh-CN" altLang="en-US" dirty="0"/>
+          </a:p>
+        </p:txBody>
+      </p:sp>
+      <p:sp>
+        <p:nvSpPr>
+          <p:cNvPr id="4" name="灯片编号占位符 3"/>
+          <p:cNvSpPr>
+            <a:spLocks noGrp="1"/>
+          </p:cNvSpPr>
+          <p:nvPr>
+            <p:ph type="sldNum" sz="quarter" idx="10"/>
+          </p:nvPr>
+        </p:nvSpPr>
+        <p:spPr/>
+        <p:txBody>
+          <a:bodyPr/>
+          <a:lstStyle/>
+          <a:p>
+            <a:fld id="{30A8C9AD-ED29-5A43-962F-AC9AB80D95B9}" type="slidenum">
+              <a:rPr kumimoji="1" lang="zh-CN" altLang="en-US" smtClean="0"/>
+              <a:t>4</a:t>
+            </a:fld>
+            <a:endParaRPr kumimoji="1" lang="zh-CN" altLang="en-US"/>
+          </a:p>
+        </p:txBody>
+      </p:sp>
+    </p:spTree>
+    <p:extLst>
+      <p:ext uri="{BB962C8B-B14F-4D97-AF65-F5344CB8AC3E}">
+        <p14:creationId xmlns:p14="http://schemas.microsoft.com/office/powerpoint/2010/main" val="1140052751"/>
+      </p:ext>
+    </p:extLst>
+  </p:cSld>
+  <p:clrMapOvr>
+    <a:masterClrMapping/>
+  </p:clrMapOvr>
+</p:notes>
+</file>
+
 <file path=ppt/slideLayouts/slideLayout1.xml><?xml version="1.0" encoding="utf-8"?>
 <p:sldLayout xmlns:a="http://schemas.openxmlformats.org/drawingml/2006/main" xmlns:r="http://schemas.openxmlformats.org/officeDocument/2006/relationships" xmlns:p="http://schemas.openxmlformats.org/presentationml/2006/main" type="title" preserve="1">
   <p:cSld name="标题幻灯片">
@@ -3698,7 +4242,7 @@
           <a:effectLst/>
           <a:extLst>
             <a:ext uri="{91240B29-F687-4f45-9708-019B960494DF}">
-              <a14:hiddenLine xmlns:a14="http://schemas.microsoft.com/office/drawing/2010/main" xmlns="" w="9525">
+              <a14:hiddenLine xmlns="" xmlns:a14="http://schemas.microsoft.com/office/drawing/2010/main" w="9525">
                 <a:solidFill>
                   <a:srgbClr val="000000"/>
                 </a:solidFill>
@@ -3888,10 +4432,9 @@
           <a:bodyPr/>
           <a:lstStyle/>
           <a:p>
-            <a:fld id="{08B9EBBA-996F-894A-B54A-D6246ED52CEA}" type="datetimeFigureOut">
-              <a:rPr lang="en-US" dirty="0"/>
-              <a:pPr/>
-              <a:t>5/20/18</a:t>
+            <a:fld id="{4EA509F0-F65C-A14F-B2F2-6A5AB608EC90}" type="datetime1">
+              <a:rPr lang="zh-CN" altLang="en-US" smtClean="0"/>
+              <a:t>2018/5/21</a:t>
             </a:fld>
             <a:endParaRPr lang="en-US" dirty="0"/>
           </a:p>
@@ -3918,18 +4461,40 @@
       </p:sp>
       <p:sp>
         <p:nvSpPr>
-          <p:cNvPr id="6" name="Slide Number Placeholder 5"/>
+          <p:cNvPr id="8" name="Slide Number Placeholder 5">
+            <a:extLst>
+              <a:ext uri="{FF2B5EF4-FFF2-40B4-BE49-F238E27FC236}">
+                <a16:creationId xmlns:a16="http://schemas.microsoft.com/office/drawing/2014/main" id="{D447D350-66CA-E34B-A257-F9C2C8EE53A0}"/>
+              </a:ext>
+            </a:extLst>
+          </p:cNvPr>
           <p:cNvSpPr>
             <a:spLocks noGrp="1"/>
           </p:cNvSpPr>
           <p:nvPr>
-            <p:ph type="sldNum" sz="quarter" idx="12"/>
-          </p:nvPr>
-        </p:nvSpPr>
-        <p:spPr/>
+            <p:ph type="sldNum" sz="quarter" idx="4"/>
+          </p:nvPr>
+        </p:nvSpPr>
+        <p:spPr>
+          <a:xfrm>
+            <a:off x="11113015" y="6344383"/>
+            <a:ext cx="1062155" cy="490599"/>
+          </a:xfrm>
+          <a:prstGeom prst="rect">
+            <a:avLst/>
+          </a:prstGeom>
+        </p:spPr>
         <p:txBody>
-          <a:bodyPr/>
-          <a:lstStyle/>
+          <a:bodyPr vert="horz" lIns="91440" tIns="45720" rIns="91440" bIns="10800" rtlCol="0" anchor="b"/>
+          <a:lstStyle>
+            <a:lvl1pPr algn="r">
+              <a:defRPr sz="2000">
+                <a:solidFill>
+                  <a:schemeClr val="accent1"/>
+                </a:solidFill>
+              </a:defRPr>
+            </a:lvl1pPr>
+          </a:lstStyle>
           <a:p>
             <a:fld id="{D57F1E4F-1CFF-5643-939E-217C01CDF565}" type="slidenum">
               <a:rPr lang="en-US" dirty="0"/>
@@ -3937,6 +4502,177 @@
               <a:t>‹#›</a:t>
             </a:fld>
             <a:endParaRPr lang="en-US" dirty="0"/>
+          </a:p>
+        </p:txBody>
+      </p:sp>
+      <p:pic>
+        <p:nvPicPr>
+          <p:cNvPr id="9" name="图片 8">
+            <a:extLst>
+              <a:ext uri="{FF2B5EF4-FFF2-40B4-BE49-F238E27FC236}">
+                <a16:creationId xmlns:a16="http://schemas.microsoft.com/office/drawing/2014/main" id="{9AA0BB38-B752-354A-BE01-8908879B7234}"/>
+              </a:ext>
+            </a:extLst>
+          </p:cNvPr>
+          <p:cNvPicPr>
+            <a:picLocks noChangeAspect="1"/>
+          </p:cNvPicPr>
+          <p:nvPr userDrawn="1"/>
+        </p:nvPicPr>
+        <p:blipFill>
+          <a:blip r:embed="rId2"/>
+          <a:stretch>
+            <a:fillRect/>
+          </a:stretch>
+        </p:blipFill>
+        <p:spPr>
+          <a:xfrm>
+            <a:off x="10897674" y="6585028"/>
+            <a:ext cx="249019" cy="249019"/>
+          </a:xfrm>
+          <a:prstGeom prst="rect">
+            <a:avLst/>
+          </a:prstGeom>
+        </p:spPr>
+      </p:pic>
+      <p:sp>
+        <p:nvSpPr>
+          <p:cNvPr id="10" name="Date Placeholder 3">
+            <a:extLst>
+              <a:ext uri="{FF2B5EF4-FFF2-40B4-BE49-F238E27FC236}">
+                <a16:creationId xmlns:a16="http://schemas.microsoft.com/office/drawing/2014/main" id="{AE109075-4A4D-624B-8602-9B5A65CAF8FD}"/>
+              </a:ext>
+            </a:extLst>
+          </p:cNvPr>
+          <p:cNvSpPr txBox="1">
+            <a:spLocks/>
+          </p:cNvSpPr>
+          <p:nvPr userDrawn="1"/>
+        </p:nvSpPr>
+        <p:spPr>
+          <a:xfrm>
+            <a:off x="10949517" y="6556074"/>
+            <a:ext cx="810001" cy="277973"/>
+          </a:xfrm>
+          <a:prstGeom prst="rect">
+            <a:avLst/>
+          </a:prstGeom>
+        </p:spPr>
+        <p:txBody>
+          <a:bodyPr vert="horz" lIns="91440" tIns="45720" rIns="91440" bIns="45720" rtlCol="0" anchor="b"/>
+          <a:lstStyle>
+            <a:defPPr>
+              <a:defRPr lang="en-US"/>
+            </a:defPPr>
+            <a:lvl1pPr marL="0" algn="r" defTabSz="457200" rtl="0" eaLnBrk="1" latinLnBrk="0" hangingPunct="1">
+              <a:defRPr sz="900" kern="1200">
+                <a:solidFill>
+                  <a:schemeClr val="tx1"/>
+                </a:solidFill>
+                <a:latin typeface="+mn-lt"/>
+                <a:ea typeface="+mn-ea"/>
+                <a:cs typeface="+mn-cs"/>
+              </a:defRPr>
+            </a:lvl1pPr>
+            <a:lvl2pPr marL="457200" algn="l" defTabSz="457200" rtl="0" eaLnBrk="1" latinLnBrk="0" hangingPunct="1">
+              <a:defRPr sz="1800" kern="1200">
+                <a:solidFill>
+                  <a:schemeClr val="tx1"/>
+                </a:solidFill>
+                <a:latin typeface="+mn-lt"/>
+                <a:ea typeface="+mn-ea"/>
+                <a:cs typeface="+mn-cs"/>
+              </a:defRPr>
+            </a:lvl2pPr>
+            <a:lvl3pPr marL="914400" algn="l" defTabSz="457200" rtl="0" eaLnBrk="1" latinLnBrk="0" hangingPunct="1">
+              <a:defRPr sz="1800" kern="1200">
+                <a:solidFill>
+                  <a:schemeClr val="tx1"/>
+                </a:solidFill>
+                <a:latin typeface="+mn-lt"/>
+                <a:ea typeface="+mn-ea"/>
+                <a:cs typeface="+mn-cs"/>
+              </a:defRPr>
+            </a:lvl3pPr>
+            <a:lvl4pPr marL="1371600" algn="l" defTabSz="457200" rtl="0" eaLnBrk="1" latinLnBrk="0" hangingPunct="1">
+              <a:defRPr sz="1800" kern="1200">
+                <a:solidFill>
+                  <a:schemeClr val="tx1"/>
+                </a:solidFill>
+                <a:latin typeface="+mn-lt"/>
+                <a:ea typeface="+mn-ea"/>
+                <a:cs typeface="+mn-cs"/>
+              </a:defRPr>
+            </a:lvl4pPr>
+            <a:lvl5pPr marL="1828800" algn="l" defTabSz="457200" rtl="0" eaLnBrk="1" latinLnBrk="0" hangingPunct="1">
+              <a:defRPr sz="1800" kern="1200">
+                <a:solidFill>
+                  <a:schemeClr val="tx1"/>
+                </a:solidFill>
+                <a:latin typeface="+mn-lt"/>
+                <a:ea typeface="+mn-ea"/>
+                <a:cs typeface="+mn-cs"/>
+              </a:defRPr>
+            </a:lvl5pPr>
+            <a:lvl6pPr marL="2286000" algn="l" defTabSz="457200" rtl="0" eaLnBrk="1" latinLnBrk="0" hangingPunct="1">
+              <a:defRPr sz="1800" kern="1200">
+                <a:solidFill>
+                  <a:schemeClr val="tx1"/>
+                </a:solidFill>
+                <a:latin typeface="+mn-lt"/>
+                <a:ea typeface="+mn-ea"/>
+                <a:cs typeface="+mn-cs"/>
+              </a:defRPr>
+            </a:lvl6pPr>
+            <a:lvl7pPr marL="2743200" algn="l" defTabSz="457200" rtl="0" eaLnBrk="1" latinLnBrk="0" hangingPunct="1">
+              <a:defRPr sz="1800" kern="1200">
+                <a:solidFill>
+                  <a:schemeClr val="tx1"/>
+                </a:solidFill>
+                <a:latin typeface="+mn-lt"/>
+                <a:ea typeface="+mn-ea"/>
+                <a:cs typeface="+mn-cs"/>
+              </a:defRPr>
+            </a:lvl7pPr>
+            <a:lvl8pPr marL="3200400" algn="l" defTabSz="457200" rtl="0" eaLnBrk="1" latinLnBrk="0" hangingPunct="1">
+              <a:defRPr sz="1800" kern="1200">
+                <a:solidFill>
+                  <a:schemeClr val="tx1"/>
+                </a:solidFill>
+                <a:latin typeface="+mn-lt"/>
+                <a:ea typeface="+mn-ea"/>
+                <a:cs typeface="+mn-cs"/>
+              </a:defRPr>
+            </a:lvl8pPr>
+            <a:lvl9pPr marL="3657600" algn="l" defTabSz="457200" rtl="0" eaLnBrk="1" latinLnBrk="0" hangingPunct="1">
+              <a:defRPr sz="1800" kern="1200">
+                <a:solidFill>
+                  <a:schemeClr val="tx1"/>
+                </a:solidFill>
+                <a:latin typeface="+mn-lt"/>
+                <a:ea typeface="+mn-ea"/>
+                <a:cs typeface="+mn-cs"/>
+              </a:defRPr>
+            </a:lvl9pPr>
+          </a:lstStyle>
+          <a:p>
+            <a:r>
+              <a:rPr lang="zh-CN" altLang="en-US" sz="1000" baseline="0" dirty="0">
+                <a:solidFill>
+                  <a:schemeClr val="tx1">
+                    <a:lumMod val="75000"/>
+                  </a:schemeClr>
+                </a:solidFill>
+              </a:rPr>
+              <a:t>敏达生活</a:t>
+            </a:r>
+            <a:endParaRPr lang="en-US" sz="1000" baseline="0" dirty="0">
+              <a:solidFill>
+                <a:schemeClr val="tx1">
+                  <a:lumMod val="75000"/>
+                </a:schemeClr>
+              </a:solidFill>
+            </a:endParaRPr>
           </a:p>
         </p:txBody>
       </p:sp>
@@ -4208,10 +4944,9 @@
           <a:bodyPr/>
           <a:lstStyle/>
           <a:p>
-            <a:fld id="{18C79C5D-2A6F-F04D-97DA-BEF2467B64E4}" type="datetimeFigureOut">
-              <a:rPr lang="en-US" dirty="0"/>
-              <a:pPr/>
-              <a:t>5/20/18</a:t>
+            <a:fld id="{8AF9151D-E074-7D4B-94B1-CC07AD63A48B}" type="datetime1">
+              <a:rPr lang="zh-CN" altLang="en-US" smtClean="0"/>
+              <a:t>2018/5/21</a:t>
             </a:fld>
             <a:endParaRPr lang="en-US" dirty="0"/>
           </a:p>
@@ -4703,10 +5438,9 @@
           <a:bodyPr/>
           <a:lstStyle/>
           <a:p>
-            <a:fld id="{8DFA1846-DA80-1C48-A609-854EA85C59AD}" type="datetimeFigureOut">
-              <a:rPr lang="en-US" dirty="0"/>
-              <a:pPr/>
-              <a:t>5/20/18</a:t>
+            <a:fld id="{8C03E4C3-5750-B346-BC3C-CCE6CEE576AF}" type="datetime1">
+              <a:rPr lang="zh-CN" altLang="en-US" smtClean="0"/>
+              <a:t>2018/5/21</a:t>
             </a:fld>
             <a:endParaRPr lang="en-US" dirty="0"/>
           </a:p>
@@ -5074,10 +5808,9 @@
           <a:bodyPr/>
           <a:lstStyle/>
           <a:p>
-            <a:fld id="{FBF54567-0DE4-3F47-BF90-CB84690072F9}" type="datetimeFigureOut">
-              <a:rPr lang="en-US" dirty="0"/>
-              <a:pPr/>
-              <a:t>5/20/18</a:t>
+            <a:fld id="{7FB88D61-881D-BA41-BD92-8081513E5A6F}" type="datetime1">
+              <a:rPr lang="zh-CN" altLang="en-US" smtClean="0"/>
+              <a:t>2018/5/21</a:t>
             </a:fld>
             <a:endParaRPr lang="en-US" dirty="0"/>
           </a:p>
@@ -5228,7 +5961,7 @@
           <a:ln/>
           <a:extLst>
             <a:ext uri="{91240B29-F687-4f45-9708-019B960494DF}">
-              <a14:hiddenLine xmlns:a14="http://schemas.microsoft.com/office/drawing/2010/main" xmlns="" w="9525">
+              <a14:hiddenLine xmlns="" xmlns:a14="http://schemas.microsoft.com/office/drawing/2010/main" w="9525">
                 <a:solidFill>
                   <a:srgbClr val="000000"/>
                 </a:solidFill>
@@ -5320,10 +6053,9 @@
           <a:bodyPr/>
           <a:lstStyle/>
           <a:p>
-            <a:fld id="{C6C52C72-DE31-F449-A4ED-4C594FD91407}" type="datetimeFigureOut">
-              <a:rPr lang="en-US" dirty="0"/>
-              <a:pPr/>
-              <a:t>5/20/18</a:t>
+            <a:fld id="{BE213A8D-7E92-334C-9D6C-9CDC90045C79}" type="datetime1">
+              <a:rPr lang="zh-CN" altLang="en-US" smtClean="0"/>
+              <a:t>2018/5/21</a:t>
             </a:fld>
             <a:endParaRPr lang="en-US" dirty="0"/>
           </a:p>
@@ -5476,7 +6208,7 @@
           <a:ln/>
           <a:extLst>
             <a:ext uri="{91240B29-F687-4f45-9708-019B960494DF}">
-              <a14:hiddenLine xmlns:a14="http://schemas.microsoft.com/office/drawing/2010/main" xmlns="" w="9525">
+              <a14:hiddenLine xmlns="" xmlns:a14="http://schemas.microsoft.com/office/drawing/2010/main" w="9525">
                 <a:solidFill>
                   <a:srgbClr val="000000"/>
                 </a:solidFill>
@@ -5578,10 +6310,9 @@
           <a:bodyPr/>
           <a:lstStyle/>
           <a:p>
-            <a:fld id="{ED62726E-379B-B349-9EED-81ED093FA806}" type="datetimeFigureOut">
-              <a:rPr lang="en-US" dirty="0"/>
-              <a:pPr/>
-              <a:t>5/20/18</a:t>
+            <a:fld id="{B5B89E26-8C5E-B04F-9139-9F8815560D2E}" type="datetime1">
+              <a:rPr lang="zh-CN" altLang="en-US" smtClean="0"/>
+              <a:t>2018/5/21</a:t>
             </a:fld>
             <a:endParaRPr lang="en-US" dirty="0"/>
           </a:p>
@@ -5732,7 +6463,7 @@
           <a:ln/>
           <a:extLst>
             <a:ext uri="{91240B29-F687-4f45-9708-019B960494DF}">
-              <a14:hiddenLine xmlns:a14="http://schemas.microsoft.com/office/drawing/2010/main" xmlns="" w="9525">
+              <a14:hiddenLine xmlns="" xmlns:a14="http://schemas.microsoft.com/office/drawing/2010/main" w="9525">
                 <a:solidFill>
                   <a:srgbClr val="000000"/>
                 </a:solidFill>
@@ -5834,10 +6565,9 @@
           <a:bodyPr/>
           <a:lstStyle/>
           <a:p>
-            <a:fld id="{9B3A1323-8D79-1946-B0D7-40001CF92E9D}" type="datetimeFigureOut">
-              <a:rPr lang="en-US" dirty="0"/>
-              <a:pPr/>
-              <a:t>5/20/18</a:t>
+            <a:fld id="{61DE56F1-14EA-7D40-8073-B9A42E7E133A}" type="datetime1">
+              <a:rPr lang="zh-CN" altLang="en-US" smtClean="0"/>
+              <a:t>2018/5/21</a:t>
             </a:fld>
             <a:endParaRPr lang="en-US" dirty="0"/>
           </a:p>
@@ -6179,10 +6909,9 @@
           <a:bodyPr/>
           <a:lstStyle/>
           <a:p>
-            <a:fld id="{8DFA1846-DA80-1C48-A609-854EA85C59AD}" type="datetimeFigureOut">
-              <a:rPr lang="en-US" dirty="0"/>
-              <a:pPr/>
-              <a:t>5/20/18</a:t>
+            <a:fld id="{C8FE1114-F982-6E4F-9CFE-5C4445701251}" type="datetime1">
+              <a:rPr lang="zh-CN" altLang="en-US" smtClean="0"/>
+              <a:t>2018/5/21</a:t>
             </a:fld>
             <a:endParaRPr lang="en-US" dirty="0"/>
           </a:p>
@@ -6333,7 +7062,7 @@
           <a:ln/>
           <a:extLst>
             <a:ext uri="{91240B29-F687-4f45-9708-019B960494DF}">
-              <a14:hiddenLine xmlns:a14="http://schemas.microsoft.com/office/drawing/2010/main" xmlns="" w="9525">
+              <a14:hiddenLine xmlns="" xmlns:a14="http://schemas.microsoft.com/office/drawing/2010/main" w="9525">
                 <a:solidFill>
                   <a:srgbClr val="000000"/>
                 </a:solidFill>
@@ -6467,10 +7196,9 @@
           <a:bodyPr/>
           <a:lstStyle/>
           <a:p>
-            <a:fld id="{57302355-E14B-8545-A8F8-0FE83CC9D524}" type="datetimeFigureOut">
-              <a:rPr lang="en-US" dirty="0"/>
-              <a:pPr/>
-              <a:t>5/20/18</a:t>
+            <a:fld id="{98487EF2-15DD-3145-B97E-6F8AA0BB4F2D}" type="datetime1">
+              <a:rPr lang="zh-CN" altLang="en-US" smtClean="0"/>
+              <a:t>2018/5/21</a:t>
             </a:fld>
             <a:endParaRPr lang="en-US" dirty="0"/>
           </a:p>
@@ -6621,7 +7349,7 @@
           <a:ln/>
           <a:extLst>
             <a:ext uri="{91240B29-F687-4f45-9708-019B960494DF}">
-              <a14:hiddenLine xmlns:a14="http://schemas.microsoft.com/office/drawing/2010/main" xmlns="" w="9525">
+              <a14:hiddenLine xmlns="" xmlns:a14="http://schemas.microsoft.com/office/drawing/2010/main" w="9525">
                 <a:solidFill>
                   <a:srgbClr val="000000"/>
                 </a:solidFill>
@@ -6903,10 +7631,9 @@
           <a:bodyPr/>
           <a:lstStyle/>
           <a:p>
-            <a:fld id="{02640F58-564D-2B4F-AE67-E407BA4FCF45}" type="datetimeFigureOut">
-              <a:rPr lang="en-US" dirty="0"/>
-              <a:pPr/>
-              <a:t>5/20/18</a:t>
+            <a:fld id="{B91433DD-F2D0-044D-95AF-3BEA55BA7B32}" type="datetime1">
+              <a:rPr lang="zh-CN" altLang="en-US" smtClean="0"/>
+              <a:t>2018/5/21</a:t>
             </a:fld>
             <a:endParaRPr lang="en-US" dirty="0"/>
           </a:p>
@@ -7057,7 +7784,7 @@
           <a:ln/>
           <a:extLst>
             <a:ext uri="{91240B29-F687-4f45-9708-019B960494DF}">
-              <a14:hiddenLine xmlns:a14="http://schemas.microsoft.com/office/drawing/2010/main" xmlns="" w="9525">
+              <a14:hiddenLine xmlns="" xmlns:a14="http://schemas.microsoft.com/office/drawing/2010/main" w="9525">
                 <a:solidFill>
                   <a:srgbClr val="000000"/>
                 </a:solidFill>
@@ -7121,10 +7848,9 @@
           <a:bodyPr/>
           <a:lstStyle/>
           <a:p>
-            <a:fld id="{F13A34C8-038E-2045-AF43-DF7DBB8E0E9E}" type="datetimeFigureOut">
-              <a:rPr lang="en-US" dirty="0"/>
-              <a:pPr/>
-              <a:t>5/20/18</a:t>
+            <a:fld id="{BF0E1F1C-E182-784E-900C-2CEBE2C6FEBF}" type="datetime1">
+              <a:rPr lang="zh-CN" altLang="en-US" smtClean="0"/>
+              <a:t>2018/5/21</a:t>
             </a:fld>
             <a:endParaRPr lang="en-US" dirty="0"/>
           </a:p>
@@ -7213,10 +7939,9 @@
           <a:bodyPr/>
           <a:lstStyle/>
           <a:p>
-            <a:fld id="{8818C68F-D26B-8F47-958C-23B49CF8A634}" type="datetimeFigureOut">
-              <a:rPr lang="en-US" dirty="0"/>
-              <a:pPr/>
-              <a:t>5/20/18</a:t>
+            <a:fld id="{5FF22A17-3471-B34F-A750-FB3D4D13F928}" type="datetime1">
+              <a:rPr lang="zh-CN" altLang="en-US" smtClean="0"/>
+              <a:t>2018/5/21</a:t>
             </a:fld>
             <a:endParaRPr lang="en-US" dirty="0"/>
           </a:p>
@@ -7480,7 +8205,7 @@
           <a:ln/>
           <a:extLst>
             <a:ext uri="{91240B29-F687-4f45-9708-019B960494DF}">
-              <a14:hiddenLine xmlns:a14="http://schemas.microsoft.com/office/drawing/2010/main" xmlns="" w="9525">
+              <a14:hiddenLine xmlns="" xmlns:a14="http://schemas.microsoft.com/office/drawing/2010/main" w="9525">
                 <a:solidFill>
                   <a:srgbClr val="000000"/>
                 </a:solidFill>
@@ -7658,10 +8383,9 @@
           <a:bodyPr/>
           <a:lstStyle/>
           <a:p>
-            <a:fld id="{D0DF5E60-9974-AC48-9591-99C2BB44B7CF}" type="datetimeFigureOut">
-              <a:rPr lang="en-US" dirty="0"/>
-              <a:pPr/>
-              <a:t>5/20/18</a:t>
+            <a:fld id="{7860621A-FABA-4347-9313-906CB2C83D13}" type="datetime1">
+              <a:rPr lang="zh-CN" altLang="en-US" smtClean="0"/>
+              <a:t>2018/5/21</a:t>
             </a:fld>
             <a:endParaRPr lang="en-US" dirty="0"/>
           </a:p>
@@ -7973,10 +8697,9 @@
           <a:bodyPr/>
           <a:lstStyle/>
           <a:p>
-            <a:fld id="{18C79C5D-2A6F-F04D-97DA-BEF2467B64E4}" type="datetimeFigureOut">
-              <a:rPr lang="en-US" dirty="0"/>
-              <a:pPr/>
-              <a:t>5/20/18</a:t>
+            <a:fld id="{8FF0691B-7BBE-6F4F-B1BF-D086AD4C836F}" type="datetime1">
+              <a:rPr lang="zh-CN" altLang="en-US" smtClean="0"/>
+              <a:t>2018/5/21</a:t>
             </a:fld>
             <a:endParaRPr lang="en-US" dirty="0"/>
           </a:p>
@@ -8028,6 +8751,136 @@
           <a:p>
             <a:fld id="{D57F1E4F-1CFF-5643-939E-217C01CDF565}" type="slidenum">
               <a:rPr lang="en-US" dirty="0"/>
+              <a:pPr/>
+              <a:t>‹#›</a:t>
+            </a:fld>
+            <a:endParaRPr lang="en-US" dirty="0"/>
+          </a:p>
+        </p:txBody>
+      </p:sp>
+      <p:sp>
+        <p:nvSpPr>
+          <p:cNvPr id="8" name="Slide Number Placeholder 6">
+            <a:extLst>
+              <a:ext uri="{FF2B5EF4-FFF2-40B4-BE49-F238E27FC236}">
+                <a16:creationId xmlns:a16="http://schemas.microsoft.com/office/drawing/2014/main" id="{C96ACDB3-837A-DE4F-A0CE-EE4CF04C5EEF}"/>
+              </a:ext>
+            </a:extLst>
+          </p:cNvPr>
+          <p:cNvSpPr txBox="1">
+            <a:spLocks/>
+          </p:cNvSpPr>
+          <p:nvPr userDrawn="1"/>
+        </p:nvSpPr>
+        <p:spPr>
+          <a:xfrm>
+            <a:off x="11100658" y="6344383"/>
+            <a:ext cx="1062155" cy="490599"/>
+          </a:xfrm>
+          <a:prstGeom prst="rect">
+            <a:avLst/>
+          </a:prstGeom>
+        </p:spPr>
+        <p:txBody>
+          <a:bodyPr vert="horz" lIns="91440" tIns="45720" rIns="91440" bIns="10800" rtlCol="0" anchor="b"/>
+          <a:lstStyle>
+            <a:defPPr>
+              <a:defRPr lang="en-US"/>
+            </a:defPPr>
+            <a:lvl1pPr marL="0" algn="r" defTabSz="457200" rtl="0" eaLnBrk="1" latinLnBrk="0" hangingPunct="1">
+              <a:defRPr sz="2000" kern="1200">
+                <a:solidFill>
+                  <a:schemeClr val="accent1"/>
+                </a:solidFill>
+                <a:latin typeface="+mn-lt"/>
+                <a:ea typeface="+mn-ea"/>
+                <a:cs typeface="+mn-cs"/>
+              </a:defRPr>
+            </a:lvl1pPr>
+            <a:lvl2pPr marL="457200" algn="l" defTabSz="457200" rtl="0" eaLnBrk="1" latinLnBrk="0" hangingPunct="1">
+              <a:defRPr sz="1800" kern="1200">
+                <a:solidFill>
+                  <a:schemeClr val="tx1"/>
+                </a:solidFill>
+                <a:latin typeface="+mn-lt"/>
+                <a:ea typeface="+mn-ea"/>
+                <a:cs typeface="+mn-cs"/>
+              </a:defRPr>
+            </a:lvl2pPr>
+            <a:lvl3pPr marL="914400" algn="l" defTabSz="457200" rtl="0" eaLnBrk="1" latinLnBrk="0" hangingPunct="1">
+              <a:defRPr sz="1800" kern="1200">
+                <a:solidFill>
+                  <a:schemeClr val="tx1"/>
+                </a:solidFill>
+                <a:latin typeface="+mn-lt"/>
+                <a:ea typeface="+mn-ea"/>
+                <a:cs typeface="+mn-cs"/>
+              </a:defRPr>
+            </a:lvl3pPr>
+            <a:lvl4pPr marL="1371600" algn="l" defTabSz="457200" rtl="0" eaLnBrk="1" latinLnBrk="0" hangingPunct="1">
+              <a:defRPr sz="1800" kern="1200">
+                <a:solidFill>
+                  <a:schemeClr val="tx1"/>
+                </a:solidFill>
+                <a:latin typeface="+mn-lt"/>
+                <a:ea typeface="+mn-ea"/>
+                <a:cs typeface="+mn-cs"/>
+              </a:defRPr>
+            </a:lvl4pPr>
+            <a:lvl5pPr marL="1828800" algn="l" defTabSz="457200" rtl="0" eaLnBrk="1" latinLnBrk="0" hangingPunct="1">
+              <a:defRPr sz="1800" kern="1200">
+                <a:solidFill>
+                  <a:schemeClr val="tx1"/>
+                </a:solidFill>
+                <a:latin typeface="+mn-lt"/>
+                <a:ea typeface="+mn-ea"/>
+                <a:cs typeface="+mn-cs"/>
+              </a:defRPr>
+            </a:lvl5pPr>
+            <a:lvl6pPr marL="2286000" algn="l" defTabSz="457200" rtl="0" eaLnBrk="1" latinLnBrk="0" hangingPunct="1">
+              <a:defRPr sz="1800" kern="1200">
+                <a:solidFill>
+                  <a:schemeClr val="tx1"/>
+                </a:solidFill>
+                <a:latin typeface="+mn-lt"/>
+                <a:ea typeface="+mn-ea"/>
+                <a:cs typeface="+mn-cs"/>
+              </a:defRPr>
+            </a:lvl6pPr>
+            <a:lvl7pPr marL="2743200" algn="l" defTabSz="457200" rtl="0" eaLnBrk="1" latinLnBrk="0" hangingPunct="1">
+              <a:defRPr sz="1800" kern="1200">
+                <a:solidFill>
+                  <a:schemeClr val="tx1"/>
+                </a:solidFill>
+                <a:latin typeface="+mn-lt"/>
+                <a:ea typeface="+mn-ea"/>
+                <a:cs typeface="+mn-cs"/>
+              </a:defRPr>
+            </a:lvl7pPr>
+            <a:lvl8pPr marL="3200400" algn="l" defTabSz="457200" rtl="0" eaLnBrk="1" latinLnBrk="0" hangingPunct="1">
+              <a:defRPr sz="1800" kern="1200">
+                <a:solidFill>
+                  <a:schemeClr val="tx1"/>
+                </a:solidFill>
+                <a:latin typeface="+mn-lt"/>
+                <a:ea typeface="+mn-ea"/>
+                <a:cs typeface="+mn-cs"/>
+              </a:defRPr>
+            </a:lvl8pPr>
+            <a:lvl9pPr marL="3657600" algn="l" defTabSz="457200" rtl="0" eaLnBrk="1" latinLnBrk="0" hangingPunct="1">
+              <a:defRPr sz="1800" kern="1200">
+                <a:solidFill>
+                  <a:schemeClr val="tx1"/>
+                </a:solidFill>
+                <a:latin typeface="+mn-lt"/>
+                <a:ea typeface="+mn-ea"/>
+                <a:cs typeface="+mn-cs"/>
+              </a:defRPr>
+            </a:lvl9pPr>
+          </a:lstStyle>
+          <a:p>
+            <a:fld id="{D57F1E4F-1CFF-5643-939E-217C01CDF565}" type="slidenum">
+              <a:rPr lang="en-US" smtClean="0"/>
               <a:pPr/>
               <a:t>‹#›</a:t>
             </a:fld>
@@ -8216,10 +9069,9 @@
             </a:lvl1pPr>
           </a:lstStyle>
           <a:p>
-            <a:fld id="{09B482E8-6E0E-1B4F-B1FD-C69DB9E858D9}" type="datetimeFigureOut">
-              <a:rPr lang="en-US" dirty="0"/>
-              <a:pPr/>
-              <a:t>5/20/18</a:t>
+            <a:fld id="{FB0808EF-3D84-994F-AAAB-53C825AF8EB5}" type="datetime1">
+              <a:rPr lang="zh-CN" altLang="en-US" smtClean="0"/>
+              <a:t>2018/5/21</a:t>
             </a:fld>
             <a:endParaRPr lang="en-US" dirty="0"/>
           </a:p>
@@ -8237,7 +9089,7 @@
         </p:nvSpPr>
         <p:spPr>
           <a:xfrm>
-            <a:off x="10678331" y="5915888"/>
+            <a:off x="11100658" y="6344383"/>
             <a:ext cx="1062155" cy="490599"/>
           </a:xfrm>
           <a:prstGeom prst="rect">
@@ -8262,6 +9114,177 @@
               <a:t>‹#›</a:t>
             </a:fld>
             <a:endParaRPr lang="en-US" dirty="0"/>
+          </a:p>
+        </p:txBody>
+      </p:sp>
+      <p:pic>
+        <p:nvPicPr>
+          <p:cNvPr id="7" name="图片 6">
+            <a:extLst>
+              <a:ext uri="{FF2B5EF4-FFF2-40B4-BE49-F238E27FC236}">
+                <a16:creationId xmlns:a16="http://schemas.microsoft.com/office/drawing/2014/main" id="{337523FF-15FC-3247-8025-C3535E2B5FE8}"/>
+              </a:ext>
+            </a:extLst>
+          </p:cNvPr>
+          <p:cNvPicPr>
+            <a:picLocks noChangeAspect="1"/>
+          </p:cNvPicPr>
+          <p:nvPr userDrawn="1"/>
+        </p:nvPicPr>
+        <p:blipFill>
+          <a:blip r:embed="rId16"/>
+          <a:stretch>
+            <a:fillRect/>
+          </a:stretch>
+        </p:blipFill>
+        <p:spPr>
+          <a:xfrm>
+            <a:off x="10885317" y="6585028"/>
+            <a:ext cx="249019" cy="249019"/>
+          </a:xfrm>
+          <a:prstGeom prst="rect">
+            <a:avLst/>
+          </a:prstGeom>
+        </p:spPr>
+      </p:pic>
+      <p:sp>
+        <p:nvSpPr>
+          <p:cNvPr id="8" name="Date Placeholder 3">
+            <a:extLst>
+              <a:ext uri="{FF2B5EF4-FFF2-40B4-BE49-F238E27FC236}">
+                <a16:creationId xmlns:a16="http://schemas.microsoft.com/office/drawing/2014/main" id="{B1291301-AB63-F84E-98ED-C68914BDAF96}"/>
+              </a:ext>
+            </a:extLst>
+          </p:cNvPr>
+          <p:cNvSpPr txBox="1">
+            <a:spLocks/>
+          </p:cNvSpPr>
+          <p:nvPr userDrawn="1"/>
+        </p:nvSpPr>
+        <p:spPr>
+          <a:xfrm>
+            <a:off x="10937160" y="6556074"/>
+            <a:ext cx="810001" cy="277973"/>
+          </a:xfrm>
+          <a:prstGeom prst="rect">
+            <a:avLst/>
+          </a:prstGeom>
+        </p:spPr>
+        <p:txBody>
+          <a:bodyPr vert="horz" lIns="91440" tIns="45720" rIns="91440" bIns="45720" rtlCol="0" anchor="b"/>
+          <a:lstStyle>
+            <a:defPPr>
+              <a:defRPr lang="en-US"/>
+            </a:defPPr>
+            <a:lvl1pPr marL="0" algn="r" defTabSz="457200" rtl="0" eaLnBrk="1" latinLnBrk="0" hangingPunct="1">
+              <a:defRPr sz="900" kern="1200">
+                <a:solidFill>
+                  <a:schemeClr val="tx1"/>
+                </a:solidFill>
+                <a:latin typeface="+mn-lt"/>
+                <a:ea typeface="+mn-ea"/>
+                <a:cs typeface="+mn-cs"/>
+              </a:defRPr>
+            </a:lvl1pPr>
+            <a:lvl2pPr marL="457200" algn="l" defTabSz="457200" rtl="0" eaLnBrk="1" latinLnBrk="0" hangingPunct="1">
+              <a:defRPr sz="1800" kern="1200">
+                <a:solidFill>
+                  <a:schemeClr val="tx1"/>
+                </a:solidFill>
+                <a:latin typeface="+mn-lt"/>
+                <a:ea typeface="+mn-ea"/>
+                <a:cs typeface="+mn-cs"/>
+              </a:defRPr>
+            </a:lvl2pPr>
+            <a:lvl3pPr marL="914400" algn="l" defTabSz="457200" rtl="0" eaLnBrk="1" latinLnBrk="0" hangingPunct="1">
+              <a:defRPr sz="1800" kern="1200">
+                <a:solidFill>
+                  <a:schemeClr val="tx1"/>
+                </a:solidFill>
+                <a:latin typeface="+mn-lt"/>
+                <a:ea typeface="+mn-ea"/>
+                <a:cs typeface="+mn-cs"/>
+              </a:defRPr>
+            </a:lvl3pPr>
+            <a:lvl4pPr marL="1371600" algn="l" defTabSz="457200" rtl="0" eaLnBrk="1" latinLnBrk="0" hangingPunct="1">
+              <a:defRPr sz="1800" kern="1200">
+                <a:solidFill>
+                  <a:schemeClr val="tx1"/>
+                </a:solidFill>
+                <a:latin typeface="+mn-lt"/>
+                <a:ea typeface="+mn-ea"/>
+                <a:cs typeface="+mn-cs"/>
+              </a:defRPr>
+            </a:lvl4pPr>
+            <a:lvl5pPr marL="1828800" algn="l" defTabSz="457200" rtl="0" eaLnBrk="1" latinLnBrk="0" hangingPunct="1">
+              <a:defRPr sz="1800" kern="1200">
+                <a:solidFill>
+                  <a:schemeClr val="tx1"/>
+                </a:solidFill>
+                <a:latin typeface="+mn-lt"/>
+                <a:ea typeface="+mn-ea"/>
+                <a:cs typeface="+mn-cs"/>
+              </a:defRPr>
+            </a:lvl5pPr>
+            <a:lvl6pPr marL="2286000" algn="l" defTabSz="457200" rtl="0" eaLnBrk="1" latinLnBrk="0" hangingPunct="1">
+              <a:defRPr sz="1800" kern="1200">
+                <a:solidFill>
+                  <a:schemeClr val="tx1"/>
+                </a:solidFill>
+                <a:latin typeface="+mn-lt"/>
+                <a:ea typeface="+mn-ea"/>
+                <a:cs typeface="+mn-cs"/>
+              </a:defRPr>
+            </a:lvl6pPr>
+            <a:lvl7pPr marL="2743200" algn="l" defTabSz="457200" rtl="0" eaLnBrk="1" latinLnBrk="0" hangingPunct="1">
+              <a:defRPr sz="1800" kern="1200">
+                <a:solidFill>
+                  <a:schemeClr val="tx1"/>
+                </a:solidFill>
+                <a:latin typeface="+mn-lt"/>
+                <a:ea typeface="+mn-ea"/>
+                <a:cs typeface="+mn-cs"/>
+              </a:defRPr>
+            </a:lvl7pPr>
+            <a:lvl8pPr marL="3200400" algn="l" defTabSz="457200" rtl="0" eaLnBrk="1" latinLnBrk="0" hangingPunct="1">
+              <a:defRPr sz="1800" kern="1200">
+                <a:solidFill>
+                  <a:schemeClr val="tx1"/>
+                </a:solidFill>
+                <a:latin typeface="+mn-lt"/>
+                <a:ea typeface="+mn-ea"/>
+                <a:cs typeface="+mn-cs"/>
+              </a:defRPr>
+            </a:lvl8pPr>
+            <a:lvl9pPr marL="3657600" algn="l" defTabSz="457200" rtl="0" eaLnBrk="1" latinLnBrk="0" hangingPunct="1">
+              <a:defRPr sz="1800" kern="1200">
+                <a:solidFill>
+                  <a:schemeClr val="tx1"/>
+                </a:solidFill>
+                <a:latin typeface="+mn-lt"/>
+                <a:ea typeface="+mn-ea"/>
+                <a:cs typeface="+mn-cs"/>
+              </a:defRPr>
+            </a:lvl9pPr>
+          </a:lstStyle>
+          <a:p>
+            <a:r>
+              <a:rPr lang="zh-CN" altLang="en-US" sz="1000" baseline="0" dirty="0">
+                <a:solidFill>
+                  <a:schemeClr val="tx1">
+                    <a:lumMod val="75000"/>
+                  </a:schemeClr>
+                </a:solidFill>
+              </a:rPr>
+              <a:t>敏达生活</a:t>
+            </a:r>
+            <a:endParaRPr lang="en-US" sz="1000" baseline="0" dirty="0">
+              <a:solidFill>
+                <a:schemeClr val="tx1">
+                  <a:lumMod val="75000"/>
+                </a:schemeClr>
+              </a:solidFill>
+            </a:endParaRPr>
           </a:p>
         </p:txBody>
       </p:sp>
@@ -8284,7 +9307,7 @@
     <p:sldLayoutId id="2147483658" r:id="rId13"/>
     <p:sldLayoutId id="2147483659" r:id="rId14"/>
   </p:sldLayoutIdLst>
-  <p:hf sldNum="0" hdr="0" ftr="0" dt="0"/>
+  <p:hf hdr="0" ftr="0" dt="0"/>
   <p:txStyles>
     <p:titleStyle>
       <a:lvl1pPr algn="l" defTabSz="457200" rtl="0" eaLnBrk="1" latinLnBrk="0" hangingPunct="1">
@@ -8686,13 +9709,14 @@
           <a:bodyPr/>
           <a:lstStyle/>
           <a:p>
+            <a:pPr algn="ctr"/>
             <a:r>
               <a:rPr kumimoji="1" lang="en-US" altLang="zh-CN" dirty="0"/>
               <a:t>Linux</a:t>
             </a:r>
             <a:r>
               <a:rPr kumimoji="1" lang="zh-CN" altLang="en-US" dirty="0"/>
-              <a:t>内核最新进展分享</a:t>
+              <a:t>内核最新进展</a:t>
             </a:r>
           </a:p>
         </p:txBody>
@@ -8723,6 +9747,41 @@
               <a:rPr kumimoji="1" lang="zh-CN" altLang="en-US" dirty="0"/>
               <a:t>海航云资深架构师张健</a:t>
             </a:r>
+          </a:p>
+        </p:txBody>
+      </p:sp>
+      <p:sp>
+        <p:nvSpPr>
+          <p:cNvPr id="4" name="灯片编号占位符 3">
+            <a:extLst>
+              <a:ext uri="{FF2B5EF4-FFF2-40B4-BE49-F238E27FC236}">
+                <a16:creationId xmlns:a16="http://schemas.microsoft.com/office/drawing/2014/main" id="{0C276433-9F90-D944-921B-B3A2F27F1550}"/>
+              </a:ext>
+            </a:extLst>
+          </p:cNvPr>
+          <p:cNvSpPr>
+            <a:spLocks noGrp="1"/>
+          </p:cNvSpPr>
+          <p:nvPr>
+            <p:ph type="sldNum" sz="quarter" idx="4"/>
+          </p:nvPr>
+        </p:nvSpPr>
+        <p:spPr>
+          <a:xfrm>
+            <a:off x="11012227" y="6367401"/>
+            <a:ext cx="1062155" cy="490599"/>
+          </a:xfrm>
+        </p:spPr>
+        <p:txBody>
+          <a:bodyPr/>
+          <a:lstStyle/>
+          <a:p>
+            <a:fld id="{D57F1E4F-1CFF-5643-939E-217C01CDF565}" type="slidenum">
+              <a:rPr lang="en-US" smtClean="0"/>
+              <a:pPr/>
+              <a:t>1</a:t>
+            </a:fld>
+            <a:endParaRPr lang="en-US" dirty="0"/>
           </a:p>
         </p:txBody>
       </p:sp>
@@ -8890,6 +9949,36 @@
           </a:prstGeom>
         </p:spPr>
       </p:pic>
+      <p:sp>
+        <p:nvSpPr>
+          <p:cNvPr id="3" name="灯片编号占位符 2">
+            <a:extLst>
+              <a:ext uri="{FF2B5EF4-FFF2-40B4-BE49-F238E27FC236}">
+                <a16:creationId xmlns:a16="http://schemas.microsoft.com/office/drawing/2014/main" id="{0625E6D0-7B70-5B46-BC5B-0FEFEEB36D61}"/>
+              </a:ext>
+            </a:extLst>
+          </p:cNvPr>
+          <p:cNvSpPr>
+            <a:spLocks noGrp="1"/>
+          </p:cNvSpPr>
+          <p:nvPr>
+            <p:ph type="sldNum" sz="quarter" idx="12"/>
+          </p:nvPr>
+        </p:nvSpPr>
+        <p:spPr/>
+        <p:txBody>
+          <a:bodyPr/>
+          <a:lstStyle/>
+          <a:p>
+            <a:fld id="{D57F1E4F-1CFF-5643-939E-217C01CDF565}" type="slidenum">
+              <a:rPr lang="en-US" smtClean="0"/>
+              <a:pPr/>
+              <a:t>10</a:t>
+            </a:fld>
+            <a:endParaRPr lang="en-US" dirty="0"/>
+          </a:p>
+        </p:txBody>
+      </p:sp>
     </p:spTree>
     <p:extLst>
       <p:ext uri="{BB962C8B-B14F-4D97-AF65-F5344CB8AC3E}">
@@ -8928,6 +10017,127 @@
           <a:chExt cx="0" cy="0"/>
         </a:xfrm>
       </p:grpSpPr>
+      <p:sp>
+        <p:nvSpPr>
+          <p:cNvPr id="9" name="Freeform 6">
+            <a:extLst>
+              <a:ext uri="{FF2B5EF4-FFF2-40B4-BE49-F238E27FC236}">
+                <a16:creationId xmlns:a16="http://schemas.microsoft.com/office/drawing/2014/main" id="{E446B7E6-8568-417F-959E-DB3D1E70F648}"/>
+              </a:ext>
+              <a:ext uri="{C183D7F6-B498-43B3-948B-1728B52AA6E4}">
+                <adec:decorative xmlns:adec="http://schemas.microsoft.com/office/drawing/2017/decorative" val="1"/>
+              </a:ext>
+            </a:extLst>
+          </p:cNvPr>
+          <p:cNvSpPr>
+            <a:spLocks noGrp="1" noRot="1" noChangeAspect="1" noMove="1" noResize="1" noEditPoints="1" noAdjustHandles="1" noChangeArrowheads="1" noChangeShapeType="1" noTextEdit="1"/>
+          </p:cNvSpPr>
+          <p:nvPr>
+            <p:extLst>
+              <p:ext uri="{386F3935-93C4-4BCD-93E2-E3B085C9AB24}">
+                <p16:designElem xmlns:p16="http://schemas.microsoft.com/office/powerpoint/2015/main" val="1"/>
+              </p:ext>
+            </p:extLst>
+          </p:nvPr>
+        </p:nvSpPr>
+        <p:spPr bwMode="auto">
+          <a:xfrm>
+            <a:off x="0" y="-3175"/>
+            <a:ext cx="12192000" cy="5203825"/>
+          </a:xfrm>
+          <a:custGeom>
+            <a:avLst/>
+            <a:gdLst/>
+            <a:ahLst/>
+            <a:cxnLst/>
+            <a:rect l="0" t="0" r="r" b="b"/>
+            <a:pathLst>
+              <a:path w="5760" h="3278">
+                <a:moveTo>
+                  <a:pt x="5760" y="0"/>
+                </a:moveTo>
+                <a:lnTo>
+                  <a:pt x="0" y="0"/>
+                </a:lnTo>
+                <a:lnTo>
+                  <a:pt x="0" y="3090"/>
+                </a:lnTo>
+                <a:lnTo>
+                  <a:pt x="943" y="3090"/>
+                </a:lnTo>
+                <a:lnTo>
+                  <a:pt x="1123" y="3270"/>
+                </a:lnTo>
+                <a:lnTo>
+                  <a:pt x="1123" y="3270"/>
+                </a:lnTo>
+                <a:lnTo>
+                  <a:pt x="1127" y="3272"/>
+                </a:lnTo>
+                <a:lnTo>
+                  <a:pt x="1133" y="3275"/>
+                </a:lnTo>
+                <a:lnTo>
+                  <a:pt x="1139" y="3278"/>
+                </a:lnTo>
+                <a:lnTo>
+                  <a:pt x="1144" y="3278"/>
+                </a:lnTo>
+                <a:lnTo>
+                  <a:pt x="1150" y="3278"/>
+                </a:lnTo>
+                <a:lnTo>
+                  <a:pt x="1155" y="3275"/>
+                </a:lnTo>
+                <a:lnTo>
+                  <a:pt x="1161" y="3272"/>
+                </a:lnTo>
+                <a:lnTo>
+                  <a:pt x="1165" y="3270"/>
+                </a:lnTo>
+                <a:lnTo>
+                  <a:pt x="1345" y="3090"/>
+                </a:lnTo>
+                <a:lnTo>
+                  <a:pt x="5760" y="3090"/>
+                </a:lnTo>
+                <a:lnTo>
+                  <a:pt x="5760" y="0"/>
+                </a:lnTo>
+                <a:close/>
+              </a:path>
+            </a:pathLst>
+          </a:custGeom>
+          <a:ln/>
+          <a:effectLst/>
+          <a:extLst>
+            <a:ext uri="{91240B29-F687-4f45-9708-019B960494DF}">
+              <a14:hiddenLine xmlns:a14="http://schemas.microsoft.com/office/drawing/2010/main" xmlns:p14="http://schemas.microsoft.com/office/powerpoint/2010/main" xmlns="" w="9525">
+                <a:solidFill>
+                  <a:srgbClr val="000000"/>
+                </a:solidFill>
+                <a:round/>
+                <a:headEnd/>
+                <a:tailEnd/>
+              </a14:hiddenLine>
+            </a:ext>
+          </a:extLst>
+        </p:spPr>
+        <p:style>
+          <a:lnRef idx="1">
+            <a:schemeClr val="accent1"/>
+          </a:lnRef>
+          <a:fillRef idx="3">
+            <a:schemeClr val="accent1"/>
+          </a:fillRef>
+          <a:effectRef idx="2">
+            <a:schemeClr val="accent1"/>
+          </a:effectRef>
+          <a:fontRef idx="minor">
+            <a:schemeClr val="lt1"/>
+          </a:fontRef>
+        </p:style>
+      </p:sp>
       <p:pic>
         <p:nvPicPr>
           <p:cNvPr id="4" name="图片 3">
@@ -8942,30 +10152,218 @@
           </p:cNvPicPr>
           <p:nvPr/>
         </p:nvPicPr>
-        <p:blipFill>
+        <p:blipFill rotWithShape="1">
           <a:blip r:embed="rId2"/>
-          <a:stretch>
-            <a:fillRect/>
-          </a:stretch>
+          <a:srcRect t="11860" r="2" b="20551"/>
+          <a:stretch/>
         </p:blipFill>
         <p:spPr>
           <a:xfrm>
-            <a:off x="5104865" y="2413000"/>
-            <a:ext cx="6271320" cy="3716338"/>
+            <a:off x="-1" y="-1"/>
+            <a:ext cx="12192001" cy="4883281"/>
           </a:xfrm>
-          <a:prstGeom prst="roundRect">
-            <a:avLst>
-              <a:gd name="adj" fmla="val 3876"/>
-            </a:avLst>
+          <a:prstGeom prst="rect">
+            <a:avLst/>
           </a:prstGeom>
-          <a:ln>
-            <a:solidFill>
-              <a:schemeClr val="accent1"/>
-            </a:solidFill>
-          </a:ln>
-          <a:effectLst/>
         </p:spPr>
       </p:pic>
+      <p:sp>
+        <p:nvSpPr>
+          <p:cNvPr id="11" name="Freeform 9">
+            <a:extLst>
+              <a:ext uri="{FF2B5EF4-FFF2-40B4-BE49-F238E27FC236}">
+                <a16:creationId xmlns:a16="http://schemas.microsoft.com/office/drawing/2014/main" id="{AFB83730-58A8-42CA-90B3-5D5D2D1B00BC}"/>
+              </a:ext>
+              <a:ext uri="{C183D7F6-B498-43B3-948B-1728B52AA6E4}">
+                <adec:decorative xmlns:adec="http://schemas.microsoft.com/office/drawing/2017/decorative" val="1"/>
+              </a:ext>
+            </a:extLst>
+          </p:cNvPr>
+          <p:cNvSpPr>
+            <a:spLocks noGrp="1" noRot="1" noChangeAspect="1" noMove="1" noResize="1" noEditPoints="1" noAdjustHandles="1" noChangeArrowheads="1" noChangeShapeType="1" noTextEdit="1"/>
+          </p:cNvSpPr>
+          <p:nvPr>
+            <p:extLst>
+              <p:ext uri="{386F3935-93C4-4BCD-93E2-E3B085C9AB24}">
+                <p16:designElem xmlns:p16="http://schemas.microsoft.com/office/powerpoint/2015/main" val="1"/>
+              </p:ext>
+            </p:extLst>
+          </p:nvPr>
+        </p:nvSpPr>
+        <p:spPr bwMode="white">
+          <a:xfrm>
+            <a:off x="0" y="4547642"/>
+            <a:ext cx="12192000" cy="2332906"/>
+          </a:xfrm>
+          <a:custGeom>
+            <a:avLst/>
+            <a:gdLst>
+              <a:gd name="connsiteX0" fmla="*/ 0 w 12192000"/>
+              <a:gd name="connsiteY0" fmla="*/ 0 h 2332906"/>
+              <a:gd name="connsiteX1" fmla="*/ 1996017 w 12192000"/>
+              <a:gd name="connsiteY1" fmla="*/ 0 h 2332906"/>
+              <a:gd name="connsiteX2" fmla="*/ 2377017 w 12192000"/>
+              <a:gd name="connsiteY2" fmla="*/ 263783 h 2332906"/>
+              <a:gd name="connsiteX3" fmla="*/ 2385484 w 12192000"/>
+              <a:gd name="connsiteY3" fmla="*/ 266713 h 2332906"/>
+              <a:gd name="connsiteX4" fmla="*/ 2398184 w 12192000"/>
+              <a:gd name="connsiteY4" fmla="*/ 271110 h 2332906"/>
+              <a:gd name="connsiteX5" fmla="*/ 2410883 w 12192000"/>
+              <a:gd name="connsiteY5" fmla="*/ 275506 h 2332906"/>
+              <a:gd name="connsiteX6" fmla="*/ 2421467 w 12192000"/>
+              <a:gd name="connsiteY6" fmla="*/ 275506 h 2332906"/>
+              <a:gd name="connsiteX7" fmla="*/ 2434167 w 12192000"/>
+              <a:gd name="connsiteY7" fmla="*/ 275506 h 2332906"/>
+              <a:gd name="connsiteX8" fmla="*/ 2444750 w 12192000"/>
+              <a:gd name="connsiteY8" fmla="*/ 271110 h 2332906"/>
+              <a:gd name="connsiteX9" fmla="*/ 2457450 w 12192000"/>
+              <a:gd name="connsiteY9" fmla="*/ 266713 h 2332906"/>
+              <a:gd name="connsiteX10" fmla="*/ 2465917 w 12192000"/>
+              <a:gd name="connsiteY10" fmla="*/ 263783 h 2332906"/>
+              <a:gd name="connsiteX11" fmla="*/ 2846917 w 12192000"/>
+              <a:gd name="connsiteY11" fmla="*/ 0 h 2332906"/>
+              <a:gd name="connsiteX12" fmla="*/ 12192000 w 12192000"/>
+              <a:gd name="connsiteY12" fmla="*/ 0 h 2332906"/>
+              <a:gd name="connsiteX13" fmla="*/ 12192000 w 12192000"/>
+              <a:gd name="connsiteY13" fmla="*/ 2332906 h 2332906"/>
+              <a:gd name="connsiteX14" fmla="*/ 0 w 12192000"/>
+              <a:gd name="connsiteY14" fmla="*/ 2332906 h 2332906"/>
+            </a:gdLst>
+            <a:ahLst/>
+            <a:cxnLst>
+              <a:cxn ang="0">
+                <a:pos x="connsiteX0" y="connsiteY0"/>
+              </a:cxn>
+              <a:cxn ang="0">
+                <a:pos x="connsiteX1" y="connsiteY1"/>
+              </a:cxn>
+              <a:cxn ang="0">
+                <a:pos x="connsiteX2" y="connsiteY2"/>
+              </a:cxn>
+              <a:cxn ang="0">
+                <a:pos x="connsiteX3" y="connsiteY3"/>
+              </a:cxn>
+              <a:cxn ang="0">
+                <a:pos x="connsiteX4" y="connsiteY4"/>
+              </a:cxn>
+              <a:cxn ang="0">
+                <a:pos x="connsiteX5" y="connsiteY5"/>
+              </a:cxn>
+              <a:cxn ang="0">
+                <a:pos x="connsiteX6" y="connsiteY6"/>
+              </a:cxn>
+              <a:cxn ang="0">
+                <a:pos x="connsiteX7" y="connsiteY7"/>
+              </a:cxn>
+              <a:cxn ang="0">
+                <a:pos x="connsiteX8" y="connsiteY8"/>
+              </a:cxn>
+              <a:cxn ang="0">
+                <a:pos x="connsiteX9" y="connsiteY9"/>
+              </a:cxn>
+              <a:cxn ang="0">
+                <a:pos x="connsiteX10" y="connsiteY10"/>
+              </a:cxn>
+              <a:cxn ang="0">
+                <a:pos x="connsiteX11" y="connsiteY11"/>
+              </a:cxn>
+              <a:cxn ang="0">
+                <a:pos x="connsiteX12" y="connsiteY12"/>
+              </a:cxn>
+              <a:cxn ang="0">
+                <a:pos x="connsiteX13" y="connsiteY13"/>
+              </a:cxn>
+              <a:cxn ang="0">
+                <a:pos x="connsiteX14" y="connsiteY14"/>
+              </a:cxn>
+            </a:cxnLst>
+            <a:rect l="l" t="t" r="r" b="b"/>
+            <a:pathLst>
+              <a:path w="12192000" h="2332906">
+                <a:moveTo>
+                  <a:pt x="0" y="0"/>
+                </a:moveTo>
+                <a:lnTo>
+                  <a:pt x="1996017" y="0"/>
+                </a:lnTo>
+                <a:lnTo>
+                  <a:pt x="2377017" y="263783"/>
+                </a:lnTo>
+                <a:lnTo>
+                  <a:pt x="2385484" y="266713"/>
+                </a:lnTo>
+                <a:lnTo>
+                  <a:pt x="2398184" y="271110"/>
+                </a:lnTo>
+                <a:lnTo>
+                  <a:pt x="2410883" y="275506"/>
+                </a:lnTo>
+                <a:lnTo>
+                  <a:pt x="2421467" y="275506"/>
+                </a:lnTo>
+                <a:lnTo>
+                  <a:pt x="2434167" y="275506"/>
+                </a:lnTo>
+                <a:lnTo>
+                  <a:pt x="2444750" y="271110"/>
+                </a:lnTo>
+                <a:lnTo>
+                  <a:pt x="2457450" y="266713"/>
+                </a:lnTo>
+                <a:lnTo>
+                  <a:pt x="2465917" y="263783"/>
+                </a:lnTo>
+                <a:lnTo>
+                  <a:pt x="2846917" y="0"/>
+                </a:lnTo>
+                <a:lnTo>
+                  <a:pt x="12192000" y="0"/>
+                </a:lnTo>
+                <a:lnTo>
+                  <a:pt x="12192000" y="2332906"/>
+                </a:lnTo>
+                <a:lnTo>
+                  <a:pt x="0" y="2332906"/>
+                </a:lnTo>
+                <a:close/>
+              </a:path>
+            </a:pathLst>
+          </a:custGeom>
+          <a:solidFill>
+            <a:schemeClr val="bg1">
+              <a:lumMod val="85000"/>
+              <a:lumOff val="15000"/>
+            </a:schemeClr>
+          </a:solidFill>
+          <a:ln>
+            <a:noFill/>
+          </a:ln>
+        </p:spPr>
+        <p:style>
+          <a:lnRef idx="2">
+            <a:schemeClr val="accent1">
+              <a:shade val="50000"/>
+            </a:schemeClr>
+          </a:lnRef>
+          <a:fillRef idx="1">
+            <a:schemeClr val="accent1"/>
+          </a:fillRef>
+          <a:effectRef idx="0">
+            <a:schemeClr val="accent1"/>
+          </a:effectRef>
+          <a:fontRef idx="minor">
+            <a:schemeClr val="lt1"/>
+          </a:fontRef>
+        </p:style>
+        <p:txBody>
+          <a:bodyPr rtlCol="0" anchor="ctr"/>
+          <a:lstStyle/>
+          <a:p>
+            <a:pPr algn="ctr"/>
+            <a:endParaRPr lang="en-US"/>
+          </a:p>
+        </p:txBody>
+      </p:sp>
       <p:sp>
         <p:nvSpPr>
           <p:cNvPr id="2" name="标题 1">
@@ -8984,12 +10382,12 @@
         </p:nvSpPr>
         <p:spPr>
           <a:xfrm>
-            <a:off x="810000" y="447188"/>
-            <a:ext cx="10571998" cy="970450"/>
+            <a:off x="812788" y="4895558"/>
+            <a:ext cx="10572000" cy="779529"/>
           </a:xfrm>
         </p:spPr>
         <p:txBody>
-          <a:bodyPr>
+          <a:bodyPr vert="horz" lIns="91440" tIns="45720" rIns="91440" bIns="45720" rtlCol="0" anchor="b">
             <a:normAutofit/>
           </a:bodyPr>
           <a:lstStyle/>
@@ -8998,7 +10396,7 @@
               <a:rPr kumimoji="1" lang="en-US" altLang="zh-CN" dirty="0"/>
               <a:t>Memory encryption: Intel SGX</a:t>
             </a:r>
-            <a:endParaRPr kumimoji="1" lang="zh-CN" altLang="en-US" dirty="0"/>
+            <a:endParaRPr kumimoji="1" lang="en-US" altLang="zh-CN"/>
           </a:p>
         </p:txBody>
       </p:sp>
@@ -9020,12 +10418,12 @@
         </p:nvSpPr>
         <p:spPr>
           <a:xfrm>
-            <a:off x="818713" y="2413000"/>
-            <a:ext cx="3835583" cy="3632200"/>
+            <a:off x="810001" y="5594110"/>
+            <a:ext cx="10572000" cy="433064"/>
           </a:xfrm>
         </p:spPr>
         <p:txBody>
-          <a:bodyPr>
+          <a:bodyPr vert="horz" lIns="91440" tIns="45720" rIns="91440" bIns="45720" rtlCol="0" anchor="t">
             <a:normAutofit/>
           </a:bodyPr>
           <a:lstStyle/>
@@ -9034,26 +10432,39 @@
               <a:buNone/>
             </a:pPr>
             <a:r>
-              <a:rPr kumimoji="1" lang="en" altLang="zh-CN" sz="1600" dirty="0"/>
-              <a:t>Ref: https://</a:t>
+              <a:rPr kumimoji="1" lang="en-US" altLang="zh-CN"/>
+              <a:t>Ref: https://medium.com/@danny_harnik/impressions-of-intel-sgx-performance-22442093595a</a:t>
             </a:r>
-            <a:r>
-              <a:rPr kumimoji="1" lang="en" altLang="zh-CN" sz="1600" dirty="0" err="1"/>
-              <a:t>medium.com</a:t>
-            </a:r>
-            <a:r>
-              <a:rPr kumimoji="1" lang="en" altLang="zh-CN" sz="1600" dirty="0"/>
-              <a:t>/@</a:t>
-            </a:r>
-            <a:r>
-              <a:rPr kumimoji="1" lang="en" altLang="zh-CN" sz="1600" dirty="0" err="1"/>
-              <a:t>danny_harnik</a:t>
-            </a:r>
-            <a:r>
-              <a:rPr kumimoji="1" lang="en" altLang="zh-CN" sz="1600" dirty="0"/>
-              <a:t>/impressions-of-intel-sgx-performance-22442093595a</a:t>
-            </a:r>
-            <a:endParaRPr kumimoji="1" lang="zh-CN" altLang="en-US" sz="1600" dirty="0"/>
+          </a:p>
+        </p:txBody>
+      </p:sp>
+      <p:sp>
+        <p:nvSpPr>
+          <p:cNvPr id="5" name="灯片编号占位符 4">
+            <a:extLst>
+              <a:ext uri="{FF2B5EF4-FFF2-40B4-BE49-F238E27FC236}">
+                <a16:creationId xmlns:a16="http://schemas.microsoft.com/office/drawing/2014/main" id="{C24FB156-E002-4B47-B9C6-26CAA240B37B}"/>
+              </a:ext>
+            </a:extLst>
+          </p:cNvPr>
+          <p:cNvSpPr>
+            <a:spLocks noGrp="1"/>
+          </p:cNvSpPr>
+          <p:nvPr>
+            <p:ph type="sldNum" sz="quarter" idx="12"/>
+          </p:nvPr>
+        </p:nvSpPr>
+        <p:spPr/>
+        <p:txBody>
+          <a:bodyPr/>
+          <a:lstStyle/>
+          <a:p>
+            <a:fld id="{D57F1E4F-1CFF-5643-939E-217C01CDF565}" type="slidenum">
+              <a:rPr lang="en-US" smtClean="0"/>
+              <a:pPr/>
+              <a:t>11</a:t>
+            </a:fld>
+            <a:endParaRPr lang="en-US" dirty="0"/>
           </a:p>
         </p:txBody>
       </p:sp>
@@ -9164,10 +10575,9 @@
           <a:lstStyle/>
           <a:p>
             <a:r>
-              <a:rPr kumimoji="1" lang="en-US" altLang="zh-CN" dirty="0"/>
+              <a:rPr kumimoji="1" lang="en-US" altLang="zh-CN"/>
               <a:t>Memory encryption: AMD SEV</a:t>
             </a:r>
-            <a:endParaRPr kumimoji="1" lang="en-US" altLang="zh-CN"/>
           </a:p>
         </p:txBody>
       </p:sp>
@@ -9208,27 +10618,43 @@
               <a:buClr>
                 <a:schemeClr val="accent1"/>
               </a:buClr>
+              <a:buFont typeface="Wingdings 2" charset="2"/>
+              <a:buChar char=""/>
             </a:pPr>
             <a:r>
-              <a:rPr kumimoji="1" lang="en-US" altLang="zh-CN" sz="1600" dirty="0"/>
-              <a:t>Ref: http://</a:t>
+              <a:rPr kumimoji="1" lang="en-US" altLang="zh-CN" sz="1600"/>
+              <a:t>Ref: http://amd-dev.wpengine.netdna-cdn.com/wordpress/media/2013/12/AMD_Memory_Encryption_Whitepaper_v7-Public.pdf</a:t>
             </a:r>
-            <a:r>
-              <a:rPr kumimoji="1" lang="en-US" altLang="zh-CN" sz="1600" dirty="0" err="1"/>
-              <a:t>amd-dev.wpengine.netdna-cdn.com</a:t>
-            </a:r>
-            <a:r>
-              <a:rPr kumimoji="1" lang="en-US" altLang="zh-CN" sz="1600" dirty="0"/>
-              <a:t>/</a:t>
-            </a:r>
-            <a:r>
-              <a:rPr kumimoji="1" lang="en-US" altLang="zh-CN" sz="1600" dirty="0" err="1"/>
-              <a:t>wordpress</a:t>
-            </a:r>
-            <a:r>
-              <a:rPr kumimoji="1" lang="en-US" altLang="zh-CN" sz="1600" dirty="0"/>
-              <a:t>/media/2013/12/AMD_Memory_Encryption_Whitepaper_v7-Public.pdf</a:t>
-            </a:r>
+          </a:p>
+        </p:txBody>
+      </p:sp>
+      <p:sp>
+        <p:nvSpPr>
+          <p:cNvPr id="3" name="灯片编号占位符 2">
+            <a:extLst>
+              <a:ext uri="{FF2B5EF4-FFF2-40B4-BE49-F238E27FC236}">
+                <a16:creationId xmlns:a16="http://schemas.microsoft.com/office/drawing/2014/main" id="{2B345F53-1D5C-8540-AF13-AF4BDFBCD231}"/>
+              </a:ext>
+            </a:extLst>
+          </p:cNvPr>
+          <p:cNvSpPr>
+            <a:spLocks noGrp="1"/>
+          </p:cNvSpPr>
+          <p:nvPr>
+            <p:ph type="sldNum" sz="quarter" idx="12"/>
+          </p:nvPr>
+        </p:nvSpPr>
+        <p:spPr/>
+        <p:txBody>
+          <a:bodyPr/>
+          <a:lstStyle/>
+          <a:p>
+            <a:fld id="{D57F1E4F-1CFF-5643-939E-217C01CDF565}" type="slidenum">
+              <a:rPr lang="en-US" smtClean="0"/>
+              <a:pPr/>
+              <a:t>12</a:t>
+            </a:fld>
+            <a:endParaRPr lang="en-US" dirty="0"/>
           </a:p>
         </p:txBody>
       </p:sp>
@@ -9248,6 +10674,14 @@
 <file path=ppt/slides/slide13.xml><?xml version="1.0" encoding="utf-8"?>
 <p:sld xmlns:a="http://schemas.openxmlformats.org/drawingml/2006/main" xmlns:r="http://schemas.openxmlformats.org/officeDocument/2006/relationships" xmlns:p="http://schemas.openxmlformats.org/presentationml/2006/main">
   <p:cSld>
+    <p:bg>
+      <p:bgPr>
+        <a:solidFill>
+          <a:schemeClr val="bg1"/>
+        </a:solidFill>
+        <a:effectLst/>
+      </p:bgPr>
+    </p:bg>
     <p:spTree>
       <p:nvGrpSpPr>
         <p:cNvPr id="1" name=""/>
@@ -9264,6 +10698,232 @@
       </p:grpSpPr>
       <p:sp>
         <p:nvSpPr>
+          <p:cNvPr id="10" name="Rectangle 9">
+            <a:extLst>
+              <a:ext uri="{FF2B5EF4-FFF2-40B4-BE49-F238E27FC236}">
+                <a16:creationId xmlns:a16="http://schemas.microsoft.com/office/drawing/2014/main" id="{9D336D4B-F9C3-4167-9191-8DA896C803E6}"/>
+              </a:ext>
+              <a:ext uri="{C183D7F6-B498-43B3-948B-1728B52AA6E4}">
+                <adec:decorative xmlns:adec="http://schemas.microsoft.com/office/drawing/2017/decorative" val="1"/>
+              </a:ext>
+            </a:extLst>
+          </p:cNvPr>
+          <p:cNvSpPr>
+            <a:spLocks noGrp="1" noRot="1" noChangeAspect="1" noMove="1" noResize="1" noEditPoints="1" noAdjustHandles="1" noChangeArrowheads="1" noChangeShapeType="1" noTextEdit="1"/>
+          </p:cNvSpPr>
+          <p:nvPr>
+            <p:extLst>
+              <p:ext uri="{386F3935-93C4-4BCD-93E2-E3B085C9AB24}">
+                <p16:designElem xmlns:p16="http://schemas.microsoft.com/office/powerpoint/2015/main" val="1"/>
+              </p:ext>
+            </p:extLst>
+          </p:nvPr>
+        </p:nvSpPr>
+        <p:spPr>
+          <a:xfrm>
+            <a:off x="0" y="0"/>
+            <a:ext cx="12192000" cy="6858000"/>
+          </a:xfrm>
+          <a:prstGeom prst="rect">
+            <a:avLst/>
+          </a:prstGeom>
+          <a:solidFill>
+            <a:schemeClr val="bg1"/>
+          </a:solidFill>
+          <a:ln>
+            <a:noFill/>
+          </a:ln>
+        </p:spPr>
+        <p:style>
+          <a:lnRef idx="2">
+            <a:schemeClr val="accent1">
+              <a:shade val="50000"/>
+            </a:schemeClr>
+          </a:lnRef>
+          <a:fillRef idx="1">
+            <a:schemeClr val="accent1"/>
+          </a:fillRef>
+          <a:effectRef idx="0">
+            <a:schemeClr val="accent1"/>
+          </a:effectRef>
+          <a:fontRef idx="minor">
+            <a:schemeClr val="lt1"/>
+          </a:fontRef>
+        </p:style>
+        <p:txBody>
+          <a:bodyPr rtlCol="0" anchor="ctr"/>
+          <a:lstStyle/>
+          <a:p>
+            <a:pPr algn="ctr"/>
+            <a:endParaRPr lang="en-US"/>
+          </a:p>
+        </p:txBody>
+      </p:sp>
+      <p:sp>
+        <p:nvSpPr>
+          <p:cNvPr id="12" name="Freeform 6">
+            <a:extLst>
+              <a:ext uri="{FF2B5EF4-FFF2-40B4-BE49-F238E27FC236}">
+                <a16:creationId xmlns:a16="http://schemas.microsoft.com/office/drawing/2014/main" id="{069BF0B4-2BF1-40F2-8D8E-9CFCED97D981}"/>
+              </a:ext>
+              <a:ext uri="{C183D7F6-B498-43B3-948B-1728B52AA6E4}">
+                <adec:decorative xmlns:adec="http://schemas.microsoft.com/office/drawing/2017/decorative" val="1"/>
+              </a:ext>
+            </a:extLst>
+          </p:cNvPr>
+          <p:cNvSpPr>
+            <a:spLocks noGrp="1" noRot="1" noChangeAspect="1" noMove="1" noResize="1" noEditPoints="1" noAdjustHandles="1" noChangeArrowheads="1" noChangeShapeType="1" noTextEdit="1"/>
+          </p:cNvSpPr>
+          <p:nvPr>
+            <p:extLst>
+              <p:ext uri="{386F3935-93C4-4BCD-93E2-E3B085C9AB24}">
+                <p16:designElem xmlns:p16="http://schemas.microsoft.com/office/powerpoint/2015/main" val="1"/>
+              </p:ext>
+            </p:extLst>
+          </p:nvPr>
+        </p:nvSpPr>
+        <p:spPr bwMode="auto">
+          <a:xfrm flipV="1">
+            <a:off x="0" y="4672012"/>
+            <a:ext cx="12192000" cy="2185988"/>
+          </a:xfrm>
+          <a:custGeom>
+            <a:avLst/>
+            <a:gdLst/>
+            <a:ahLst/>
+            <a:cxnLst/>
+            <a:rect l="0" t="0" r="r" b="b"/>
+            <a:pathLst>
+              <a:path w="5760" h="1377">
+                <a:moveTo>
+                  <a:pt x="5760" y="0"/>
+                </a:moveTo>
+                <a:lnTo>
+                  <a:pt x="0" y="0"/>
+                </a:lnTo>
+                <a:lnTo>
+                  <a:pt x="0" y="1189"/>
+                </a:lnTo>
+                <a:lnTo>
+                  <a:pt x="943" y="1189"/>
+                </a:lnTo>
+                <a:lnTo>
+                  <a:pt x="1123" y="1369"/>
+                </a:lnTo>
+                <a:lnTo>
+                  <a:pt x="1123" y="1369"/>
+                </a:lnTo>
+                <a:lnTo>
+                  <a:pt x="1127" y="1371"/>
+                </a:lnTo>
+                <a:lnTo>
+                  <a:pt x="1133" y="1374"/>
+                </a:lnTo>
+                <a:lnTo>
+                  <a:pt x="1139" y="1377"/>
+                </a:lnTo>
+                <a:lnTo>
+                  <a:pt x="1144" y="1377"/>
+                </a:lnTo>
+                <a:lnTo>
+                  <a:pt x="1150" y="1377"/>
+                </a:lnTo>
+                <a:lnTo>
+                  <a:pt x="1155" y="1374"/>
+                </a:lnTo>
+                <a:lnTo>
+                  <a:pt x="1161" y="1371"/>
+                </a:lnTo>
+                <a:lnTo>
+                  <a:pt x="1165" y="1369"/>
+                </a:lnTo>
+                <a:lnTo>
+                  <a:pt x="1345" y="1189"/>
+                </a:lnTo>
+                <a:lnTo>
+                  <a:pt x="5760" y="1189"/>
+                </a:lnTo>
+                <a:lnTo>
+                  <a:pt x="5760" y="0"/>
+                </a:lnTo>
+                <a:close/>
+              </a:path>
+            </a:pathLst>
+          </a:custGeom>
+          <a:solidFill>
+            <a:srgbClr val="212121"/>
+          </a:solidFill>
+          <a:ln>
+            <a:noFill/>
+          </a:ln>
+          <a:extLst>
+            <a:ext uri="{91240B29-F687-4f45-9708-019B960494DF}">
+              <a14:hiddenLine xmlns:a14="http://schemas.microsoft.com/office/drawing/2010/main" xmlns:p14="http://schemas.microsoft.com/office/powerpoint/2010/main" xmlns="" w="9525">
+                <a:solidFill>
+                  <a:srgbClr val="000000"/>
+                </a:solidFill>
+                <a:round/>
+                <a:headEnd/>
+                <a:tailEnd/>
+              </a14:hiddenLine>
+            </a:ext>
+          </a:extLst>
+        </p:spPr>
+        <p:style>
+          <a:lnRef idx="1">
+            <a:schemeClr val="accent1"/>
+          </a:lnRef>
+          <a:fillRef idx="3">
+            <a:schemeClr val="accent1"/>
+          </a:fillRef>
+          <a:effectRef idx="2">
+            <a:schemeClr val="accent1"/>
+          </a:effectRef>
+          <a:fontRef idx="minor">
+            <a:schemeClr val="lt1"/>
+          </a:fontRef>
+        </p:style>
+      </p:sp>
+      <p:pic>
+        <p:nvPicPr>
+          <p:cNvPr id="5" name="图片 4">
+            <a:extLst>
+              <a:ext uri="{FF2B5EF4-FFF2-40B4-BE49-F238E27FC236}">
+                <a16:creationId xmlns:a16="http://schemas.microsoft.com/office/drawing/2014/main" id="{CDB89E13-585B-334A-9681-33D6C532668A}"/>
+              </a:ext>
+            </a:extLst>
+          </p:cNvPr>
+          <p:cNvPicPr>
+            <a:picLocks noChangeAspect="1"/>
+          </p:cNvPicPr>
+          <p:nvPr/>
+        </p:nvPicPr>
+        <p:blipFill>
+          <a:blip r:embed="rId2"/>
+          <a:stretch>
+            <a:fillRect/>
+          </a:stretch>
+        </p:blipFill>
+        <p:spPr>
+          <a:xfrm>
+            <a:off x="514351" y="514350"/>
+            <a:ext cx="10413096" cy="3930942"/>
+          </a:xfrm>
+          <a:prstGeom prst="roundRect">
+            <a:avLst>
+              <a:gd name="adj" fmla="val 3876"/>
+            </a:avLst>
+          </a:prstGeom>
+          <a:ln>
+            <a:solidFill>
+              <a:schemeClr val="accent1"/>
+            </a:solidFill>
+          </a:ln>
+          <a:effectLst/>
+        </p:spPr>
+      </p:pic>
+      <p:sp>
+        <p:nvSpPr>
           <p:cNvPr id="2" name="标题 1">
             <a:extLst>
               <a:ext uri="{FF2B5EF4-FFF2-40B4-BE49-F238E27FC236}">
@@ -9278,20 +10938,27 @@
             <p:ph type="title"/>
           </p:nvPr>
         </p:nvSpPr>
-        <p:spPr/>
+        <p:spPr>
+          <a:xfrm>
+            <a:off x="451513" y="5176569"/>
+            <a:ext cx="4589009" cy="970450"/>
+          </a:xfrm>
+        </p:spPr>
         <p:txBody>
-          <a:bodyPr/>
+          <a:bodyPr anchor="ctr">
+            <a:normAutofit/>
+          </a:bodyPr>
           <a:lstStyle/>
           <a:p>
             <a:r>
-              <a:rPr kumimoji="1" lang="en-US" altLang="zh-CN" dirty="0"/>
+              <a:rPr kumimoji="1" lang="en-US" altLang="zh-CN" sz="2400"/>
               <a:t>Memory: </a:t>
             </a:r>
             <a:r>
-              <a:rPr kumimoji="1" lang="en" altLang="zh-CN" dirty="0"/>
-              <a:t>a simple flag</a:t>
+              <a:rPr kumimoji="1" lang="en" altLang="zh-CN" sz="2400"/>
+              <a:t>Introduce MAP_FIXED_NOREPLACE</a:t>
             </a:r>
-            <a:endParaRPr kumimoji="1" lang="zh-CN" altLang="en-US" dirty="0"/>
+            <a:endParaRPr kumimoji="1" lang="zh-CN" altLang="en-US" sz="2400"/>
           </a:p>
         </p:txBody>
       </p:sp>
@@ -9311,22 +10978,93 @@
             <p:ph idx="1"/>
           </p:nvPr>
         </p:nvSpPr>
+        <p:spPr>
+          <a:xfrm>
+            <a:off x="5344886" y="5176569"/>
+            <a:ext cx="6028400" cy="970450"/>
+          </a:xfrm>
+        </p:spPr>
+        <p:txBody>
+          <a:bodyPr>
+            <a:normAutofit/>
+          </a:bodyPr>
+          <a:lstStyle/>
+          <a:p>
+            <a:pPr>
+              <a:lnSpc>
+                <a:spcPct val="90000"/>
+              </a:lnSpc>
+            </a:pPr>
+            <a:endParaRPr kumimoji="1" lang="en" altLang="zh-CN" sz="1400">
+              <a:solidFill>
+                <a:srgbClr val="FEFEFE"/>
+              </a:solidFill>
+            </a:endParaRPr>
+          </a:p>
+          <a:p>
+            <a:pPr>
+              <a:lnSpc>
+                <a:spcPct val="90000"/>
+              </a:lnSpc>
+            </a:pPr>
+            <a:r>
+              <a:rPr kumimoji="1" lang="en" altLang="zh-CN" sz="1400">
+                <a:solidFill>
+                  <a:srgbClr val="FEFEFE"/>
+                </a:solidFill>
+              </a:rPr>
+              <a:t>git log --oneline --grep MAP_FIXED_NOREPLACE</a:t>
+            </a:r>
+          </a:p>
+          <a:p>
+            <a:pPr>
+              <a:lnSpc>
+                <a:spcPct val="90000"/>
+              </a:lnSpc>
+            </a:pPr>
+            <a:r>
+              <a:rPr kumimoji="1" lang="en" altLang="zh-CN" sz="1400">
+                <a:solidFill>
+                  <a:srgbClr val="FEFEFE"/>
+                </a:solidFill>
+              </a:rPr>
+              <a:t>Commit: a4ff8e8620d3 mm: introduce MAP_FIXED_NOREPLACE</a:t>
+            </a:r>
+            <a:endParaRPr kumimoji="1" lang="zh-CN" altLang="en-US" sz="1400">
+              <a:solidFill>
+                <a:srgbClr val="FEFEFE"/>
+              </a:solidFill>
+            </a:endParaRPr>
+          </a:p>
+        </p:txBody>
+      </p:sp>
+      <p:sp>
+        <p:nvSpPr>
+          <p:cNvPr id="6" name="灯片编号占位符 5">
+            <a:extLst>
+              <a:ext uri="{FF2B5EF4-FFF2-40B4-BE49-F238E27FC236}">
+                <a16:creationId xmlns:a16="http://schemas.microsoft.com/office/drawing/2014/main" id="{29A99703-D77E-4241-80D3-BA61C7E4FF79}"/>
+              </a:ext>
+            </a:extLst>
+          </p:cNvPr>
+          <p:cNvSpPr>
+            <a:spLocks noGrp="1"/>
+          </p:cNvSpPr>
+          <p:nvPr>
+            <p:ph type="sldNum" sz="quarter" idx="12"/>
+          </p:nvPr>
+        </p:nvSpPr>
         <p:spPr/>
         <p:txBody>
           <a:bodyPr/>
           <a:lstStyle/>
           <a:p>
-            <a:r>
-              <a:rPr kumimoji="1" lang="en" altLang="zh-CN" dirty="0"/>
-              <a:t>MAP_FIXED</a:t>
-            </a:r>
-          </a:p>
-          <a:p>
-            <a:r>
-              <a:rPr kumimoji="1" lang="en" altLang="zh-CN" dirty="0"/>
-              <a:t>MAP_FIXED_NOREPLACE</a:t>
-            </a:r>
-            <a:endParaRPr kumimoji="1" lang="zh-CN" altLang="en-US" dirty="0"/>
+            <a:fld id="{D57F1E4F-1CFF-5643-939E-217C01CDF565}" type="slidenum">
+              <a:rPr lang="en-US" smtClean="0"/>
+              <a:pPr/>
+              <a:t>13</a:t>
+            </a:fld>
+            <a:endParaRPr lang="en-US" dirty="0"/>
           </a:p>
         </p:txBody>
       </p:sp>
@@ -9338,7 +11076,7 @@
     </p:extLst>
   </p:cSld>
   <p:clrMapOvr>
-    <a:masterClrMapping/>
+    <a:overrideClrMapping bg1="lt1" tx1="dk1" bg2="lt2" tx2="dk2" accent1="accent1" accent2="accent2" accent3="accent3" accent4="accent4" accent5="accent5" accent6="accent6" hlink="hlink" folHlink="folHlink"/>
   </p:clrMapOvr>
 </p:sld>
 </file>
@@ -9454,6 +11192,36 @@
               <a:rPr lang="zh-CN" altLang="en-US" dirty="0"/>
               <a:t>https://github.com/norov/linux/tree/ilp32-4.16</a:t>
             </a:r>
+          </a:p>
+        </p:txBody>
+      </p:sp>
+      <p:sp>
+        <p:nvSpPr>
+          <p:cNvPr id="3" name="灯片编号占位符 2">
+            <a:extLst>
+              <a:ext uri="{FF2B5EF4-FFF2-40B4-BE49-F238E27FC236}">
+                <a16:creationId xmlns:a16="http://schemas.microsoft.com/office/drawing/2014/main" id="{81C2F7C7-36EE-224B-9719-B867A56F343D}"/>
+              </a:ext>
+            </a:extLst>
+          </p:cNvPr>
+          <p:cNvSpPr>
+            <a:spLocks noGrp="1"/>
+          </p:cNvSpPr>
+          <p:nvPr>
+            <p:ph type="sldNum" sz="quarter" idx="12"/>
+          </p:nvPr>
+        </p:nvSpPr>
+        <p:spPr/>
+        <p:txBody>
+          <a:bodyPr/>
+          <a:lstStyle/>
+          <a:p>
+            <a:fld id="{D57F1E4F-1CFF-5643-939E-217C01CDF565}" type="slidenum">
+              <a:rPr lang="en-US" smtClean="0"/>
+              <a:pPr/>
+              <a:t>14</a:t>
+            </a:fld>
+            <a:endParaRPr lang="en-US" dirty="0"/>
           </a:p>
         </p:txBody>
       </p:sp>
@@ -9590,7 +11358,7 @@
           <a:effectLst/>
           <a:extLst>
             <a:ext uri="{91240B29-F687-4f45-9708-019B960494DF}">
-              <a14:hiddenLine xmlns:a14="http://schemas.microsoft.com/office/drawing/2010/main" xmlns:p14="http://schemas.microsoft.com/office/powerpoint/2010/main" xmlns="" w="9525">
+              <a14:hiddenLine xmlns="" xmlns:p14="http://schemas.microsoft.com/office/powerpoint/2010/main" xmlns:a14="http://schemas.microsoft.com/office/drawing/2010/main" w="9525">
                 <a:solidFill>
                   <a:srgbClr val="000000"/>
                 </a:solidFill>
@@ -9836,7 +11604,7 @@
         </p:blipFill>
         <p:spPr>
           <a:xfrm>
-            <a:off x="635457" y="640080"/>
+            <a:off x="2519698" y="625221"/>
             <a:ext cx="8282151" cy="3602736"/>
           </a:xfrm>
           <a:prstGeom prst="roundRect">
@@ -9888,6 +11656,36 @@
               </a:rPr>
               <a:t>Staging features: ILP32</a:t>
             </a:r>
+          </a:p>
+        </p:txBody>
+      </p:sp>
+      <p:sp>
+        <p:nvSpPr>
+          <p:cNvPr id="3" name="灯片编号占位符 2">
+            <a:extLst>
+              <a:ext uri="{FF2B5EF4-FFF2-40B4-BE49-F238E27FC236}">
+                <a16:creationId xmlns:a16="http://schemas.microsoft.com/office/drawing/2014/main" id="{22E406A3-9E24-634C-9862-2CBE113C06CC}"/>
+              </a:ext>
+            </a:extLst>
+          </p:cNvPr>
+          <p:cNvSpPr>
+            <a:spLocks noGrp="1"/>
+          </p:cNvSpPr>
+          <p:nvPr>
+            <p:ph type="sldNum" sz="quarter" idx="12"/>
+          </p:nvPr>
+        </p:nvSpPr>
+        <p:spPr/>
+        <p:txBody>
+          <a:bodyPr/>
+          <a:lstStyle/>
+          <a:p>
+            <a:fld id="{D57F1E4F-1CFF-5643-939E-217C01CDF565}" type="slidenum">
+              <a:rPr lang="en-US" smtClean="0"/>
+              <a:pPr/>
+              <a:t>15</a:t>
+            </a:fld>
+            <a:endParaRPr lang="en-US" dirty="0"/>
           </a:p>
         </p:txBody>
       </p:sp>
@@ -10024,7 +11822,7 @@
           <a:effectLst/>
           <a:extLst>
             <a:ext uri="{91240B29-F687-4f45-9708-019B960494DF}">
-              <a14:hiddenLine xmlns:a14="http://schemas.microsoft.com/office/drawing/2010/main" xmlns:p14="http://schemas.microsoft.com/office/powerpoint/2010/main" xmlns="" w="9525">
+              <a14:hiddenLine xmlns="" xmlns:p14="http://schemas.microsoft.com/office/powerpoint/2010/main" xmlns:a14="http://schemas.microsoft.com/office/drawing/2010/main" w="9525">
                 <a:solidFill>
                   <a:srgbClr val="000000"/>
                 </a:solidFill>
@@ -10270,8 +12068,8 @@
         </p:blipFill>
         <p:spPr>
           <a:xfrm>
-            <a:off x="635457" y="640080"/>
-            <a:ext cx="6734087" cy="3602736"/>
+            <a:off x="2144637" y="193164"/>
+            <a:ext cx="7902725" cy="4227957"/>
           </a:xfrm>
           <a:prstGeom prst="roundRect">
             <a:avLst>
@@ -10322,6 +12120,36 @@
               </a:rPr>
               <a:t>Staging features: ILP32</a:t>
             </a:r>
+          </a:p>
+        </p:txBody>
+      </p:sp>
+      <p:sp>
+        <p:nvSpPr>
+          <p:cNvPr id="3" name="灯片编号占位符 2">
+            <a:extLst>
+              <a:ext uri="{FF2B5EF4-FFF2-40B4-BE49-F238E27FC236}">
+                <a16:creationId xmlns:a16="http://schemas.microsoft.com/office/drawing/2014/main" id="{BE6570FA-4473-6B41-AEF1-CD94A1223DF7}"/>
+              </a:ext>
+            </a:extLst>
+          </p:cNvPr>
+          <p:cNvSpPr>
+            <a:spLocks noGrp="1"/>
+          </p:cNvSpPr>
+          <p:nvPr>
+            <p:ph type="sldNum" sz="quarter" idx="12"/>
+          </p:nvPr>
+        </p:nvSpPr>
+        <p:spPr/>
+        <p:txBody>
+          <a:bodyPr/>
+          <a:lstStyle/>
+          <a:p>
+            <a:fld id="{D57F1E4F-1CFF-5643-939E-217C01CDF565}" type="slidenum">
+              <a:rPr lang="en-US" smtClean="0"/>
+              <a:pPr/>
+              <a:t>16</a:t>
+            </a:fld>
+            <a:endParaRPr lang="en-US" dirty="0"/>
           </a:p>
         </p:txBody>
       </p:sp>
@@ -10341,6 +12169,14 @@
 <file path=ppt/slides/slide17.xml><?xml version="1.0" encoding="utf-8"?>
 <p:sld xmlns:a="http://schemas.openxmlformats.org/drawingml/2006/main" xmlns:r="http://schemas.openxmlformats.org/officeDocument/2006/relationships" xmlns:p="http://schemas.openxmlformats.org/presentationml/2006/main">
   <p:cSld>
+    <p:bg>
+      <p:bgPr>
+        <a:solidFill>
+          <a:schemeClr val="bg2"/>
+        </a:solidFill>
+        <a:effectLst/>
+      </p:bgPr>
+    </p:bg>
     <p:spTree>
       <p:nvGrpSpPr>
         <p:cNvPr id="1" name=""/>
@@ -10355,6 +12191,82 @@
           <a:chExt cx="0" cy="0"/>
         </a:xfrm>
       </p:grpSpPr>
+      <p:pic>
+        <p:nvPicPr>
+          <p:cNvPr id="4" name="图片 3">
+            <a:extLst>
+              <a:ext uri="{FF2B5EF4-FFF2-40B4-BE49-F238E27FC236}">
+                <a16:creationId xmlns:a16="http://schemas.microsoft.com/office/drawing/2014/main" id="{C7ABCC66-E98E-9B41-B983-DF83763E8B21}"/>
+              </a:ext>
+            </a:extLst>
+          </p:cNvPr>
+          <p:cNvPicPr>
+            <a:picLocks noChangeAspect="1"/>
+          </p:cNvPicPr>
+          <p:nvPr/>
+        </p:nvPicPr>
+        <p:blipFill>
+          <a:blip r:embed="rId2"/>
+          <a:stretch>
+            <a:fillRect/>
+          </a:stretch>
+        </p:blipFill>
+        <p:spPr>
+          <a:xfrm>
+            <a:off x="1529032" y="2413000"/>
+            <a:ext cx="1775873" cy="1775873"/>
+          </a:xfrm>
+          <a:prstGeom prst="roundRect">
+            <a:avLst>
+              <a:gd name="adj" fmla="val 3876"/>
+            </a:avLst>
+          </a:prstGeom>
+          <a:ln>
+            <a:solidFill>
+              <a:schemeClr val="accent1"/>
+            </a:solidFill>
+          </a:ln>
+          <a:effectLst/>
+        </p:spPr>
+      </p:pic>
+      <p:pic>
+        <p:nvPicPr>
+          <p:cNvPr id="5" name="图片 4">
+            <a:extLst>
+              <a:ext uri="{FF2B5EF4-FFF2-40B4-BE49-F238E27FC236}">
+                <a16:creationId xmlns:a16="http://schemas.microsoft.com/office/drawing/2014/main" id="{5B186900-850A-CC4B-9DD0-1C625F82115F}"/>
+              </a:ext>
+            </a:extLst>
+          </p:cNvPr>
+          <p:cNvPicPr>
+            <a:picLocks noChangeAspect="1"/>
+          </p:cNvPicPr>
+          <p:nvPr/>
+        </p:nvPicPr>
+        <p:blipFill>
+          <a:blip r:embed="rId3"/>
+          <a:stretch>
+            <a:fillRect/>
+          </a:stretch>
+        </p:blipFill>
+        <p:spPr>
+          <a:xfrm>
+            <a:off x="1529032" y="4353464"/>
+            <a:ext cx="1775873" cy="1775873"/>
+          </a:xfrm>
+          <a:prstGeom prst="roundRect">
+            <a:avLst>
+              <a:gd name="adj" fmla="val 3876"/>
+            </a:avLst>
+          </a:prstGeom>
+          <a:ln>
+            <a:solidFill>
+              <a:schemeClr val="accent1"/>
+            </a:solidFill>
+          </a:ln>
+          <a:effectLst/>
+        </p:spPr>
+      </p:pic>
       <p:sp>
         <p:nvSpPr>
           <p:cNvPr id="2" name="标题 1">
@@ -10371,18 +12283,21 @@
             <p:ph type="title"/>
           </p:nvPr>
         </p:nvSpPr>
-        <p:spPr/>
+        <p:spPr>
+          <a:xfrm>
+            <a:off x="810000" y="447188"/>
+            <a:ext cx="10571998" cy="970450"/>
+          </a:xfrm>
+        </p:spPr>
         <p:txBody>
-          <a:bodyPr/>
+          <a:bodyPr>
+            <a:normAutofit/>
+          </a:bodyPr>
           <a:lstStyle/>
           <a:p>
             <a:r>
               <a:rPr kumimoji="1" lang="en-US" altLang="zh-CN" dirty="0"/>
-              <a:t>Thanks:</a:t>
-            </a:r>
-            <a:r>
-              <a:rPr lang="zh-CN" altLang="en-US" dirty="0"/>
-              <a:t>你可能感兴趣的文章</a:t>
+              <a:t>Thanks</a:t>
             </a:r>
             <a:endParaRPr kumimoji="1" lang="zh-CN" altLang="en-US" dirty="0"/>
           </a:p>
@@ -10404,197 +12319,283 @@
             <p:ph idx="1"/>
           </p:nvPr>
         </p:nvSpPr>
-        <p:spPr/>
+        <p:spPr>
+          <a:xfrm>
+            <a:off x="4330699" y="2413000"/>
+            <a:ext cx="7052733" cy="3632200"/>
+          </a:xfrm>
+        </p:spPr>
         <p:txBody>
           <a:bodyPr>
             <a:normAutofit/>
           </a:bodyPr>
           <a:lstStyle/>
           <a:p>
+            <a:pPr>
+              <a:lnSpc>
+                <a:spcPct val="90000"/>
+              </a:lnSpc>
+            </a:pPr>
             <a:r>
               <a:rPr lang="zh-CN" altLang="en-US" dirty="0"/>
-              <a:t>半瓦平时有随手记笔记的习惯，公众号原创文章只分享自己有体会的信息，希望能促进价值信息流动。任何建议欢迎给我留言或添加我的微信（公众号回复“微信”，可以看到半瓦的微信）：</a:t>
+              <a:t>半瓦平时有随手记笔记的习惯，公众号</a:t>
             </a:r>
-          </a:p>
-          <a:p>
+            <a:r>
+              <a:rPr lang="en-US" altLang="zh-CN" dirty="0"/>
+              <a:t>《</a:t>
+            </a:r>
+            <a:r>
+              <a:rPr lang="zh-CN" altLang="en-US" dirty="0"/>
+              <a:t>敏达生活</a:t>
+            </a:r>
+            <a:r>
+              <a:rPr lang="en-US" altLang="zh-CN" dirty="0"/>
+              <a:t>》</a:t>
+            </a:r>
+            <a:r>
+              <a:rPr lang="zh-CN" altLang="en-US" dirty="0"/>
+              <a:t>。只分享自己有体会的信息，希望能促进价值信息流动。任何建议欢迎给我留言或添加我的微信：</a:t>
+            </a:r>
+          </a:p>
+          <a:p>
+            <a:pPr>
+              <a:lnSpc>
+                <a:spcPct val="90000"/>
+              </a:lnSpc>
+            </a:pPr>
             <a:r>
               <a:rPr lang="zh-CN" altLang="en-US" dirty="0">
-                <a:hlinkClick r:id="rId2"/>
+                <a:hlinkClick r:id="rId4"/>
               </a:rPr>
               <a:t>春风吹又生</a:t>
             </a:r>
             <a:r>
               <a:rPr lang="en-US" altLang="zh-CN" dirty="0">
-                <a:hlinkClick r:id="rId2"/>
+                <a:hlinkClick r:id="rId4"/>
               </a:rPr>
               <a:t>—-</a:t>
             </a:r>
             <a:r>
               <a:rPr lang="zh-CN" altLang="en-US" dirty="0">
-                <a:hlinkClick r:id="rId2"/>
+                <a:hlinkClick r:id="rId4"/>
               </a:rPr>
               <a:t>梳理中国</a:t>
             </a:r>
             <a:r>
               <a:rPr lang="en" altLang="zh-CN" dirty="0">
-                <a:hlinkClick r:id="rId2"/>
+                <a:hlinkClick r:id="rId4"/>
               </a:rPr>
               <a:t>CPU</a:t>
             </a:r>
             <a:endParaRPr lang="en" altLang="zh-CN" dirty="0"/>
           </a:p>
           <a:p>
+            <a:pPr>
+              <a:lnSpc>
+                <a:spcPct val="90000"/>
+              </a:lnSpc>
+            </a:pPr>
             <a:r>
               <a:rPr lang="en" altLang="zh-CN" dirty="0">
-                <a:hlinkClick r:id="rId3"/>
+                <a:hlinkClick r:id="rId5"/>
               </a:rPr>
               <a:t>Linux</a:t>
             </a:r>
             <a:r>
               <a:rPr lang="zh-CN" altLang="en-US" dirty="0">
-                <a:hlinkClick r:id="rId3"/>
+                <a:hlinkClick r:id="rId5"/>
               </a:rPr>
               <a:t>自动化部署工具综述（</a:t>
             </a:r>
             <a:r>
               <a:rPr lang="en" altLang="zh-CN" dirty="0">
-                <a:hlinkClick r:id="rId3"/>
+                <a:hlinkClick r:id="rId5"/>
               </a:rPr>
               <a:t>Linux</a:t>
             </a:r>
             <a:r>
               <a:rPr lang="zh-CN" altLang="en-US" dirty="0">
-                <a:hlinkClick r:id="rId3"/>
+                <a:hlinkClick r:id="rId5"/>
               </a:rPr>
               <a:t>自动化部署工具系列之一）</a:t>
             </a:r>
             <a:endParaRPr lang="zh-CN" altLang="en-US" dirty="0"/>
           </a:p>
           <a:p>
+            <a:pPr>
+              <a:lnSpc>
+                <a:spcPct val="90000"/>
+              </a:lnSpc>
+            </a:pPr>
             <a:r>
               <a:rPr lang="zh-CN" altLang="en-US" dirty="0">
-                <a:hlinkClick r:id="rId4"/>
+                <a:hlinkClick r:id="rId6"/>
               </a:rPr>
               <a:t>比较操作系统镜像制作方式（</a:t>
             </a:r>
             <a:r>
               <a:rPr lang="en" altLang="zh-CN" dirty="0">
-                <a:hlinkClick r:id="rId4"/>
+                <a:hlinkClick r:id="rId6"/>
               </a:rPr>
               <a:t>Linux</a:t>
             </a:r>
             <a:r>
               <a:rPr lang="zh-CN" altLang="en-US" dirty="0">
-                <a:hlinkClick r:id="rId4"/>
+                <a:hlinkClick r:id="rId6"/>
               </a:rPr>
               <a:t>自动化部署工具系列之二）</a:t>
             </a:r>
             <a:endParaRPr lang="zh-CN" altLang="en-US" dirty="0"/>
           </a:p>
           <a:p>
+            <a:pPr>
+              <a:lnSpc>
+                <a:spcPct val="90000"/>
+              </a:lnSpc>
+            </a:pPr>
             <a:r>
               <a:rPr lang="en" altLang="zh-CN" dirty="0">
-                <a:hlinkClick r:id="rId5"/>
+                <a:hlinkClick r:id="rId7"/>
               </a:rPr>
               <a:t>ARM</a:t>
             </a:r>
             <a:r>
               <a:rPr lang="zh-CN" altLang="en-US" dirty="0">
-                <a:hlinkClick r:id="rId5"/>
+                <a:hlinkClick r:id="rId7"/>
               </a:rPr>
               <a:t>生态系统的盛会</a:t>
             </a:r>
             <a:r>
               <a:rPr lang="en" altLang="zh-CN" dirty="0">
-                <a:hlinkClick r:id="rId5"/>
+                <a:hlinkClick r:id="rId7"/>
               </a:rPr>
               <a:t>Linaro connect</a:t>
             </a:r>
             <a:r>
               <a:rPr lang="zh-CN" altLang="en" dirty="0">
-                <a:hlinkClick r:id="rId5"/>
+                <a:hlinkClick r:id="rId7"/>
               </a:rPr>
               <a:t>（</a:t>
             </a:r>
             <a:r>
               <a:rPr lang="zh-CN" altLang="en-US" dirty="0">
-                <a:hlinkClick r:id="rId5"/>
+                <a:hlinkClick r:id="rId7"/>
               </a:rPr>
               <a:t>之一）：</a:t>
             </a:r>
             <a:r>
               <a:rPr lang="en" altLang="zh-CN" dirty="0">
-                <a:hlinkClick r:id="rId5"/>
+                <a:hlinkClick r:id="rId7"/>
               </a:rPr>
               <a:t>arm64 server</a:t>
             </a:r>
             <a:r>
               <a:rPr lang="zh-CN" altLang="en-US" dirty="0">
-                <a:hlinkClick r:id="rId5"/>
+                <a:hlinkClick r:id="rId7"/>
               </a:rPr>
               <a:t>和端侧</a:t>
             </a:r>
             <a:r>
               <a:rPr lang="en" altLang="zh-CN" dirty="0">
-                <a:hlinkClick r:id="rId5"/>
+                <a:hlinkClick r:id="rId7"/>
               </a:rPr>
               <a:t>AI</a:t>
             </a:r>
             <a:endParaRPr lang="en" altLang="zh-CN" dirty="0"/>
           </a:p>
           <a:p>
+            <a:pPr>
+              <a:lnSpc>
+                <a:spcPct val="90000"/>
+              </a:lnSpc>
+            </a:pPr>
             <a:r>
               <a:rPr lang="en" altLang="zh-CN" dirty="0">
-                <a:hlinkClick r:id="rId6"/>
+                <a:hlinkClick r:id="rId8"/>
               </a:rPr>
               <a:t>ARM</a:t>
             </a:r>
             <a:r>
               <a:rPr lang="zh-CN" altLang="en-US" dirty="0">
-                <a:hlinkClick r:id="rId6"/>
+                <a:hlinkClick r:id="rId8"/>
               </a:rPr>
               <a:t>生态系统的盛会</a:t>
             </a:r>
             <a:r>
               <a:rPr lang="en" altLang="zh-CN" dirty="0">
-                <a:hlinkClick r:id="rId6"/>
+                <a:hlinkClick r:id="rId8"/>
               </a:rPr>
               <a:t>Linaro connect</a:t>
             </a:r>
             <a:r>
               <a:rPr lang="zh-CN" altLang="en" dirty="0">
-                <a:hlinkClick r:id="rId6"/>
+                <a:hlinkClick r:id="rId8"/>
               </a:rPr>
               <a:t>（</a:t>
             </a:r>
             <a:r>
               <a:rPr lang="zh-CN" altLang="en-US" dirty="0">
-                <a:hlinkClick r:id="rId6"/>
+                <a:hlinkClick r:id="rId8"/>
               </a:rPr>
               <a:t>之二）：</a:t>
             </a:r>
             <a:r>
               <a:rPr lang="en" altLang="zh-CN" dirty="0">
-                <a:hlinkClick r:id="rId6"/>
+                <a:hlinkClick r:id="rId8"/>
               </a:rPr>
               <a:t>arm64 workstation</a:t>
             </a:r>
             <a:r>
               <a:rPr lang="zh-CN" altLang="en-US" dirty="0">
-                <a:hlinkClick r:id="rId6"/>
+                <a:hlinkClick r:id="rId8"/>
               </a:rPr>
               <a:t>和低成本调试工具</a:t>
             </a:r>
             <a:endParaRPr lang="zh-CN" altLang="en-US" dirty="0"/>
           </a:p>
           <a:p>
+            <a:pPr>
+              <a:lnSpc>
+                <a:spcPct val="90000"/>
+              </a:lnSpc>
+            </a:pPr>
             <a:r>
               <a:rPr lang="zh-CN" altLang="en-US" dirty="0">
-                <a:hlinkClick r:id="rId7"/>
+                <a:hlinkClick r:id="rId9"/>
               </a:rPr>
               <a:t>内核测试小整理</a:t>
             </a:r>
             <a:endParaRPr lang="zh-CN" altLang="en-US" dirty="0"/>
+          </a:p>
+        </p:txBody>
+      </p:sp>
+      <p:sp>
+        <p:nvSpPr>
+          <p:cNvPr id="6" name="灯片编号占位符 5">
+            <a:extLst>
+              <a:ext uri="{FF2B5EF4-FFF2-40B4-BE49-F238E27FC236}">
+                <a16:creationId xmlns:a16="http://schemas.microsoft.com/office/drawing/2014/main" id="{4968D958-95F9-CC49-A383-154419AD27C1}"/>
+              </a:ext>
+            </a:extLst>
+          </p:cNvPr>
+          <p:cNvSpPr>
+            <a:spLocks noGrp="1"/>
+          </p:cNvSpPr>
+          <p:nvPr>
+            <p:ph type="sldNum" sz="quarter" idx="12"/>
+          </p:nvPr>
+        </p:nvSpPr>
+        <p:spPr/>
+        <p:txBody>
+          <a:bodyPr/>
+          <a:lstStyle/>
+          <a:p>
+            <a:fld id="{D57F1E4F-1CFF-5643-939E-217C01CDF565}" type="slidenum">
+              <a:rPr lang="en-US" smtClean="0"/>
+              <a:pPr/>
+              <a:t>17</a:t>
+            </a:fld>
+            <a:endParaRPr lang="en-US" dirty="0"/>
           </a:p>
         </p:txBody>
       </p:sp>
@@ -10931,7 +12932,11 @@
           </a:bodyPr>
           <a:lstStyle/>
           <a:p>
-            <a:endParaRPr kumimoji="1" lang="zh-CN" altLang="en-US" sz="4400"/>
+            <a:r>
+              <a:rPr kumimoji="1" lang="en-US" altLang="zh-CN" sz="4400" dirty="0"/>
+              <a:t>Outline</a:t>
+            </a:r>
+            <a:endParaRPr kumimoji="1" lang="zh-CN" altLang="en-US" sz="4400" dirty="0"/>
           </a:p>
         </p:txBody>
       </p:sp>
@@ -10951,7 +12956,7 @@
             <p:ph idx="1"/>
             <p:extLst>
               <p:ext uri="{D42A27DB-BD31-4B8C-83A1-F6EECF244321}">
-                <p14:modId xmlns:p14="http://schemas.microsoft.com/office/powerpoint/2010/main" val="769487102"/>
+                <p14:modId xmlns:p14="http://schemas.microsoft.com/office/powerpoint/2010/main" val="2048346477"/>
               </p:ext>
             </p:extLst>
           </p:nvPr>
@@ -10966,6 +12971,36 @@
           </a:graphicData>
         </a:graphic>
       </p:graphicFrame>
+      <p:sp>
+        <p:nvSpPr>
+          <p:cNvPr id="3" name="灯片编号占位符 2">
+            <a:extLst>
+              <a:ext uri="{FF2B5EF4-FFF2-40B4-BE49-F238E27FC236}">
+                <a16:creationId xmlns:a16="http://schemas.microsoft.com/office/drawing/2014/main" id="{6ADD5889-46EC-DA4B-A805-92A59EFE9411}"/>
+              </a:ext>
+            </a:extLst>
+          </p:cNvPr>
+          <p:cNvSpPr>
+            <a:spLocks noGrp="1"/>
+          </p:cNvSpPr>
+          <p:nvPr>
+            <p:ph type="sldNum" sz="quarter" idx="12"/>
+          </p:nvPr>
+        </p:nvSpPr>
+        <p:spPr/>
+        <p:txBody>
+          <a:bodyPr/>
+          <a:lstStyle/>
+          <a:p>
+            <a:fld id="{D57F1E4F-1CFF-5643-939E-217C01CDF565}" type="slidenum">
+              <a:rPr lang="en-US" smtClean="0"/>
+              <a:pPr/>
+              <a:t>2</a:t>
+            </a:fld>
+            <a:endParaRPr lang="en-US" dirty="0"/>
+          </a:p>
+        </p:txBody>
+      </p:sp>
     </p:spTree>
     <p:extLst>
       <p:ext uri="{BB962C8B-B14F-4D97-AF65-F5344CB8AC3E}">
@@ -10980,223 +13015,6 @@
 </file>
 
 <file path=ppt/slides/slide3.xml><?xml version="1.0" encoding="utf-8"?>
-<p:sld xmlns:a="http://schemas.openxmlformats.org/drawingml/2006/main" xmlns:r="http://schemas.openxmlformats.org/officeDocument/2006/relationships" xmlns:p="http://schemas.openxmlformats.org/presentationml/2006/main">
-  <p:cSld>
-    <p:spTree>
-      <p:nvGrpSpPr>
-        <p:cNvPr id="1" name=""/>
-        <p:cNvGrpSpPr/>
-        <p:nvPr/>
-      </p:nvGrpSpPr>
-      <p:grpSpPr>
-        <a:xfrm>
-          <a:off x="0" y="0"/>
-          <a:ext cx="0" cy="0"/>
-          <a:chOff x="0" y="0"/>
-          <a:chExt cx="0" cy="0"/>
-        </a:xfrm>
-      </p:grpSpPr>
-      <p:sp>
-        <p:nvSpPr>
-          <p:cNvPr id="2" name="标题 1">
-            <a:extLst>
-              <a:ext uri="{FF2B5EF4-FFF2-40B4-BE49-F238E27FC236}">
-                <a16:creationId xmlns:a16="http://schemas.microsoft.com/office/drawing/2014/main" id="{7DC23DE4-D919-CE4C-B111-1D0D889B3AFF}"/>
-              </a:ext>
-            </a:extLst>
-          </p:cNvPr>
-          <p:cNvSpPr>
-            <a:spLocks noGrp="1"/>
-          </p:cNvSpPr>
-          <p:nvPr>
-            <p:ph type="title"/>
-          </p:nvPr>
-        </p:nvSpPr>
-        <p:spPr/>
-        <p:txBody>
-          <a:bodyPr/>
-          <a:lstStyle/>
-          <a:p>
-            <a:r>
-              <a:rPr kumimoji="1" lang="en-US" altLang="zh-CN" dirty="0"/>
-              <a:t>Who</a:t>
-            </a:r>
-            <a:r>
-              <a:rPr kumimoji="1" lang="zh-CN" altLang="en-US" dirty="0"/>
-              <a:t> </a:t>
-            </a:r>
-            <a:r>
-              <a:rPr kumimoji="1" lang="en-US" altLang="zh-CN" dirty="0"/>
-              <a:t>I</a:t>
-            </a:r>
-            <a:r>
-              <a:rPr kumimoji="1" lang="zh-CN" altLang="en-US" dirty="0"/>
-              <a:t> </a:t>
-            </a:r>
-            <a:r>
-              <a:rPr kumimoji="1" lang="en-US" altLang="zh-CN" dirty="0"/>
-              <a:t>am?</a:t>
-            </a:r>
-            <a:endParaRPr kumimoji="1" lang="zh-CN" altLang="en-US" dirty="0"/>
-          </a:p>
-        </p:txBody>
-      </p:sp>
-      <p:sp>
-        <p:nvSpPr>
-          <p:cNvPr id="3" name="内容占位符 2">
-            <a:extLst>
-              <a:ext uri="{FF2B5EF4-FFF2-40B4-BE49-F238E27FC236}">
-                <a16:creationId xmlns:a16="http://schemas.microsoft.com/office/drawing/2014/main" id="{03C28B74-71D7-2048-84E8-6E043E872CE9}"/>
-              </a:ext>
-            </a:extLst>
-          </p:cNvPr>
-          <p:cNvSpPr>
-            <a:spLocks noGrp="1"/>
-          </p:cNvSpPr>
-          <p:nvPr>
-            <p:ph idx="1"/>
-          </p:nvPr>
-        </p:nvSpPr>
-        <p:spPr>
-          <a:xfrm>
-            <a:off x="818712" y="2222287"/>
-            <a:ext cx="10563286" cy="3636511"/>
-          </a:xfrm>
-        </p:spPr>
-        <p:txBody>
-          <a:bodyPr/>
-          <a:lstStyle/>
-          <a:p>
-            <a:r>
-              <a:rPr kumimoji="1" lang="en-US" altLang="zh-CN" dirty="0"/>
-              <a:t>Linux</a:t>
-            </a:r>
-            <a:r>
-              <a:rPr kumimoji="1" lang="zh-CN" altLang="en-US" dirty="0"/>
-              <a:t> </a:t>
-            </a:r>
-            <a:r>
-              <a:rPr kumimoji="1" lang="en-US" altLang="zh-CN" dirty="0"/>
-              <a:t>kernel</a:t>
-            </a:r>
-            <a:r>
-              <a:rPr kumimoji="1" lang="zh-CN" altLang="en-US" dirty="0"/>
-              <a:t> </a:t>
-            </a:r>
-            <a:r>
-              <a:rPr kumimoji="1" lang="en-US" altLang="zh-CN" dirty="0"/>
-              <a:t>developer</a:t>
-            </a:r>
-          </a:p>
-          <a:p>
-            <a:r>
-              <a:rPr kumimoji="1" lang="en-US" altLang="zh-CN" dirty="0"/>
-              <a:t>Distributed</a:t>
-            </a:r>
-            <a:r>
-              <a:rPr kumimoji="1" lang="zh-CN" altLang="en-US" dirty="0"/>
-              <a:t> </a:t>
-            </a:r>
-            <a:r>
-              <a:rPr kumimoji="1" lang="en-US" altLang="zh-CN" dirty="0"/>
-              <a:t>storage</a:t>
-            </a:r>
-            <a:r>
-              <a:rPr kumimoji="1" lang="zh-CN" altLang="en-US" dirty="0"/>
-              <a:t> </a:t>
-            </a:r>
-            <a:r>
-              <a:rPr kumimoji="1" lang="en-US" altLang="zh-CN" dirty="0"/>
-              <a:t>developer</a:t>
-            </a:r>
-          </a:p>
-          <a:p>
-            <a:r>
-              <a:rPr kumimoji="1" lang="en-US" altLang="zh-CN" dirty="0"/>
-              <a:t>Open</a:t>
-            </a:r>
-            <a:r>
-              <a:rPr kumimoji="1" lang="zh-CN" altLang="en-US" dirty="0"/>
-              <a:t> </a:t>
-            </a:r>
-            <a:r>
-              <a:rPr kumimoji="1" lang="en-US" altLang="zh-CN" dirty="0"/>
-              <a:t>source lover</a:t>
-            </a:r>
-          </a:p>
-          <a:p>
-            <a:r>
-              <a:rPr kumimoji="1" lang="en-US" altLang="zh-CN" dirty="0" err="1"/>
-              <a:t>Wechat</a:t>
-            </a:r>
-            <a:r>
-              <a:rPr kumimoji="1" lang="en-US" altLang="zh-CN" dirty="0"/>
-              <a:t> public account</a:t>
-            </a:r>
-            <a:r>
-              <a:rPr kumimoji="1" lang="zh-CN" altLang="en-US" dirty="0"/>
-              <a:t> </a:t>
-            </a:r>
-            <a:r>
-              <a:rPr kumimoji="1" lang="en-US" altLang="zh-CN" dirty="0"/>
-              <a:t>《</a:t>
-            </a:r>
-            <a:r>
-              <a:rPr kumimoji="1" lang="zh-CN" altLang="en-US" dirty="0"/>
-              <a:t>敏达生活</a:t>
-            </a:r>
-            <a:r>
-              <a:rPr kumimoji="1" lang="en-US" altLang="zh-CN" dirty="0"/>
-              <a:t>》</a:t>
-            </a:r>
-            <a:endParaRPr kumimoji="1" lang="zh-CN" altLang="en-US" dirty="0"/>
-          </a:p>
-        </p:txBody>
-      </p:sp>
-      <p:pic>
-        <p:nvPicPr>
-          <p:cNvPr id="4" name="图片 3">
-            <a:extLst>
-              <a:ext uri="{FF2B5EF4-FFF2-40B4-BE49-F238E27FC236}">
-                <a16:creationId xmlns:a16="http://schemas.microsoft.com/office/drawing/2014/main" id="{EAE1B1B4-1469-3D45-B60D-4DB5FD1CC188}"/>
-              </a:ext>
-            </a:extLst>
-          </p:cNvPr>
-          <p:cNvPicPr>
-            <a:picLocks noChangeAspect="1"/>
-          </p:cNvPicPr>
-          <p:nvPr/>
-        </p:nvPicPr>
-        <p:blipFill>
-          <a:blip r:embed="rId2"/>
-          <a:stretch>
-            <a:fillRect/>
-          </a:stretch>
-        </p:blipFill>
-        <p:spPr>
-          <a:xfrm>
-            <a:off x="8651498" y="2675292"/>
-            <a:ext cx="2730500" cy="2730500"/>
-          </a:xfrm>
-          <a:prstGeom prst="rect">
-            <a:avLst/>
-          </a:prstGeom>
-        </p:spPr>
-      </p:pic>
-    </p:spTree>
-    <p:extLst>
-      <p:ext uri="{BB962C8B-B14F-4D97-AF65-F5344CB8AC3E}">
-        <p14:creationId xmlns:p14="http://schemas.microsoft.com/office/powerpoint/2010/main" val="3333681921"/>
-      </p:ext>
-    </p:extLst>
-  </p:cSld>
-  <p:clrMapOvr>
-    <a:masterClrMapping/>
-  </p:clrMapOvr>
-</p:sld>
-</file>
-
-<file path=ppt/slides/slide4.xml><?xml version="1.0" encoding="utf-8"?>
 <p:sld xmlns:a="http://schemas.openxmlformats.org/drawingml/2006/main" xmlns:r="http://schemas.openxmlformats.org/officeDocument/2006/relationships" xmlns:p="http://schemas.openxmlformats.org/presentationml/2006/main">
   <p:cSld>
     <p:bg>
@@ -11221,6 +13039,699 @@
           <a:chExt cx="0" cy="0"/>
         </a:xfrm>
       </p:grpSpPr>
+      <p:pic>
+        <p:nvPicPr>
+          <p:cNvPr id="4" name="图片 3">
+            <a:extLst>
+              <a:ext uri="{FF2B5EF4-FFF2-40B4-BE49-F238E27FC236}">
+                <a16:creationId xmlns:a16="http://schemas.microsoft.com/office/drawing/2014/main" id="{EAE1B1B4-1469-3D45-B60D-4DB5FD1CC188}"/>
+              </a:ext>
+            </a:extLst>
+          </p:cNvPr>
+          <p:cNvPicPr>
+            <a:picLocks noChangeAspect="1"/>
+          </p:cNvPicPr>
+          <p:nvPr/>
+        </p:nvPicPr>
+        <p:blipFill>
+          <a:blip r:embed="rId3"/>
+          <a:stretch>
+            <a:fillRect/>
+          </a:stretch>
+        </p:blipFill>
+        <p:spPr>
+          <a:xfrm>
+            <a:off x="1529032" y="2413000"/>
+            <a:ext cx="1775873" cy="1775873"/>
+          </a:xfrm>
+          <a:prstGeom prst="roundRect">
+            <a:avLst>
+              <a:gd name="adj" fmla="val 3876"/>
+            </a:avLst>
+          </a:prstGeom>
+          <a:ln>
+            <a:solidFill>
+              <a:schemeClr val="accent1"/>
+            </a:solidFill>
+          </a:ln>
+          <a:effectLst/>
+        </p:spPr>
+      </p:pic>
+      <p:pic>
+        <p:nvPicPr>
+          <p:cNvPr id="5" name="图片 4">
+            <a:extLst>
+              <a:ext uri="{FF2B5EF4-FFF2-40B4-BE49-F238E27FC236}">
+                <a16:creationId xmlns:a16="http://schemas.microsoft.com/office/drawing/2014/main" id="{C103E2B1-A39F-404A-BA7B-2FE3003A5B35}"/>
+              </a:ext>
+            </a:extLst>
+          </p:cNvPr>
+          <p:cNvPicPr>
+            <a:picLocks noChangeAspect="1"/>
+          </p:cNvPicPr>
+          <p:nvPr/>
+        </p:nvPicPr>
+        <p:blipFill>
+          <a:blip r:embed="rId4"/>
+          <a:stretch>
+            <a:fillRect/>
+          </a:stretch>
+        </p:blipFill>
+        <p:spPr>
+          <a:xfrm>
+            <a:off x="1529032" y="4353464"/>
+            <a:ext cx="1775873" cy="1775873"/>
+          </a:xfrm>
+          <a:prstGeom prst="roundRect">
+            <a:avLst>
+              <a:gd name="adj" fmla="val 3876"/>
+            </a:avLst>
+          </a:prstGeom>
+          <a:ln>
+            <a:solidFill>
+              <a:schemeClr val="accent1"/>
+            </a:solidFill>
+          </a:ln>
+          <a:effectLst/>
+        </p:spPr>
+      </p:pic>
+      <p:sp>
+        <p:nvSpPr>
+          <p:cNvPr id="2" name="标题 1">
+            <a:extLst>
+              <a:ext uri="{FF2B5EF4-FFF2-40B4-BE49-F238E27FC236}">
+                <a16:creationId xmlns:a16="http://schemas.microsoft.com/office/drawing/2014/main" id="{7DC23DE4-D919-CE4C-B111-1D0D889B3AFF}"/>
+              </a:ext>
+            </a:extLst>
+          </p:cNvPr>
+          <p:cNvSpPr>
+            <a:spLocks noGrp="1"/>
+          </p:cNvSpPr>
+          <p:nvPr>
+            <p:ph type="title"/>
+          </p:nvPr>
+        </p:nvSpPr>
+        <p:spPr>
+          <a:xfrm>
+            <a:off x="810000" y="447188"/>
+            <a:ext cx="10571998" cy="970450"/>
+          </a:xfrm>
+        </p:spPr>
+        <p:txBody>
+          <a:bodyPr>
+            <a:normAutofit/>
+          </a:bodyPr>
+          <a:lstStyle/>
+          <a:p>
+            <a:r>
+              <a:rPr kumimoji="1" lang="en-US" altLang="zh-CN" dirty="0"/>
+              <a:t>Who</a:t>
+            </a:r>
+            <a:r>
+              <a:rPr kumimoji="1" lang="zh-CN" altLang="en-US" dirty="0"/>
+              <a:t> </a:t>
+            </a:r>
+            <a:r>
+              <a:rPr kumimoji="1" lang="en-US" altLang="zh-CN" dirty="0"/>
+              <a:t>I</a:t>
+            </a:r>
+            <a:r>
+              <a:rPr kumimoji="1" lang="zh-CN" altLang="en-US" dirty="0"/>
+              <a:t> </a:t>
+            </a:r>
+            <a:r>
+              <a:rPr kumimoji="1" lang="en-US" altLang="zh-CN" dirty="0"/>
+              <a:t>am?</a:t>
+            </a:r>
+            <a:endParaRPr kumimoji="1" lang="zh-CN" altLang="en-US" dirty="0"/>
+          </a:p>
+        </p:txBody>
+      </p:sp>
+      <p:sp>
+        <p:nvSpPr>
+          <p:cNvPr id="3" name="内容占位符 2">
+            <a:extLst>
+              <a:ext uri="{FF2B5EF4-FFF2-40B4-BE49-F238E27FC236}">
+                <a16:creationId xmlns:a16="http://schemas.microsoft.com/office/drawing/2014/main" id="{03C28B74-71D7-2048-84E8-6E043E872CE9}"/>
+              </a:ext>
+            </a:extLst>
+          </p:cNvPr>
+          <p:cNvSpPr>
+            <a:spLocks noGrp="1"/>
+          </p:cNvSpPr>
+          <p:nvPr>
+            <p:ph idx="1"/>
+          </p:nvPr>
+        </p:nvSpPr>
+        <p:spPr>
+          <a:xfrm>
+            <a:off x="4330699" y="2413000"/>
+            <a:ext cx="7052733" cy="3632200"/>
+          </a:xfrm>
+        </p:spPr>
+        <p:txBody>
+          <a:bodyPr>
+            <a:normAutofit/>
+          </a:bodyPr>
+          <a:lstStyle/>
+          <a:p>
+            <a:r>
+              <a:rPr kumimoji="1" lang="en-US" altLang="zh-CN" dirty="0"/>
+              <a:t>Linux</a:t>
+            </a:r>
+            <a:r>
+              <a:rPr kumimoji="1" lang="zh-CN" altLang="en-US" dirty="0"/>
+              <a:t> </a:t>
+            </a:r>
+            <a:r>
+              <a:rPr kumimoji="1" lang="en-US" altLang="zh-CN" dirty="0"/>
+              <a:t>kernel</a:t>
+            </a:r>
+            <a:r>
+              <a:rPr kumimoji="1" lang="zh-CN" altLang="en-US" dirty="0"/>
+              <a:t> </a:t>
+            </a:r>
+            <a:r>
+              <a:rPr kumimoji="1" lang="en-US" altLang="zh-CN" dirty="0"/>
+              <a:t>developer</a:t>
+            </a:r>
+          </a:p>
+          <a:p>
+            <a:r>
+              <a:rPr kumimoji="1" lang="en-US" altLang="zh-CN" dirty="0"/>
+              <a:t>Distributed</a:t>
+            </a:r>
+            <a:r>
+              <a:rPr kumimoji="1" lang="zh-CN" altLang="en-US" dirty="0"/>
+              <a:t> </a:t>
+            </a:r>
+            <a:r>
+              <a:rPr kumimoji="1" lang="en-US" altLang="zh-CN" dirty="0"/>
+              <a:t>storage</a:t>
+            </a:r>
+            <a:r>
+              <a:rPr kumimoji="1" lang="zh-CN" altLang="en-US" dirty="0"/>
+              <a:t> </a:t>
+            </a:r>
+            <a:r>
+              <a:rPr kumimoji="1" lang="en-US" altLang="zh-CN" dirty="0"/>
+              <a:t>developer</a:t>
+            </a:r>
+          </a:p>
+          <a:p>
+            <a:r>
+              <a:rPr kumimoji="1" lang="en-US" altLang="zh-CN" dirty="0"/>
+              <a:t>Open</a:t>
+            </a:r>
+            <a:r>
+              <a:rPr kumimoji="1" lang="zh-CN" altLang="en-US" dirty="0"/>
+              <a:t> </a:t>
+            </a:r>
+            <a:r>
+              <a:rPr kumimoji="1" lang="en-US" altLang="zh-CN" dirty="0"/>
+              <a:t>source lover</a:t>
+            </a:r>
+          </a:p>
+        </p:txBody>
+      </p:sp>
+      <p:sp>
+        <p:nvSpPr>
+          <p:cNvPr id="6" name="灯片编号占位符 5">
+            <a:extLst>
+              <a:ext uri="{FF2B5EF4-FFF2-40B4-BE49-F238E27FC236}">
+                <a16:creationId xmlns:a16="http://schemas.microsoft.com/office/drawing/2014/main" id="{1A8E7F4E-1523-6649-B0BE-604029F7C830}"/>
+              </a:ext>
+            </a:extLst>
+          </p:cNvPr>
+          <p:cNvSpPr>
+            <a:spLocks noGrp="1"/>
+          </p:cNvSpPr>
+          <p:nvPr>
+            <p:ph type="sldNum" sz="quarter" idx="12"/>
+          </p:nvPr>
+        </p:nvSpPr>
+        <p:spPr/>
+        <p:txBody>
+          <a:bodyPr/>
+          <a:lstStyle/>
+          <a:p>
+            <a:fld id="{D57F1E4F-1CFF-5643-939E-217C01CDF565}" type="slidenum">
+              <a:rPr lang="en-US" smtClean="0"/>
+              <a:pPr/>
+              <a:t>3</a:t>
+            </a:fld>
+            <a:endParaRPr lang="en-US" dirty="0"/>
+          </a:p>
+        </p:txBody>
+      </p:sp>
+    </p:spTree>
+    <p:extLst>
+      <p:ext uri="{BB962C8B-B14F-4D97-AF65-F5344CB8AC3E}">
+        <p14:creationId xmlns:p14="http://schemas.microsoft.com/office/powerpoint/2010/main" val="3333681921"/>
+      </p:ext>
+    </p:extLst>
+  </p:cSld>
+  <p:clrMapOvr>
+    <a:masterClrMapping/>
+  </p:clrMapOvr>
+</p:sld>
+</file>
+
+<file path=ppt/slides/slide4.xml><?xml version="1.0" encoding="utf-8"?>
+<p:sld xmlns:a="http://schemas.openxmlformats.org/drawingml/2006/main" xmlns:r="http://schemas.openxmlformats.org/officeDocument/2006/relationships" xmlns:p="http://schemas.openxmlformats.org/presentationml/2006/main">
+  <p:cSld>
+    <p:spTree>
+      <p:nvGrpSpPr>
+        <p:cNvPr id="1" name=""/>
+        <p:cNvGrpSpPr/>
+        <p:nvPr/>
+      </p:nvGrpSpPr>
+      <p:grpSpPr>
+        <a:xfrm>
+          <a:off x="0" y="0"/>
+          <a:ext cx="0" cy="0"/>
+          <a:chOff x="0" y="0"/>
+          <a:chExt cx="0" cy="0"/>
+        </a:xfrm>
+      </p:grpSpPr>
+      <p:sp>
+        <p:nvSpPr>
+          <p:cNvPr id="2" name="标题 1">
+            <a:extLst>
+              <a:ext uri="{FF2B5EF4-FFF2-40B4-BE49-F238E27FC236}">
+                <a16:creationId xmlns:a16="http://schemas.microsoft.com/office/drawing/2014/main" id="{239A1026-B8DF-2842-9C95-0C49DDD4CEE9}"/>
+              </a:ext>
+            </a:extLst>
+          </p:cNvPr>
+          <p:cNvSpPr>
+            <a:spLocks noGrp="1"/>
+          </p:cNvSpPr>
+          <p:nvPr>
+            <p:ph type="title"/>
+          </p:nvPr>
+        </p:nvSpPr>
+        <p:spPr/>
+        <p:txBody>
+          <a:bodyPr/>
+          <a:lstStyle/>
+          <a:p>
+            <a:r>
+              <a:rPr kumimoji="1" lang="en-US" altLang="zh-CN" dirty="0"/>
+              <a:t>Live with upstream kernel</a:t>
+            </a:r>
+            <a:endParaRPr kumimoji="1" lang="zh-CN" altLang="en-US" dirty="0"/>
+          </a:p>
+        </p:txBody>
+      </p:sp>
+      <p:sp>
+        <p:nvSpPr>
+          <p:cNvPr id="3" name="内容占位符 2">
+            <a:extLst>
+              <a:ext uri="{FF2B5EF4-FFF2-40B4-BE49-F238E27FC236}">
+                <a16:creationId xmlns:a16="http://schemas.microsoft.com/office/drawing/2014/main" id="{DD2218B9-1B7D-2348-B9A7-95522578DE09}"/>
+              </a:ext>
+            </a:extLst>
+          </p:cNvPr>
+          <p:cNvSpPr>
+            <a:spLocks noGrp="1"/>
+          </p:cNvSpPr>
+          <p:nvPr>
+            <p:ph idx="1"/>
+          </p:nvPr>
+        </p:nvSpPr>
+        <p:spPr/>
+        <p:txBody>
+          <a:bodyPr>
+            <a:normAutofit fontScale="85000" lnSpcReduction="20000"/>
+          </a:bodyPr>
+          <a:lstStyle/>
+          <a:p>
+            <a:r>
+              <a:rPr kumimoji="1" lang="en-US" altLang="zh-CN" dirty="0"/>
+              <a:t>Why</a:t>
+            </a:r>
+          </a:p>
+          <a:p>
+            <a:pPr lvl="1"/>
+            <a:r>
+              <a:rPr kumimoji="1" lang="en-US" altLang="zh-CN" dirty="0"/>
+              <a:t>Minimize migration effort</a:t>
+            </a:r>
+          </a:p>
+          <a:p>
+            <a:pPr lvl="1"/>
+            <a:r>
+              <a:rPr kumimoji="1" lang="en-US" altLang="zh-CN" dirty="0"/>
+              <a:t>Collaborate with community</a:t>
+            </a:r>
+          </a:p>
+          <a:p>
+            <a:r>
+              <a:rPr kumimoji="1" lang="en-US" altLang="zh-CN" dirty="0"/>
+              <a:t>How</a:t>
+            </a:r>
+          </a:p>
+          <a:p>
+            <a:pPr lvl="1"/>
+            <a:r>
+              <a:rPr kumimoji="1" lang="en-US" altLang="zh-CN" dirty="0"/>
+              <a:t>Mailing list</a:t>
+            </a:r>
+          </a:p>
+          <a:p>
+            <a:pPr lvl="1"/>
+            <a:r>
+              <a:rPr kumimoji="1" lang="en-US" altLang="zh-CN" dirty="0"/>
+              <a:t>IRC(e.g. </a:t>
+            </a:r>
+            <a:r>
+              <a:rPr kumimoji="1" lang="en-US" altLang="zh-CN" dirty="0" err="1"/>
+              <a:t>irccloud</a:t>
+            </a:r>
+            <a:r>
+              <a:rPr kumimoji="1" lang="en-US" altLang="zh-CN" dirty="0"/>
+              <a:t>)</a:t>
+            </a:r>
+          </a:p>
+          <a:p>
+            <a:pPr lvl="1"/>
+            <a:r>
+              <a:rPr kumimoji="1" lang="en-US" altLang="zh-CN" dirty="0"/>
+              <a:t>Conference</a:t>
+            </a:r>
+          </a:p>
+          <a:p>
+            <a:r>
+              <a:rPr kumimoji="1" lang="en-US" altLang="zh-CN" dirty="0"/>
+              <a:t>What</a:t>
+            </a:r>
+          </a:p>
+          <a:p>
+            <a:pPr lvl="1"/>
+            <a:r>
+              <a:rPr kumimoji="1" lang="en-US" altLang="zh-CN" dirty="0"/>
+              <a:t>Feature</a:t>
+            </a:r>
+          </a:p>
+          <a:p>
+            <a:pPr lvl="1"/>
+            <a:r>
+              <a:rPr kumimoji="1" lang="en-US" altLang="zh-CN" dirty="0"/>
+              <a:t>Pull request</a:t>
+            </a:r>
+          </a:p>
+          <a:p>
+            <a:pPr lvl="1"/>
+            <a:r>
+              <a:rPr kumimoji="1" lang="en-US" altLang="zh-CN" dirty="0"/>
+              <a:t>Commit message</a:t>
+            </a:r>
+          </a:p>
+          <a:p>
+            <a:pPr lvl="1"/>
+            <a:r>
+              <a:rPr kumimoji="1" lang="en-US" altLang="zh-CN" dirty="0"/>
+              <a:t>Code</a:t>
+            </a:r>
+            <a:endParaRPr kumimoji="1" lang="zh-CN" altLang="en-US" dirty="0"/>
+          </a:p>
+        </p:txBody>
+      </p:sp>
+      <p:sp>
+        <p:nvSpPr>
+          <p:cNvPr id="4" name="灯片编号占位符 3">
+            <a:extLst>
+              <a:ext uri="{FF2B5EF4-FFF2-40B4-BE49-F238E27FC236}">
+                <a16:creationId xmlns:a16="http://schemas.microsoft.com/office/drawing/2014/main" id="{8396D1E9-F087-D243-B971-21F665832270}"/>
+              </a:ext>
+            </a:extLst>
+          </p:cNvPr>
+          <p:cNvSpPr>
+            <a:spLocks noGrp="1"/>
+          </p:cNvSpPr>
+          <p:nvPr>
+            <p:ph type="sldNum" sz="quarter" idx="12"/>
+          </p:nvPr>
+        </p:nvSpPr>
+        <p:spPr/>
+        <p:txBody>
+          <a:bodyPr/>
+          <a:lstStyle/>
+          <a:p>
+            <a:fld id="{D57F1E4F-1CFF-5643-939E-217C01CDF565}" type="slidenum">
+              <a:rPr lang="en-US" smtClean="0"/>
+              <a:pPr/>
+              <a:t>4</a:t>
+            </a:fld>
+            <a:endParaRPr lang="en-US" dirty="0"/>
+          </a:p>
+        </p:txBody>
+      </p:sp>
+    </p:spTree>
+    <p:extLst>
+      <p:ext uri="{BB962C8B-B14F-4D97-AF65-F5344CB8AC3E}">
+        <p14:creationId xmlns:p14="http://schemas.microsoft.com/office/powerpoint/2010/main" val="2022532833"/>
+      </p:ext>
+    </p:extLst>
+  </p:cSld>
+  <p:clrMapOvr>
+    <a:masterClrMapping/>
+  </p:clrMapOvr>
+</p:sld>
+</file>
+
+<file path=ppt/slides/slide5.xml><?xml version="1.0" encoding="utf-8"?>
+<p:sld xmlns:a="http://schemas.openxmlformats.org/drawingml/2006/main" xmlns:r="http://schemas.openxmlformats.org/officeDocument/2006/relationships" xmlns:p="http://schemas.openxmlformats.org/presentationml/2006/main">
+  <p:cSld>
+    <p:spTree>
+      <p:nvGrpSpPr>
+        <p:cNvPr id="1" name=""/>
+        <p:cNvGrpSpPr/>
+        <p:nvPr/>
+      </p:nvGrpSpPr>
+      <p:grpSpPr>
+        <a:xfrm>
+          <a:off x="0" y="0"/>
+          <a:ext cx="0" cy="0"/>
+          <a:chOff x="0" y="0"/>
+          <a:chExt cx="0" cy="0"/>
+        </a:xfrm>
+      </p:grpSpPr>
+      <p:sp>
+        <p:nvSpPr>
+          <p:cNvPr id="2" name="标题 1">
+            <a:extLst>
+              <a:ext uri="{FF2B5EF4-FFF2-40B4-BE49-F238E27FC236}">
+                <a16:creationId xmlns:a16="http://schemas.microsoft.com/office/drawing/2014/main" id="{9CB3B479-533D-FF4A-8A31-4C8E526115BD}"/>
+              </a:ext>
+            </a:extLst>
+          </p:cNvPr>
+          <p:cNvSpPr>
+            <a:spLocks noGrp="1"/>
+          </p:cNvSpPr>
+          <p:nvPr>
+            <p:ph type="title"/>
+          </p:nvPr>
+        </p:nvSpPr>
+        <p:spPr/>
+        <p:txBody>
+          <a:bodyPr/>
+          <a:lstStyle/>
+          <a:p>
+            <a:r>
+              <a:rPr kumimoji="1" lang="en-US" altLang="zh-CN" dirty="0"/>
+              <a:t>Live with upstream kernel</a:t>
+            </a:r>
+            <a:endParaRPr kumimoji="1" lang="zh-CN" altLang="en-US" dirty="0"/>
+          </a:p>
+        </p:txBody>
+      </p:sp>
+      <p:sp>
+        <p:nvSpPr>
+          <p:cNvPr id="3" name="内容占位符 2">
+            <a:extLst>
+              <a:ext uri="{FF2B5EF4-FFF2-40B4-BE49-F238E27FC236}">
+                <a16:creationId xmlns:a16="http://schemas.microsoft.com/office/drawing/2014/main" id="{1B9C14C8-A44D-0A49-B575-E7397C64523F}"/>
+              </a:ext>
+            </a:extLst>
+          </p:cNvPr>
+          <p:cNvSpPr>
+            <a:spLocks noGrp="1"/>
+          </p:cNvSpPr>
+          <p:nvPr>
+            <p:ph idx="1"/>
+          </p:nvPr>
+        </p:nvSpPr>
+        <p:spPr/>
+        <p:txBody>
+          <a:bodyPr/>
+          <a:lstStyle/>
+          <a:p>
+            <a:r>
+              <a:rPr kumimoji="1" lang="en" altLang="zh-CN" dirty="0"/>
+              <a:t>kernel newbie</a:t>
+            </a:r>
+            <a:r>
+              <a:rPr kumimoji="1" lang="en-US" altLang="zh-CN" dirty="0"/>
+              <a:t>: </a:t>
+            </a:r>
+            <a:r>
+              <a:rPr kumimoji="1" lang="en" altLang="zh-CN" dirty="0"/>
+              <a:t>https://</a:t>
+            </a:r>
+            <a:r>
+              <a:rPr kumimoji="1" lang="en" altLang="zh-CN" dirty="0" err="1"/>
+              <a:t>kernelnewbies.org</a:t>
+            </a:r>
+            <a:r>
+              <a:rPr kumimoji="1" lang="en" altLang="zh-CN" dirty="0"/>
+              <a:t>/Linux_4.16</a:t>
+            </a:r>
+          </a:p>
+          <a:p>
+            <a:r>
+              <a:rPr kumimoji="1" lang="en" altLang="zh-CN" dirty="0"/>
+              <a:t>LWN: merge window</a:t>
+            </a:r>
+          </a:p>
+          <a:p>
+            <a:pPr lvl="1"/>
+            <a:r>
+              <a:rPr kumimoji="1" lang="en" altLang="zh-CN" dirty="0"/>
+              <a:t>4.16 Part1: </a:t>
+            </a:r>
+            <a:r>
+              <a:rPr kumimoji="1" lang="en" altLang="zh-CN" dirty="0">
+                <a:hlinkClick r:id="rId2"/>
+              </a:rPr>
+              <a:t>https://lwn.net/Articles/746129/</a:t>
+            </a:r>
+            <a:endParaRPr kumimoji="1" lang="en" altLang="zh-CN" dirty="0"/>
+          </a:p>
+          <a:p>
+            <a:pPr lvl="1"/>
+            <a:r>
+              <a:rPr kumimoji="1" lang="en" altLang="zh-CN" dirty="0"/>
+              <a:t>4.16 Part2: </a:t>
+            </a:r>
+            <a:r>
+              <a:rPr kumimoji="1" lang="en" altLang="zh-CN" dirty="0">
+                <a:hlinkClick r:id="rId3"/>
+              </a:rPr>
+              <a:t>https://lwn.net/Articles/746791/</a:t>
+            </a:r>
+            <a:endParaRPr kumimoji="1" lang="en" altLang="zh-CN" dirty="0"/>
+          </a:p>
+          <a:p>
+            <a:pPr lvl="1"/>
+            <a:r>
+              <a:rPr kumimoji="1" lang="en" altLang="zh-CN" dirty="0"/>
+              <a:t>4.17 Part1: </a:t>
+            </a:r>
+            <a:r>
+              <a:rPr kumimoji="1" lang="en" altLang="zh-CN" dirty="0">
+                <a:hlinkClick r:id="rId4"/>
+              </a:rPr>
+              <a:t>https://lwn.net/Articles/750928/</a:t>
+            </a:r>
+            <a:endParaRPr kumimoji="1" lang="en" altLang="zh-CN" dirty="0"/>
+          </a:p>
+          <a:p>
+            <a:pPr lvl="1"/>
+            <a:r>
+              <a:rPr kumimoji="1" lang="en" altLang="zh-CN" dirty="0"/>
+              <a:t>4.17 Part2: </a:t>
+            </a:r>
+            <a:r>
+              <a:rPr kumimoji="1" lang="en" altLang="zh-CN" dirty="0">
+                <a:hlinkClick r:id="rId5"/>
+              </a:rPr>
+              <a:t>https://lwn.net/Articles/751482/</a:t>
+            </a:r>
+            <a:endParaRPr kumimoji="1" lang="en" altLang="zh-CN" dirty="0"/>
+          </a:p>
+          <a:p>
+            <a:r>
+              <a:rPr kumimoji="1" lang="en" altLang="zh-CN" dirty="0"/>
+              <a:t>Kernel mailing list</a:t>
+            </a:r>
+          </a:p>
+          <a:p>
+            <a:r>
+              <a:rPr kumimoji="1" lang="en" altLang="zh-CN" dirty="0"/>
+              <a:t>Git merge log</a:t>
+            </a:r>
+          </a:p>
+        </p:txBody>
+      </p:sp>
+      <p:sp>
+        <p:nvSpPr>
+          <p:cNvPr id="4" name="灯片编号占位符 3">
+            <a:extLst>
+              <a:ext uri="{FF2B5EF4-FFF2-40B4-BE49-F238E27FC236}">
+                <a16:creationId xmlns:a16="http://schemas.microsoft.com/office/drawing/2014/main" id="{3B6F1323-59B1-784E-B00A-0B1AF1BA9BB4}"/>
+              </a:ext>
+            </a:extLst>
+          </p:cNvPr>
+          <p:cNvSpPr>
+            <a:spLocks noGrp="1"/>
+          </p:cNvSpPr>
+          <p:nvPr>
+            <p:ph type="sldNum" sz="quarter" idx="12"/>
+          </p:nvPr>
+        </p:nvSpPr>
+        <p:spPr/>
+        <p:txBody>
+          <a:bodyPr/>
+          <a:lstStyle/>
+          <a:p>
+            <a:fld id="{D57F1E4F-1CFF-5643-939E-217C01CDF565}" type="slidenum">
+              <a:rPr lang="en-US" smtClean="0"/>
+              <a:pPr/>
+              <a:t>5</a:t>
+            </a:fld>
+            <a:endParaRPr lang="en-US" dirty="0"/>
+          </a:p>
+        </p:txBody>
+      </p:sp>
+    </p:spTree>
+    <p:extLst>
+      <p:ext uri="{BB962C8B-B14F-4D97-AF65-F5344CB8AC3E}">
+        <p14:creationId xmlns:p14="http://schemas.microsoft.com/office/powerpoint/2010/main" val="1085949359"/>
+      </p:ext>
+    </p:extLst>
+  </p:cSld>
+  <p:clrMapOvr>
+    <a:masterClrMapping/>
+  </p:clrMapOvr>
+</p:sld>
+</file>
+
+<file path=ppt/slides/slide6.xml><?xml version="1.0" encoding="utf-8"?>
+<p:sld xmlns:a="http://schemas.openxmlformats.org/drawingml/2006/main" xmlns:r="http://schemas.openxmlformats.org/officeDocument/2006/relationships" xmlns:p="http://schemas.openxmlformats.org/presentationml/2006/main">
+  <p:cSld>
+    <p:bg>
+      <p:bgPr>
+        <a:solidFill>
+          <a:schemeClr val="bg2"/>
+        </a:solidFill>
+        <a:effectLst/>
+      </p:bgPr>
+    </p:bg>
+    <p:spTree>
+      <p:nvGrpSpPr>
+        <p:cNvPr id="1" name=""/>
+        <p:cNvGrpSpPr/>
+        <p:nvPr/>
+      </p:nvGrpSpPr>
+      <p:grpSpPr>
+        <a:xfrm>
+          <a:off x="0" y="0"/>
+          <a:ext cx="0" cy="0"/>
+          <a:chOff x="0" y="0"/>
+          <a:chExt cx="0" cy="0"/>
+        </a:xfrm>
+      </p:grpSpPr>
       <p:sp>
         <p:nvSpPr>
           <p:cNvPr id="8" name="Freeform 6">
@@ -11316,7 +13827,7 @@
           <a:effectLst/>
           <a:extLst>
             <a:ext uri="{91240B29-F687-4f45-9708-019B960494DF}">
-              <a14:hiddenLine xmlns:a14="http://schemas.microsoft.com/office/drawing/2010/main" xmlns="" w="9525">
+              <a14:hiddenLine xmlns="" xmlns:a14="http://schemas.microsoft.com/office/drawing/2010/main" w="9525">
                 <a:solidFill>
                   <a:srgbClr val="000000"/>
                 </a:solidFill>
@@ -11618,7 +14129,7 @@
           <a:effectLst/>
           <a:extLst>
             <a:ext uri="{91240B29-F687-4f45-9708-019B960494DF}">
-              <a14:hiddenLine xmlns:a14="http://schemas.microsoft.com/office/drawing/2010/main" xmlns:p14="http://schemas.microsoft.com/office/powerpoint/2010/main" xmlns:a16="http://schemas.microsoft.com/office/drawing/2014/main" xmlns="" w="9525">
+              <a14:hiddenLine xmlns="" xmlns:a16="http://schemas.microsoft.com/office/drawing/2014/main" xmlns:p14="http://schemas.microsoft.com/office/powerpoint/2010/main" xmlns:a14="http://schemas.microsoft.com/office/drawing/2010/main" w="9525">
                 <a:solidFill>
                   <a:srgbClr val="000000"/>
                 </a:solidFill>
@@ -11680,6 +14191,36 @@
           </a:p>
         </p:txBody>
       </p:sp>
+      <p:sp>
+        <p:nvSpPr>
+          <p:cNvPr id="3" name="灯片编号占位符 2">
+            <a:extLst>
+              <a:ext uri="{FF2B5EF4-FFF2-40B4-BE49-F238E27FC236}">
+                <a16:creationId xmlns:a16="http://schemas.microsoft.com/office/drawing/2014/main" id="{3703C7FB-C0A7-E246-AD85-75F7DD2FBC04}"/>
+              </a:ext>
+            </a:extLst>
+          </p:cNvPr>
+          <p:cNvSpPr>
+            <a:spLocks noGrp="1"/>
+          </p:cNvSpPr>
+          <p:nvPr>
+            <p:ph type="sldNum" sz="quarter" idx="12"/>
+          </p:nvPr>
+        </p:nvSpPr>
+        <p:spPr/>
+        <p:txBody>
+          <a:bodyPr/>
+          <a:lstStyle/>
+          <a:p>
+            <a:fld id="{D57F1E4F-1CFF-5643-939E-217C01CDF565}" type="slidenum">
+              <a:rPr lang="en-US" smtClean="0"/>
+              <a:pPr/>
+              <a:t>6</a:t>
+            </a:fld>
+            <a:endParaRPr lang="en-US" dirty="0"/>
+          </a:p>
+        </p:txBody>
+      </p:sp>
     </p:spTree>
     <p:extLst>
       <p:ext uri="{BB962C8B-B14F-4D97-AF65-F5344CB8AC3E}">
@@ -11693,7 +14234,7 @@
 </p:sld>
 </file>
 
-<file path=ppt/slides/slide5.xml><?xml version="1.0" encoding="utf-8"?>
+<file path=ppt/slides/slide7.xml><?xml version="1.0" encoding="utf-8"?>
 <p:sld xmlns:a="http://schemas.openxmlformats.org/drawingml/2006/main" xmlns:r="http://schemas.openxmlformats.org/officeDocument/2006/relationships" xmlns:p="http://schemas.openxmlformats.org/presentationml/2006/main">
   <p:cSld>
     <p:bg>
@@ -11813,7 +14354,7 @@
           <a:effectLst/>
           <a:extLst>
             <a:ext uri="{91240B29-F687-4f45-9708-019B960494DF}">
-              <a14:hiddenLine xmlns:a14="http://schemas.microsoft.com/office/drawing/2010/main" xmlns:p14="http://schemas.microsoft.com/office/powerpoint/2010/main" xmlns="" w="9525">
+              <a14:hiddenLine xmlns="" xmlns:p14="http://schemas.microsoft.com/office/powerpoint/2010/main" xmlns:a14="http://schemas.microsoft.com/office/drawing/2010/main" w="9525">
                 <a:solidFill>
                   <a:srgbClr val="000000"/>
                 </a:solidFill>
@@ -12001,7 +14542,7 @@
           </a:ln>
           <a:extLst>
             <a:ext uri="{91240B29-F687-4f45-9708-019B960494DF}">
-              <a14:hiddenLine xmlns:a14="http://schemas.microsoft.com/office/drawing/2010/main" xmlns:p14="http://schemas.microsoft.com/office/powerpoint/2010/main" xmlns="" w="9525">
+              <a14:hiddenLine xmlns="" xmlns:p14="http://schemas.microsoft.com/office/powerpoint/2010/main" xmlns:a14="http://schemas.microsoft.com/office/drawing/2010/main" w="9525">
                 <a:solidFill>
                   <a:srgbClr val="000000"/>
                 </a:solidFill>
@@ -12150,6 +14691,36 @@
           </a:p>
         </p:txBody>
       </p:sp>
+      <p:sp>
+        <p:nvSpPr>
+          <p:cNvPr id="3" name="灯片编号占位符 2">
+            <a:extLst>
+              <a:ext uri="{FF2B5EF4-FFF2-40B4-BE49-F238E27FC236}">
+                <a16:creationId xmlns:a16="http://schemas.microsoft.com/office/drawing/2014/main" id="{285A11CE-C0A0-BA40-93D3-46CB5D08F282}"/>
+              </a:ext>
+            </a:extLst>
+          </p:cNvPr>
+          <p:cNvSpPr>
+            <a:spLocks noGrp="1"/>
+          </p:cNvSpPr>
+          <p:nvPr>
+            <p:ph type="sldNum" sz="quarter" idx="12"/>
+          </p:nvPr>
+        </p:nvSpPr>
+        <p:spPr/>
+        <p:txBody>
+          <a:bodyPr/>
+          <a:lstStyle/>
+          <a:p>
+            <a:fld id="{D57F1E4F-1CFF-5643-939E-217C01CDF565}" type="slidenum">
+              <a:rPr lang="en-US" smtClean="0"/>
+              <a:pPr/>
+              <a:t>7</a:t>
+            </a:fld>
+            <a:endParaRPr lang="en-US" dirty="0"/>
+          </a:p>
+        </p:txBody>
+      </p:sp>
     </p:spTree>
     <p:extLst>
       <p:ext uri="{BB962C8B-B14F-4D97-AF65-F5344CB8AC3E}">
@@ -12163,7 +14734,7 @@
 </p:sld>
 </file>
 
-<file path=ppt/slides/slide6.xml><?xml version="1.0" encoding="utf-8"?>
+<file path=ppt/slides/slide8.xml><?xml version="1.0" encoding="utf-8"?>
 <p:sld xmlns:a="http://schemas.openxmlformats.org/drawingml/2006/main" xmlns:r="http://schemas.openxmlformats.org/officeDocument/2006/relationships" xmlns:p="http://schemas.openxmlformats.org/presentationml/2006/main">
   <p:cSld>
     <p:bg>
@@ -12283,7 +14854,7 @@
           <a:effectLst/>
           <a:extLst>
             <a:ext uri="{91240B29-F687-4f45-9708-019B960494DF}">
-              <a14:hiddenLine xmlns:a14="http://schemas.microsoft.com/office/drawing/2010/main" xmlns:p14="http://schemas.microsoft.com/office/powerpoint/2010/main" xmlns="" w="9525">
+              <a14:hiddenLine xmlns="" xmlns:p14="http://schemas.microsoft.com/office/powerpoint/2010/main" xmlns:a14="http://schemas.microsoft.com/office/drawing/2010/main" w="9525">
                 <a:solidFill>
                   <a:srgbClr val="000000"/>
                 </a:solidFill>
@@ -12716,6 +15287,36 @@
           </a:p>
         </p:txBody>
       </p:sp>
+      <p:sp>
+        <p:nvSpPr>
+          <p:cNvPr id="3" name="灯片编号占位符 2">
+            <a:extLst>
+              <a:ext uri="{FF2B5EF4-FFF2-40B4-BE49-F238E27FC236}">
+                <a16:creationId xmlns:a16="http://schemas.microsoft.com/office/drawing/2014/main" id="{1971281F-8A7F-744F-BBAA-B7D2DCD518FC}"/>
+              </a:ext>
+            </a:extLst>
+          </p:cNvPr>
+          <p:cNvSpPr>
+            <a:spLocks noGrp="1"/>
+          </p:cNvSpPr>
+          <p:nvPr>
+            <p:ph type="sldNum" sz="quarter" idx="12"/>
+          </p:nvPr>
+        </p:nvSpPr>
+        <p:spPr/>
+        <p:txBody>
+          <a:bodyPr/>
+          <a:lstStyle/>
+          <a:p>
+            <a:fld id="{D57F1E4F-1CFF-5643-939E-217C01CDF565}" type="slidenum">
+              <a:rPr lang="en-US" smtClean="0"/>
+              <a:pPr/>
+              <a:t>8</a:t>
+            </a:fld>
+            <a:endParaRPr lang="en-US" dirty="0"/>
+          </a:p>
+        </p:txBody>
+      </p:sp>
     </p:spTree>
     <p:extLst>
       <p:ext uri="{BB962C8B-B14F-4D97-AF65-F5344CB8AC3E}">
@@ -12725,279 +15326,6 @@
   </p:cSld>
   <p:clrMapOvr>
     <a:overrideClrMapping bg1="lt1" tx1="dk1" bg2="lt2" tx2="dk2" accent1="accent1" accent2="accent2" accent3="accent3" accent4="accent4" accent5="accent5" accent6="accent6" hlink="hlink" folHlink="folHlink"/>
-  </p:clrMapOvr>
-</p:sld>
-</file>
-
-<file path=ppt/slides/slide7.xml><?xml version="1.0" encoding="utf-8"?>
-<p:sld xmlns:a="http://schemas.openxmlformats.org/drawingml/2006/main" xmlns:r="http://schemas.openxmlformats.org/officeDocument/2006/relationships" xmlns:p="http://schemas.openxmlformats.org/presentationml/2006/main">
-  <p:cSld>
-    <p:spTree>
-      <p:nvGrpSpPr>
-        <p:cNvPr id="1" name=""/>
-        <p:cNvGrpSpPr/>
-        <p:nvPr/>
-      </p:nvGrpSpPr>
-      <p:grpSpPr>
-        <a:xfrm>
-          <a:off x="0" y="0"/>
-          <a:ext cx="0" cy="0"/>
-          <a:chOff x="0" y="0"/>
-          <a:chExt cx="0" cy="0"/>
-        </a:xfrm>
-      </p:grpSpPr>
-      <p:sp>
-        <p:nvSpPr>
-          <p:cNvPr id="2" name="标题 1">
-            <a:extLst>
-              <a:ext uri="{FF2B5EF4-FFF2-40B4-BE49-F238E27FC236}">
-                <a16:creationId xmlns:a16="http://schemas.microsoft.com/office/drawing/2014/main" id="{9CB3B479-533D-FF4A-8A31-4C8E526115BD}"/>
-              </a:ext>
-            </a:extLst>
-          </p:cNvPr>
-          <p:cNvSpPr>
-            <a:spLocks noGrp="1"/>
-          </p:cNvSpPr>
-          <p:nvPr>
-            <p:ph type="title"/>
-          </p:nvPr>
-        </p:nvSpPr>
-        <p:spPr/>
-        <p:txBody>
-          <a:bodyPr/>
-          <a:lstStyle/>
-          <a:p>
-            <a:r>
-              <a:rPr kumimoji="1" lang="en-US" altLang="zh-CN" dirty="0"/>
-              <a:t>Live with upstream kernel</a:t>
-            </a:r>
-            <a:endParaRPr kumimoji="1" lang="zh-CN" altLang="en-US" dirty="0"/>
-          </a:p>
-        </p:txBody>
-      </p:sp>
-      <p:sp>
-        <p:nvSpPr>
-          <p:cNvPr id="3" name="内容占位符 2">
-            <a:extLst>
-              <a:ext uri="{FF2B5EF4-FFF2-40B4-BE49-F238E27FC236}">
-                <a16:creationId xmlns:a16="http://schemas.microsoft.com/office/drawing/2014/main" id="{1B9C14C8-A44D-0A49-B575-E7397C64523F}"/>
-              </a:ext>
-            </a:extLst>
-          </p:cNvPr>
-          <p:cNvSpPr>
-            <a:spLocks noGrp="1"/>
-          </p:cNvSpPr>
-          <p:nvPr>
-            <p:ph idx="1"/>
-          </p:nvPr>
-        </p:nvSpPr>
-        <p:spPr/>
-        <p:txBody>
-          <a:bodyPr/>
-          <a:lstStyle/>
-          <a:p>
-            <a:r>
-              <a:rPr kumimoji="1" lang="en" altLang="zh-CN" dirty="0"/>
-              <a:t>kernel newbie</a:t>
-            </a:r>
-            <a:r>
-              <a:rPr kumimoji="1" lang="en-US" altLang="zh-CN" dirty="0"/>
-              <a:t>: </a:t>
-            </a:r>
-            <a:r>
-              <a:rPr kumimoji="1" lang="en" altLang="zh-CN" dirty="0"/>
-              <a:t>https://</a:t>
-            </a:r>
-            <a:r>
-              <a:rPr kumimoji="1" lang="en" altLang="zh-CN" dirty="0" err="1"/>
-              <a:t>kernelnewbies.org</a:t>
-            </a:r>
-            <a:r>
-              <a:rPr kumimoji="1" lang="en" altLang="zh-CN" dirty="0"/>
-              <a:t>/Linux_4.16</a:t>
-            </a:r>
-          </a:p>
-          <a:p>
-            <a:r>
-              <a:rPr kumimoji="1" lang="en" altLang="zh-CN" dirty="0"/>
-              <a:t>LWN: merge window</a:t>
-            </a:r>
-          </a:p>
-          <a:p>
-            <a:pPr lvl="1"/>
-            <a:r>
-              <a:rPr kumimoji="1" lang="en" altLang="zh-CN" dirty="0"/>
-              <a:t>Part1: </a:t>
-            </a:r>
-            <a:r>
-              <a:rPr kumimoji="1" lang="en" altLang="zh-CN" dirty="0">
-                <a:hlinkClick r:id="rId2"/>
-              </a:rPr>
-              <a:t>https://lwn.net/Articles/746129/</a:t>
-            </a:r>
-            <a:endParaRPr kumimoji="1" lang="en" altLang="zh-CN" dirty="0"/>
-          </a:p>
-          <a:p>
-            <a:pPr lvl="1"/>
-            <a:r>
-              <a:rPr kumimoji="1" lang="en" altLang="zh-CN" dirty="0"/>
-              <a:t>Part2: </a:t>
-            </a:r>
-            <a:r>
-              <a:rPr kumimoji="1" lang="en" altLang="zh-CN" dirty="0">
-                <a:hlinkClick r:id="rId3"/>
-              </a:rPr>
-              <a:t>https://lwn.net/Articles/746791/</a:t>
-            </a:r>
-            <a:endParaRPr kumimoji="1" lang="en" altLang="zh-CN" dirty="0"/>
-          </a:p>
-        </p:txBody>
-      </p:sp>
-    </p:spTree>
-    <p:extLst>
-      <p:ext uri="{BB962C8B-B14F-4D97-AF65-F5344CB8AC3E}">
-        <p14:creationId xmlns:p14="http://schemas.microsoft.com/office/powerpoint/2010/main" val="1085949359"/>
-      </p:ext>
-    </p:extLst>
-  </p:cSld>
-  <p:clrMapOvr>
-    <a:masterClrMapping/>
-  </p:clrMapOvr>
-</p:sld>
-</file>
-
-<file path=ppt/slides/slide8.xml><?xml version="1.0" encoding="utf-8"?>
-<p:sld xmlns:a="http://schemas.openxmlformats.org/drawingml/2006/main" xmlns:r="http://schemas.openxmlformats.org/officeDocument/2006/relationships" xmlns:p="http://schemas.openxmlformats.org/presentationml/2006/main">
-  <p:cSld>
-    <p:spTree>
-      <p:nvGrpSpPr>
-        <p:cNvPr id="1" name=""/>
-        <p:cNvGrpSpPr/>
-        <p:nvPr/>
-      </p:nvGrpSpPr>
-      <p:grpSpPr>
-        <a:xfrm>
-          <a:off x="0" y="0"/>
-          <a:ext cx="0" cy="0"/>
-          <a:chOff x="0" y="0"/>
-          <a:chExt cx="0" cy="0"/>
-        </a:xfrm>
-      </p:grpSpPr>
-      <p:sp>
-        <p:nvSpPr>
-          <p:cNvPr id="2" name="标题 1">
-            <a:extLst>
-              <a:ext uri="{FF2B5EF4-FFF2-40B4-BE49-F238E27FC236}">
-                <a16:creationId xmlns:a16="http://schemas.microsoft.com/office/drawing/2014/main" id="{5999C9E8-AC16-BE48-A6E1-9ABF3D763DB4}"/>
-              </a:ext>
-            </a:extLst>
-          </p:cNvPr>
-          <p:cNvSpPr>
-            <a:spLocks noGrp="1"/>
-          </p:cNvSpPr>
-          <p:nvPr>
-            <p:ph type="title"/>
-          </p:nvPr>
-        </p:nvSpPr>
-        <p:spPr/>
-        <p:txBody>
-          <a:bodyPr/>
-          <a:lstStyle/>
-          <a:p>
-            <a:r>
-              <a:rPr kumimoji="1" lang="en-US" altLang="zh-CN" dirty="0"/>
-              <a:t>Meltdown and </a:t>
-            </a:r>
-            <a:r>
-              <a:rPr kumimoji="1" lang="en-US" altLang="zh-CN" dirty="0" err="1"/>
-              <a:t>Spectre</a:t>
-            </a:r>
-            <a:endParaRPr kumimoji="1" lang="zh-CN" altLang="en-US" dirty="0"/>
-          </a:p>
-        </p:txBody>
-      </p:sp>
-      <p:sp>
-        <p:nvSpPr>
-          <p:cNvPr id="6" name="内容占位符 5">
-            <a:extLst>
-              <a:ext uri="{FF2B5EF4-FFF2-40B4-BE49-F238E27FC236}">
-                <a16:creationId xmlns:a16="http://schemas.microsoft.com/office/drawing/2014/main" id="{7F513E58-8678-E245-85C1-B99F5EC5C374}"/>
-              </a:ext>
-            </a:extLst>
-          </p:cNvPr>
-          <p:cNvSpPr>
-            <a:spLocks noGrp="1"/>
-          </p:cNvSpPr>
-          <p:nvPr>
-            <p:ph idx="1"/>
-          </p:nvPr>
-        </p:nvSpPr>
-        <p:spPr/>
-        <p:txBody>
-          <a:bodyPr/>
-          <a:lstStyle/>
-          <a:p>
-            <a:r>
-              <a:rPr lang="en-US" altLang="zh-CN" dirty="0"/>
-              <a:t>ISA and side-channel attack</a:t>
-            </a:r>
-          </a:p>
-          <a:p>
-            <a:r>
-              <a:rPr lang="en-US" altLang="zh-CN" dirty="0"/>
-              <a:t>Upstream status </a:t>
-            </a:r>
-            <a:endParaRPr lang="zh-CN" altLang="en-US" dirty="0"/>
-          </a:p>
-        </p:txBody>
-      </p:sp>
-      <p:sp>
-        <p:nvSpPr>
-          <p:cNvPr id="7" name="矩形 6">
-            <a:extLst>
-              <a:ext uri="{FF2B5EF4-FFF2-40B4-BE49-F238E27FC236}">
-                <a16:creationId xmlns:a16="http://schemas.microsoft.com/office/drawing/2014/main" id="{02DEFFB2-5F7C-2549-AF92-6150CA4F22CF}"/>
-              </a:ext>
-            </a:extLst>
-          </p:cNvPr>
-          <p:cNvSpPr/>
-          <p:nvPr/>
-        </p:nvSpPr>
-        <p:spPr>
-          <a:xfrm>
-            <a:off x="956442" y="5212467"/>
-            <a:ext cx="9417268" cy="369332"/>
-          </a:xfrm>
-          <a:prstGeom prst="rect">
-            <a:avLst/>
-          </a:prstGeom>
-        </p:spPr>
-        <p:txBody>
-          <a:bodyPr wrap="square">
-            <a:spAutoFit/>
-          </a:bodyPr>
-          <a:lstStyle/>
-          <a:p>
-            <a:r>
-              <a:rPr lang="en-US" altLang="zh-CN" dirty="0"/>
-              <a:t>Ref: google I/O 1’31’’: </a:t>
-            </a:r>
-            <a:r>
-              <a:rPr lang="zh-CN" altLang="en-US" dirty="0"/>
-              <a:t>https://mp.weixin.qq.com/s/bUVQVk3W6BM4WNNbFnJ4HQ</a:t>
-            </a:r>
-          </a:p>
-        </p:txBody>
-      </p:sp>
-    </p:spTree>
-    <p:extLst>
-      <p:ext uri="{BB962C8B-B14F-4D97-AF65-F5344CB8AC3E}">
-        <p14:creationId xmlns:p14="http://schemas.microsoft.com/office/powerpoint/2010/main" val="1638354502"/>
-      </p:ext>
-    </p:extLst>
-  </p:cSld>
-  <p:clrMapOvr>
-    <a:masterClrMapping/>
   </p:clrMapOvr>
 </p:sld>
 </file>
@@ -13052,321 +15380,113 @@
           </a:p>
         </p:txBody>
       </p:sp>
-      <p:graphicFrame>
-        <p:nvGraphicFramePr>
-          <p:cNvPr id="4" name="内容占位符 3">
+      <p:sp>
+        <p:nvSpPr>
+          <p:cNvPr id="6" name="内容占位符 5">
             <a:extLst>
               <a:ext uri="{FF2B5EF4-FFF2-40B4-BE49-F238E27FC236}">
-                <a16:creationId xmlns:a16="http://schemas.microsoft.com/office/drawing/2014/main" id="{07FAADDC-E609-A641-B1B2-0333CD136A68}"/>
+                <a16:creationId xmlns:a16="http://schemas.microsoft.com/office/drawing/2014/main" id="{7F513E58-8678-E245-85C1-B99F5EC5C374}"/>
               </a:ext>
             </a:extLst>
           </p:cNvPr>
-          <p:cNvGraphicFramePr>
-            <a:graphicFrameLocks noGrp="1"/>
-          </p:cNvGraphicFramePr>
+          <p:cNvSpPr>
+            <a:spLocks noGrp="1"/>
+          </p:cNvSpPr>
           <p:nvPr>
             <p:ph idx="1"/>
           </p:nvPr>
-        </p:nvGraphicFramePr>
-        <p:xfrm>
-          <a:off x="810000" y="2916183"/>
-          <a:ext cx="10553700" cy="1854200"/>
-        </p:xfrm>
-        <a:graphic>
-          <a:graphicData uri="http://schemas.openxmlformats.org/drawingml/2006/table">
-            <a:tbl>
-              <a:tblPr firstRow="1" bandRow="1">
-                <a:tableStyleId>{5C22544A-7EE6-4342-B048-85BDC9FD1C3A}</a:tableStyleId>
-              </a:tblPr>
-              <a:tblGrid>
-                <a:gridCol w="2638425">
-                  <a:extLst>
-                    <a:ext uri="{9D8B030D-6E8A-4147-A177-3AD203B41FA5}">
-                      <a16:colId xmlns:a16="http://schemas.microsoft.com/office/drawing/2014/main" val="2485579210"/>
-                    </a:ext>
-                  </a:extLst>
-                </a:gridCol>
-                <a:gridCol w="2638425">
-                  <a:extLst>
-                    <a:ext uri="{9D8B030D-6E8A-4147-A177-3AD203B41FA5}">
-                      <a16:colId xmlns:a16="http://schemas.microsoft.com/office/drawing/2014/main" val="3875782371"/>
-                    </a:ext>
-                  </a:extLst>
-                </a:gridCol>
-                <a:gridCol w="2638425">
-                  <a:extLst>
-                    <a:ext uri="{9D8B030D-6E8A-4147-A177-3AD203B41FA5}">
-                      <a16:colId xmlns:a16="http://schemas.microsoft.com/office/drawing/2014/main" val="2910430628"/>
-                    </a:ext>
-                  </a:extLst>
-                </a:gridCol>
-                <a:gridCol w="2638425">
-                  <a:extLst>
-                    <a:ext uri="{9D8B030D-6E8A-4147-A177-3AD203B41FA5}">
-                      <a16:colId xmlns:a16="http://schemas.microsoft.com/office/drawing/2014/main" val="3781791881"/>
-                    </a:ext>
-                  </a:extLst>
-                </a:gridCol>
-              </a:tblGrid>
-              <a:tr h="370840">
-                <a:tc>
-                  <a:txBody>
-                    <a:bodyPr/>
-                    <a:lstStyle/>
-                    <a:p>
-                      <a:endParaRPr lang="zh-CN" altLang="en-US" dirty="0"/>
-                    </a:p>
-                  </a:txBody>
-                  <a:tcPr/>
-                </a:tc>
-                <a:tc>
-                  <a:txBody>
-                    <a:bodyPr/>
-                    <a:lstStyle/>
-                    <a:p>
-                      <a:endParaRPr lang="zh-CN" altLang="en-US" dirty="0"/>
-                    </a:p>
-                  </a:txBody>
-                  <a:tcPr/>
-                </a:tc>
-                <a:tc>
-                  <a:txBody>
-                    <a:bodyPr/>
-                    <a:lstStyle/>
-                    <a:p>
-                      <a:endParaRPr lang="zh-CN" altLang="en-US" dirty="0"/>
-                    </a:p>
-                  </a:txBody>
-                  <a:tcPr/>
-                </a:tc>
-                <a:tc>
-                  <a:txBody>
-                    <a:bodyPr/>
-                    <a:lstStyle/>
-                    <a:p>
-                      <a:endParaRPr lang="zh-CN" altLang="en-US"/>
-                    </a:p>
-                  </a:txBody>
-                  <a:tcPr/>
-                </a:tc>
-                <a:extLst>
-                  <a:ext uri="{0D108BD9-81ED-4DB2-BD59-A6C34878D82A}">
-                    <a16:rowId xmlns:a16="http://schemas.microsoft.com/office/drawing/2014/main" val="3721578376"/>
-                  </a:ext>
-                </a:extLst>
-              </a:tr>
-              <a:tr h="370840">
-                <a:tc>
-                  <a:txBody>
-                    <a:bodyPr/>
-                    <a:lstStyle/>
-                    <a:p>
-                      <a:r>
-                        <a:rPr lang="en-US" altLang="zh-CN" dirty="0"/>
-                        <a:t>x86</a:t>
-                      </a:r>
-                      <a:endParaRPr lang="zh-CN" altLang="en-US" dirty="0"/>
-                    </a:p>
-                  </a:txBody>
-                  <a:tcPr/>
-                </a:tc>
-                <a:tc>
-                  <a:txBody>
-                    <a:bodyPr/>
-                    <a:lstStyle/>
-                    <a:p>
-                      <a:endParaRPr lang="zh-CN" altLang="en-US"/>
-                    </a:p>
-                  </a:txBody>
-                  <a:tcPr/>
-                </a:tc>
-                <a:tc>
-                  <a:txBody>
-                    <a:bodyPr/>
-                    <a:lstStyle/>
-                    <a:p>
-                      <a:endParaRPr lang="zh-CN" altLang="en-US"/>
-                    </a:p>
-                  </a:txBody>
-                  <a:tcPr/>
-                </a:tc>
-                <a:tc>
-                  <a:txBody>
-                    <a:bodyPr/>
-                    <a:lstStyle/>
-                    <a:p>
-                      <a:endParaRPr lang="zh-CN" altLang="en-US"/>
-                    </a:p>
-                  </a:txBody>
-                  <a:tcPr/>
-                </a:tc>
-                <a:extLst>
-                  <a:ext uri="{0D108BD9-81ED-4DB2-BD59-A6C34878D82A}">
-                    <a16:rowId xmlns:a16="http://schemas.microsoft.com/office/drawing/2014/main" val="3657204681"/>
-                  </a:ext>
-                </a:extLst>
-              </a:tr>
-              <a:tr h="370840">
-                <a:tc>
-                  <a:txBody>
-                    <a:bodyPr/>
-                    <a:lstStyle/>
-                    <a:p>
-                      <a:r>
-                        <a:rPr lang="en-US" altLang="zh-CN" dirty="0"/>
-                        <a:t>arm</a:t>
-                      </a:r>
-                      <a:endParaRPr lang="zh-CN" altLang="en-US" dirty="0"/>
-                    </a:p>
-                  </a:txBody>
-                  <a:tcPr/>
-                </a:tc>
-                <a:tc>
-                  <a:txBody>
-                    <a:bodyPr/>
-                    <a:lstStyle/>
-                    <a:p>
-                      <a:endParaRPr lang="zh-CN" altLang="en-US"/>
-                    </a:p>
-                  </a:txBody>
-                  <a:tcPr/>
-                </a:tc>
-                <a:tc>
-                  <a:txBody>
-                    <a:bodyPr/>
-                    <a:lstStyle/>
-                    <a:p>
-                      <a:endParaRPr lang="zh-CN" altLang="en-US"/>
-                    </a:p>
-                  </a:txBody>
-                  <a:tcPr/>
-                </a:tc>
-                <a:tc>
-                  <a:txBody>
-                    <a:bodyPr/>
-                    <a:lstStyle/>
-                    <a:p>
-                      <a:endParaRPr lang="zh-CN" altLang="en-US"/>
-                    </a:p>
-                  </a:txBody>
-                  <a:tcPr/>
-                </a:tc>
-                <a:extLst>
-                  <a:ext uri="{0D108BD9-81ED-4DB2-BD59-A6C34878D82A}">
-                    <a16:rowId xmlns:a16="http://schemas.microsoft.com/office/drawing/2014/main" val="3678385619"/>
-                  </a:ext>
-                </a:extLst>
-              </a:tr>
-              <a:tr h="370840">
-                <a:tc>
-                  <a:txBody>
-                    <a:bodyPr/>
-                    <a:lstStyle/>
-                    <a:p>
-                      <a:r>
-                        <a:rPr lang="en-US" altLang="zh-CN" dirty="0"/>
-                        <a:t>arm64</a:t>
-                      </a:r>
-                      <a:endParaRPr lang="zh-CN" altLang="en-US" dirty="0"/>
-                    </a:p>
-                  </a:txBody>
-                  <a:tcPr/>
-                </a:tc>
-                <a:tc>
-                  <a:txBody>
-                    <a:bodyPr/>
-                    <a:lstStyle/>
-                    <a:p>
-                      <a:endParaRPr lang="zh-CN" altLang="en-US"/>
-                    </a:p>
-                  </a:txBody>
-                  <a:tcPr/>
-                </a:tc>
-                <a:tc>
-                  <a:txBody>
-                    <a:bodyPr/>
-                    <a:lstStyle/>
-                    <a:p>
-                      <a:endParaRPr lang="zh-CN" altLang="en-US"/>
-                    </a:p>
-                  </a:txBody>
-                  <a:tcPr/>
-                </a:tc>
-                <a:tc>
-                  <a:txBody>
-                    <a:bodyPr/>
-                    <a:lstStyle/>
-                    <a:p>
-                      <a:endParaRPr lang="zh-CN" altLang="en-US" dirty="0"/>
-                    </a:p>
-                  </a:txBody>
-                  <a:tcPr/>
-                </a:tc>
-                <a:extLst>
-                  <a:ext uri="{0D108BD9-81ED-4DB2-BD59-A6C34878D82A}">
-                    <a16:rowId xmlns:a16="http://schemas.microsoft.com/office/drawing/2014/main" val="122201212"/>
-                  </a:ext>
-                </a:extLst>
-              </a:tr>
-              <a:tr h="370840">
-                <a:tc>
-                  <a:txBody>
-                    <a:bodyPr/>
-                    <a:lstStyle/>
-                    <a:p>
-                      <a:r>
-                        <a:rPr lang="en-US" altLang="zh-CN" dirty="0"/>
-                        <a:t>s390</a:t>
-                      </a:r>
-                      <a:endParaRPr lang="zh-CN" altLang="en-US" dirty="0"/>
-                    </a:p>
-                  </a:txBody>
-                  <a:tcPr/>
-                </a:tc>
-                <a:tc>
-                  <a:txBody>
-                    <a:bodyPr/>
-                    <a:lstStyle/>
-                    <a:p>
-                      <a:endParaRPr lang="zh-CN" altLang="en-US"/>
-                    </a:p>
-                  </a:txBody>
-                  <a:tcPr/>
-                </a:tc>
-                <a:tc>
-                  <a:txBody>
-                    <a:bodyPr/>
-                    <a:lstStyle/>
-                    <a:p>
-                      <a:endParaRPr lang="zh-CN" altLang="en-US" dirty="0"/>
-                    </a:p>
-                  </a:txBody>
-                  <a:tcPr/>
-                </a:tc>
-                <a:tc>
-                  <a:txBody>
-                    <a:bodyPr/>
-                    <a:lstStyle/>
-                    <a:p>
-                      <a:endParaRPr lang="zh-CN" altLang="en-US" dirty="0"/>
-                    </a:p>
-                  </a:txBody>
-                  <a:tcPr/>
-                </a:tc>
-                <a:extLst>
-                  <a:ext uri="{0D108BD9-81ED-4DB2-BD59-A6C34878D82A}">
-                    <a16:rowId xmlns:a16="http://schemas.microsoft.com/office/drawing/2014/main" val="3616088941"/>
-                  </a:ext>
-                </a:extLst>
-              </a:tr>
-            </a:tbl>
-          </a:graphicData>
-        </a:graphic>
-      </p:graphicFrame>
+        </p:nvSpPr>
+        <p:spPr/>
+        <p:txBody>
+          <a:bodyPr/>
+          <a:lstStyle/>
+          <a:p>
+            <a:r>
+              <a:rPr lang="en-US" altLang="zh-CN" dirty="0"/>
+              <a:t>ISA and side-channel attack</a:t>
+            </a:r>
+          </a:p>
+          <a:p>
+            <a:r>
+              <a:rPr lang="en-US" altLang="zh-CN" dirty="0"/>
+              <a:t>Upstream status </a:t>
+            </a:r>
+            <a:endParaRPr lang="zh-CN" altLang="en-US" dirty="0"/>
+          </a:p>
+        </p:txBody>
+      </p:sp>
+      <p:sp>
+        <p:nvSpPr>
+          <p:cNvPr id="7" name="矩形 6">
+            <a:extLst>
+              <a:ext uri="{FF2B5EF4-FFF2-40B4-BE49-F238E27FC236}">
+                <a16:creationId xmlns:a16="http://schemas.microsoft.com/office/drawing/2014/main" id="{02DEFFB2-5F7C-2549-AF92-6150CA4F22CF}"/>
+              </a:ext>
+            </a:extLst>
+          </p:cNvPr>
+          <p:cNvSpPr/>
+          <p:nvPr/>
+        </p:nvSpPr>
+        <p:spPr>
+          <a:xfrm>
+            <a:off x="956442" y="5212467"/>
+            <a:ext cx="9417268" cy="369332"/>
+          </a:xfrm>
+          <a:prstGeom prst="rect">
+            <a:avLst/>
+          </a:prstGeom>
+        </p:spPr>
+        <p:txBody>
+          <a:bodyPr wrap="square">
+            <a:spAutoFit/>
+          </a:bodyPr>
+          <a:lstStyle/>
+          <a:p>
+            <a:r>
+              <a:rPr lang="en-US" altLang="zh-CN" dirty="0"/>
+              <a:t>Ref: google I/O 1’31’’: </a:t>
+            </a:r>
+            <a:r>
+              <a:rPr lang="zh-CN" altLang="en-US" dirty="0"/>
+              <a:t>https://mp.weixin.qq.com/s/bUVQVk3W6BM4WNNbFnJ4HQ</a:t>
+            </a:r>
+          </a:p>
+        </p:txBody>
+      </p:sp>
+      <p:sp>
+        <p:nvSpPr>
+          <p:cNvPr id="3" name="灯片编号占位符 2">
+            <a:extLst>
+              <a:ext uri="{FF2B5EF4-FFF2-40B4-BE49-F238E27FC236}">
+                <a16:creationId xmlns:a16="http://schemas.microsoft.com/office/drawing/2014/main" id="{F58D0CBF-DEB7-7C49-AA4D-24088C6EEE10}"/>
+              </a:ext>
+            </a:extLst>
+          </p:cNvPr>
+          <p:cNvSpPr>
+            <a:spLocks noGrp="1"/>
+          </p:cNvSpPr>
+          <p:nvPr>
+            <p:ph type="sldNum" sz="quarter" idx="12"/>
+          </p:nvPr>
+        </p:nvSpPr>
+        <p:spPr/>
+        <p:txBody>
+          <a:bodyPr/>
+          <a:lstStyle/>
+          <a:p>
+            <a:fld id="{D57F1E4F-1CFF-5643-939E-217C01CDF565}" type="slidenum">
+              <a:rPr lang="en-US" smtClean="0"/>
+              <a:pPr/>
+              <a:t>9</a:t>
+            </a:fld>
+            <a:endParaRPr lang="en-US" dirty="0"/>
+          </a:p>
+        </p:txBody>
+      </p:sp>
     </p:spTree>
     <p:extLst>
       <p:ext uri="{BB962C8B-B14F-4D97-AF65-F5344CB8AC3E}">
-        <p14:creationId xmlns:p14="http://schemas.microsoft.com/office/powerpoint/2010/main" val="822326432"/>
+        <p14:creationId xmlns:p14="http://schemas.microsoft.com/office/powerpoint/2010/main" val="1638354502"/>
       </p:ext>
     </p:extLst>
   </p:cSld>
@@ -13611,4 +15731,594 @@
     </a:ext>
   </a:extLst>
 </a:theme>
+</file>
+
+<file path=ppt/theme/theme2.xml><?xml version="1.0" encoding="utf-8"?>
+<a:theme xmlns:a="http://schemas.openxmlformats.org/drawingml/2006/main" name="Office 主题​​">
+  <a:themeElements>
+    <a:clrScheme name="Office">
+      <a:dk1>
+        <a:sysClr val="windowText" lastClr="000000"/>
+      </a:dk1>
+      <a:lt1>
+        <a:sysClr val="window" lastClr="FFFFFF"/>
+      </a:lt1>
+      <a:dk2>
+        <a:srgbClr val="44546A"/>
+      </a:dk2>
+      <a:lt2>
+        <a:srgbClr val="E7E6E6"/>
+      </a:lt2>
+      <a:accent1>
+        <a:srgbClr val="4472C4"/>
+      </a:accent1>
+      <a:accent2>
+        <a:srgbClr val="ED7D31"/>
+      </a:accent2>
+      <a:accent3>
+        <a:srgbClr val="A5A5A5"/>
+      </a:accent3>
+      <a:accent4>
+        <a:srgbClr val="FFC000"/>
+      </a:accent4>
+      <a:accent5>
+        <a:srgbClr val="5B9BD5"/>
+      </a:accent5>
+      <a:accent6>
+        <a:srgbClr val="70AD47"/>
+      </a:accent6>
+      <a:hlink>
+        <a:srgbClr val="0563C1"/>
+      </a:hlink>
+      <a:folHlink>
+        <a:srgbClr val="954F72"/>
+      </a:folHlink>
+    </a:clrScheme>
+    <a:fontScheme name="Office">
+      <a:majorFont>
+        <a:latin typeface="等线 Light" panose="020F0302020204030204"/>
+        <a:ea typeface=""/>
+        <a:cs typeface=""/>
+        <a:font script="Jpan" typeface="游ゴシック Light"/>
+        <a:font script="Hang" typeface="맑은 고딕"/>
+        <a:font script="Hans" typeface="等线 Light"/>
+        <a:font script="Hant" typeface="新細明體"/>
+        <a:font script="Arab" typeface="Times New Roman"/>
+        <a:font script="Hebr" typeface="Times New Roman"/>
+        <a:font script="Thai" typeface="Angsana New"/>
+        <a:font script="Ethi" typeface="Nyala"/>
+        <a:font script="Beng" typeface="Vrinda"/>
+        <a:font script="Gujr" typeface="Shruti"/>
+        <a:font script="Khmr" typeface="MoolBoran"/>
+        <a:font script="Knda" typeface="Tunga"/>
+        <a:font script="Guru" typeface="Raavi"/>
+        <a:font script="Cans" typeface="Euphemia"/>
+        <a:font script="Cher" typeface="Plantagenet Cherokee"/>
+        <a:font script="Yiii" typeface="Microsoft Yi Baiti"/>
+        <a:font script="Tibt" typeface="Microsoft Himalaya"/>
+        <a:font script="Thaa" typeface="MV Boli"/>
+        <a:font script="Deva" typeface="Mangal"/>
+        <a:font script="Telu" typeface="Gautami"/>
+        <a:font script="Taml" typeface="Latha"/>
+        <a:font script="Syrc" typeface="Estrangelo Edessa"/>
+        <a:font script="Orya" typeface="Kalinga"/>
+        <a:font script="Mlym" typeface="Kartika"/>
+        <a:font script="Laoo" typeface="DokChampa"/>
+        <a:font script="Sinh" typeface="Iskoola Pota"/>
+        <a:font script="Mong" typeface="Mongolian Baiti"/>
+        <a:font script="Viet" typeface="Times New Roman"/>
+        <a:font script="Uigh" typeface="Microsoft Uighur"/>
+        <a:font script="Geor" typeface="Sylfaen"/>
+        <a:font script="Armn" typeface="Arial"/>
+        <a:font script="Bugi" typeface="Leelawadee UI"/>
+        <a:font script="Bopo" typeface="Microsoft JhengHei"/>
+        <a:font script="Java" typeface="Javanese Text"/>
+        <a:font script="Lisu" typeface="Segoe UI"/>
+        <a:font script="Mymr" typeface="Myanmar Text"/>
+        <a:font script="Nkoo" typeface="Ebrima"/>
+        <a:font script="Olck" typeface="Nirmala UI"/>
+        <a:font script="Osma" typeface="Ebrima"/>
+        <a:font script="Phag" typeface="Phagspa"/>
+        <a:font script="Syrn" typeface="Estrangelo Edessa"/>
+        <a:font script="Syrj" typeface="Estrangelo Edessa"/>
+        <a:font script="Syre" typeface="Estrangelo Edessa"/>
+        <a:font script="Sora" typeface="Nirmala UI"/>
+        <a:font script="Tale" typeface="Microsoft Tai Le"/>
+        <a:font script="Talu" typeface="Microsoft New Tai Lue"/>
+        <a:font script="Tfng" typeface="Ebrima"/>
+      </a:majorFont>
+      <a:minorFont>
+        <a:latin typeface="等线" panose="020F0502020204030204"/>
+        <a:ea typeface=""/>
+        <a:cs typeface=""/>
+        <a:font script="Jpan" typeface="游ゴシック"/>
+        <a:font script="Hang" typeface="맑은 고딕"/>
+        <a:font script="Hans" typeface="等线"/>
+        <a:font script="Hant" typeface="新細明體"/>
+        <a:font script="Arab" typeface="Arial"/>
+        <a:font script="Hebr" typeface="Arial"/>
+        <a:font script="Thai" typeface="Cordia New"/>
+        <a:font script="Ethi" typeface="Nyala"/>
+        <a:font script="Beng" typeface="Vrinda"/>
+        <a:font script="Gujr" typeface="Shruti"/>
+        <a:font script="Khmr" typeface="DaunPenh"/>
+        <a:font script="Knda" typeface="Tunga"/>
+        <a:font script="Guru" typeface="Raavi"/>
+        <a:font script="Cans" typeface="Euphemia"/>
+        <a:font script="Cher" typeface="Plantagenet Cherokee"/>
+        <a:font script="Yiii" typeface="Microsoft Yi Baiti"/>
+        <a:font script="Tibt" typeface="Microsoft Himalaya"/>
+        <a:font script="Thaa" typeface="MV Boli"/>
+        <a:font script="Deva" typeface="Mangal"/>
+        <a:font script="Telu" typeface="Gautami"/>
+        <a:font script="Taml" typeface="Latha"/>
+        <a:font script="Syrc" typeface="Estrangelo Edessa"/>
+        <a:font script="Orya" typeface="Kalinga"/>
+        <a:font script="Mlym" typeface="Kartika"/>
+        <a:font script="Laoo" typeface="DokChampa"/>
+        <a:font script="Sinh" typeface="Iskoola Pota"/>
+        <a:font script="Mong" typeface="Mongolian Baiti"/>
+        <a:font script="Viet" typeface="Arial"/>
+        <a:font script="Uigh" typeface="Microsoft Uighur"/>
+        <a:font script="Geor" typeface="Sylfaen"/>
+        <a:font script="Armn" typeface="Arial"/>
+        <a:font script="Bugi" typeface="Leelawadee UI"/>
+        <a:font script="Bopo" typeface="Microsoft JhengHei"/>
+        <a:font script="Java" typeface="Javanese Text"/>
+        <a:font script="Lisu" typeface="Segoe UI"/>
+        <a:font script="Mymr" typeface="Myanmar Text"/>
+        <a:font script="Nkoo" typeface="Ebrima"/>
+        <a:font script="Olck" typeface="Nirmala UI"/>
+        <a:font script="Osma" typeface="Ebrima"/>
+        <a:font script="Phag" typeface="Phagspa"/>
+        <a:font script="Syrn" typeface="Estrangelo Edessa"/>
+        <a:font script="Syrj" typeface="Estrangelo Edessa"/>
+        <a:font script="Syre" typeface="Estrangelo Edessa"/>
+        <a:font script="Sora" typeface="Nirmala UI"/>
+        <a:font script="Tale" typeface="Microsoft Tai Le"/>
+        <a:font script="Talu" typeface="Microsoft New Tai Lue"/>
+        <a:font script="Tfng" typeface="Ebrima"/>
+      </a:minorFont>
+    </a:fontScheme>
+    <a:fmtScheme name="Office">
+      <a:fillStyleLst>
+        <a:solidFill>
+          <a:schemeClr val="phClr"/>
+        </a:solidFill>
+        <a:gradFill rotWithShape="1">
+          <a:gsLst>
+            <a:gs pos="0">
+              <a:schemeClr val="phClr">
+                <a:lumMod val="110000"/>
+                <a:satMod val="105000"/>
+                <a:tint val="67000"/>
+              </a:schemeClr>
+            </a:gs>
+            <a:gs pos="50000">
+              <a:schemeClr val="phClr">
+                <a:lumMod val="105000"/>
+                <a:satMod val="103000"/>
+                <a:tint val="73000"/>
+              </a:schemeClr>
+            </a:gs>
+            <a:gs pos="100000">
+              <a:schemeClr val="phClr">
+                <a:lumMod val="105000"/>
+                <a:satMod val="109000"/>
+                <a:tint val="81000"/>
+              </a:schemeClr>
+            </a:gs>
+          </a:gsLst>
+          <a:lin ang="5400000" scaled="0"/>
+        </a:gradFill>
+        <a:gradFill rotWithShape="1">
+          <a:gsLst>
+            <a:gs pos="0">
+              <a:schemeClr val="phClr">
+                <a:satMod val="103000"/>
+                <a:lumMod val="102000"/>
+                <a:tint val="94000"/>
+              </a:schemeClr>
+            </a:gs>
+            <a:gs pos="50000">
+              <a:schemeClr val="phClr">
+                <a:satMod val="110000"/>
+                <a:lumMod val="100000"/>
+                <a:shade val="100000"/>
+              </a:schemeClr>
+            </a:gs>
+            <a:gs pos="100000">
+              <a:schemeClr val="phClr">
+                <a:lumMod val="99000"/>
+                <a:satMod val="120000"/>
+                <a:shade val="78000"/>
+              </a:schemeClr>
+            </a:gs>
+          </a:gsLst>
+          <a:lin ang="5400000" scaled="0"/>
+        </a:gradFill>
+      </a:fillStyleLst>
+      <a:lnStyleLst>
+        <a:ln w="6350" cap="flat" cmpd="sng" algn="ctr">
+          <a:solidFill>
+            <a:schemeClr val="phClr"/>
+          </a:solidFill>
+          <a:prstDash val="solid"/>
+          <a:miter lim="800000"/>
+        </a:ln>
+        <a:ln w="12700" cap="flat" cmpd="sng" algn="ctr">
+          <a:solidFill>
+            <a:schemeClr val="phClr"/>
+          </a:solidFill>
+          <a:prstDash val="solid"/>
+          <a:miter lim="800000"/>
+        </a:ln>
+        <a:ln w="19050" cap="flat" cmpd="sng" algn="ctr">
+          <a:solidFill>
+            <a:schemeClr val="phClr"/>
+          </a:solidFill>
+          <a:prstDash val="solid"/>
+          <a:miter lim="800000"/>
+        </a:ln>
+      </a:lnStyleLst>
+      <a:effectStyleLst>
+        <a:effectStyle>
+          <a:effectLst/>
+        </a:effectStyle>
+        <a:effectStyle>
+          <a:effectLst/>
+        </a:effectStyle>
+        <a:effectStyle>
+          <a:effectLst>
+            <a:outerShdw blurRad="57150" dist="19050" dir="5400000" algn="ctr" rotWithShape="0">
+              <a:srgbClr val="000000">
+                <a:alpha val="63000"/>
+              </a:srgbClr>
+            </a:outerShdw>
+          </a:effectLst>
+        </a:effectStyle>
+      </a:effectStyleLst>
+      <a:bgFillStyleLst>
+        <a:solidFill>
+          <a:schemeClr val="phClr"/>
+        </a:solidFill>
+        <a:solidFill>
+          <a:schemeClr val="phClr">
+            <a:tint val="95000"/>
+            <a:satMod val="170000"/>
+          </a:schemeClr>
+        </a:solidFill>
+        <a:gradFill rotWithShape="1">
+          <a:gsLst>
+            <a:gs pos="0">
+              <a:schemeClr val="phClr">
+                <a:tint val="93000"/>
+                <a:satMod val="150000"/>
+                <a:shade val="98000"/>
+                <a:lumMod val="102000"/>
+              </a:schemeClr>
+            </a:gs>
+            <a:gs pos="50000">
+              <a:schemeClr val="phClr">
+                <a:tint val="98000"/>
+                <a:satMod val="130000"/>
+                <a:shade val="90000"/>
+                <a:lumMod val="103000"/>
+              </a:schemeClr>
+            </a:gs>
+            <a:gs pos="100000">
+              <a:schemeClr val="phClr">
+                <a:shade val="63000"/>
+                <a:satMod val="120000"/>
+              </a:schemeClr>
+            </a:gs>
+          </a:gsLst>
+          <a:lin ang="5400000" scaled="0"/>
+        </a:gradFill>
+      </a:bgFillStyleLst>
+    </a:fmtScheme>
+  </a:themeElements>
+  <a:objectDefaults/>
+  <a:extraClrSchemeLst/>
+  <a:extLst>
+    <a:ext uri="{05A4C25C-085E-4340-85A3-A5531E510DB2}">
+      <thm15:themeFamily xmlns:thm15="http://schemas.microsoft.com/office/thememl/2012/main" name="Office Theme" id="{62F939B6-93AF-4DB8-9C6B-D6C7DFDC589F}" vid="{4A3C46E8-61CC-4603-A589-7422A47A8E4A}"/>
+    </a:ext>
+  </a:extLst>
+</a:theme>
+</file>
+
+<file path=ppt/theme/theme3.xml><?xml version="1.0" encoding="utf-8"?>
+<a:theme xmlns:a="http://schemas.openxmlformats.org/drawingml/2006/main" name="Office 主题​​">
+  <a:themeElements>
+    <a:clrScheme name="Office">
+      <a:dk1>
+        <a:sysClr val="windowText" lastClr="000000"/>
+      </a:dk1>
+      <a:lt1>
+        <a:sysClr val="window" lastClr="FFFFFF"/>
+      </a:lt1>
+      <a:dk2>
+        <a:srgbClr val="44546A"/>
+      </a:dk2>
+      <a:lt2>
+        <a:srgbClr val="E7E6E6"/>
+      </a:lt2>
+      <a:accent1>
+        <a:srgbClr val="4472C4"/>
+      </a:accent1>
+      <a:accent2>
+        <a:srgbClr val="ED7D31"/>
+      </a:accent2>
+      <a:accent3>
+        <a:srgbClr val="A5A5A5"/>
+      </a:accent3>
+      <a:accent4>
+        <a:srgbClr val="FFC000"/>
+      </a:accent4>
+      <a:accent5>
+        <a:srgbClr val="5B9BD5"/>
+      </a:accent5>
+      <a:accent6>
+        <a:srgbClr val="70AD47"/>
+      </a:accent6>
+      <a:hlink>
+        <a:srgbClr val="0563C1"/>
+      </a:hlink>
+      <a:folHlink>
+        <a:srgbClr val="954F72"/>
+      </a:folHlink>
+    </a:clrScheme>
+    <a:fontScheme name="Office">
+      <a:majorFont>
+        <a:latin typeface="等线 Light" panose="020F0302020204030204"/>
+        <a:ea typeface=""/>
+        <a:cs typeface=""/>
+        <a:font script="Jpan" typeface="游ゴシック Light"/>
+        <a:font script="Hang" typeface="맑은 고딕"/>
+        <a:font script="Hans" typeface="等线 Light"/>
+        <a:font script="Hant" typeface="新細明體"/>
+        <a:font script="Arab" typeface="Times New Roman"/>
+        <a:font script="Hebr" typeface="Times New Roman"/>
+        <a:font script="Thai" typeface="Angsana New"/>
+        <a:font script="Ethi" typeface="Nyala"/>
+        <a:font script="Beng" typeface="Vrinda"/>
+        <a:font script="Gujr" typeface="Shruti"/>
+        <a:font script="Khmr" typeface="MoolBoran"/>
+        <a:font script="Knda" typeface="Tunga"/>
+        <a:font script="Guru" typeface="Raavi"/>
+        <a:font script="Cans" typeface="Euphemia"/>
+        <a:font script="Cher" typeface="Plantagenet Cherokee"/>
+        <a:font script="Yiii" typeface="Microsoft Yi Baiti"/>
+        <a:font script="Tibt" typeface="Microsoft Himalaya"/>
+        <a:font script="Thaa" typeface="MV Boli"/>
+        <a:font script="Deva" typeface="Mangal"/>
+        <a:font script="Telu" typeface="Gautami"/>
+        <a:font script="Taml" typeface="Latha"/>
+        <a:font script="Syrc" typeface="Estrangelo Edessa"/>
+        <a:font script="Orya" typeface="Kalinga"/>
+        <a:font script="Mlym" typeface="Kartika"/>
+        <a:font script="Laoo" typeface="DokChampa"/>
+        <a:font script="Sinh" typeface="Iskoola Pota"/>
+        <a:font script="Mong" typeface="Mongolian Baiti"/>
+        <a:font script="Viet" typeface="Times New Roman"/>
+        <a:font script="Uigh" typeface="Microsoft Uighur"/>
+        <a:font script="Geor" typeface="Sylfaen"/>
+        <a:font script="Armn" typeface="Arial"/>
+        <a:font script="Bugi" typeface="Leelawadee UI"/>
+        <a:font script="Bopo" typeface="Microsoft JhengHei"/>
+        <a:font script="Java" typeface="Javanese Text"/>
+        <a:font script="Lisu" typeface="Segoe UI"/>
+        <a:font script="Mymr" typeface="Myanmar Text"/>
+        <a:font script="Nkoo" typeface="Ebrima"/>
+        <a:font script="Olck" typeface="Nirmala UI"/>
+        <a:font script="Osma" typeface="Ebrima"/>
+        <a:font script="Phag" typeface="Phagspa"/>
+        <a:font script="Syrn" typeface="Estrangelo Edessa"/>
+        <a:font script="Syrj" typeface="Estrangelo Edessa"/>
+        <a:font script="Syre" typeface="Estrangelo Edessa"/>
+        <a:font script="Sora" typeface="Nirmala UI"/>
+        <a:font script="Tale" typeface="Microsoft Tai Le"/>
+        <a:font script="Talu" typeface="Microsoft New Tai Lue"/>
+        <a:font script="Tfng" typeface="Ebrima"/>
+      </a:majorFont>
+      <a:minorFont>
+        <a:latin typeface="等线" panose="020F0502020204030204"/>
+        <a:ea typeface=""/>
+        <a:cs typeface=""/>
+        <a:font script="Jpan" typeface="游ゴシック"/>
+        <a:font script="Hang" typeface="맑은 고딕"/>
+        <a:font script="Hans" typeface="等线"/>
+        <a:font script="Hant" typeface="新細明體"/>
+        <a:font script="Arab" typeface="Arial"/>
+        <a:font script="Hebr" typeface="Arial"/>
+        <a:font script="Thai" typeface="Cordia New"/>
+        <a:font script="Ethi" typeface="Nyala"/>
+        <a:font script="Beng" typeface="Vrinda"/>
+        <a:font script="Gujr" typeface="Shruti"/>
+        <a:font script="Khmr" typeface="DaunPenh"/>
+        <a:font script="Knda" typeface="Tunga"/>
+        <a:font script="Guru" typeface="Raavi"/>
+        <a:font script="Cans" typeface="Euphemia"/>
+        <a:font script="Cher" typeface="Plantagenet Cherokee"/>
+        <a:font script="Yiii" typeface="Microsoft Yi Baiti"/>
+        <a:font script="Tibt" typeface="Microsoft Himalaya"/>
+        <a:font script="Thaa" typeface="MV Boli"/>
+        <a:font script="Deva" typeface="Mangal"/>
+        <a:font script="Telu" typeface="Gautami"/>
+        <a:font script="Taml" typeface="Latha"/>
+        <a:font script="Syrc" typeface="Estrangelo Edessa"/>
+        <a:font script="Orya" typeface="Kalinga"/>
+        <a:font script="Mlym" typeface="Kartika"/>
+        <a:font script="Laoo" typeface="DokChampa"/>
+        <a:font script="Sinh" typeface="Iskoola Pota"/>
+        <a:font script="Mong" typeface="Mongolian Baiti"/>
+        <a:font script="Viet" typeface="Arial"/>
+        <a:font script="Uigh" typeface="Microsoft Uighur"/>
+        <a:font script="Geor" typeface="Sylfaen"/>
+        <a:font script="Armn" typeface="Arial"/>
+        <a:font script="Bugi" typeface="Leelawadee UI"/>
+        <a:font script="Bopo" typeface="Microsoft JhengHei"/>
+        <a:font script="Java" typeface="Javanese Text"/>
+        <a:font script="Lisu" typeface="Segoe UI"/>
+        <a:font script="Mymr" typeface="Myanmar Text"/>
+        <a:font script="Nkoo" typeface="Ebrima"/>
+        <a:font script="Olck" typeface="Nirmala UI"/>
+        <a:font script="Osma" typeface="Ebrima"/>
+        <a:font script="Phag" typeface="Phagspa"/>
+        <a:font script="Syrn" typeface="Estrangelo Edessa"/>
+        <a:font script="Syrj" typeface="Estrangelo Edessa"/>
+        <a:font script="Syre" typeface="Estrangelo Edessa"/>
+        <a:font script="Sora" typeface="Nirmala UI"/>
+        <a:font script="Tale" typeface="Microsoft Tai Le"/>
+        <a:font script="Talu" typeface="Microsoft New Tai Lue"/>
+        <a:font script="Tfng" typeface="Ebrima"/>
+      </a:minorFont>
+    </a:fontScheme>
+    <a:fmtScheme name="Office">
+      <a:fillStyleLst>
+        <a:solidFill>
+          <a:schemeClr val="phClr"/>
+        </a:solidFill>
+        <a:gradFill rotWithShape="1">
+          <a:gsLst>
+            <a:gs pos="0">
+              <a:schemeClr val="phClr">
+                <a:lumMod val="110000"/>
+                <a:satMod val="105000"/>
+                <a:tint val="67000"/>
+              </a:schemeClr>
+            </a:gs>
+            <a:gs pos="50000">
+              <a:schemeClr val="phClr">
+                <a:lumMod val="105000"/>
+                <a:satMod val="103000"/>
+                <a:tint val="73000"/>
+              </a:schemeClr>
+            </a:gs>
+            <a:gs pos="100000">
+              <a:schemeClr val="phClr">
+                <a:lumMod val="105000"/>
+                <a:satMod val="109000"/>
+                <a:tint val="81000"/>
+              </a:schemeClr>
+            </a:gs>
+          </a:gsLst>
+          <a:lin ang="5400000" scaled="0"/>
+        </a:gradFill>
+        <a:gradFill rotWithShape="1">
+          <a:gsLst>
+            <a:gs pos="0">
+              <a:schemeClr val="phClr">
+                <a:satMod val="103000"/>
+                <a:lumMod val="102000"/>
+                <a:tint val="94000"/>
+              </a:schemeClr>
+            </a:gs>
+            <a:gs pos="50000">
+              <a:schemeClr val="phClr">
+                <a:satMod val="110000"/>
+                <a:lumMod val="100000"/>
+                <a:shade val="100000"/>
+              </a:schemeClr>
+            </a:gs>
+            <a:gs pos="100000">
+              <a:schemeClr val="phClr">
+                <a:lumMod val="99000"/>
+                <a:satMod val="120000"/>
+                <a:shade val="78000"/>
+              </a:schemeClr>
+            </a:gs>
+          </a:gsLst>
+          <a:lin ang="5400000" scaled="0"/>
+        </a:gradFill>
+      </a:fillStyleLst>
+      <a:lnStyleLst>
+        <a:ln w="6350" cap="flat" cmpd="sng" algn="ctr">
+          <a:solidFill>
+            <a:schemeClr val="phClr"/>
+          </a:solidFill>
+          <a:prstDash val="solid"/>
+          <a:miter lim="800000"/>
+        </a:ln>
+        <a:ln w="12700" cap="flat" cmpd="sng" algn="ctr">
+          <a:solidFill>
+            <a:schemeClr val="phClr"/>
+          </a:solidFill>
+          <a:prstDash val="solid"/>
+          <a:miter lim="800000"/>
+        </a:ln>
+        <a:ln w="19050" cap="flat" cmpd="sng" algn="ctr">
+          <a:solidFill>
+            <a:schemeClr val="phClr"/>
+          </a:solidFill>
+          <a:prstDash val="solid"/>
+          <a:miter lim="800000"/>
+        </a:ln>
+      </a:lnStyleLst>
+      <a:effectStyleLst>
+        <a:effectStyle>
+          <a:effectLst/>
+        </a:effectStyle>
+        <a:effectStyle>
+          <a:effectLst/>
+        </a:effectStyle>
+        <a:effectStyle>
+          <a:effectLst>
+            <a:outerShdw blurRad="57150" dist="19050" dir="5400000" algn="ctr" rotWithShape="0">
+              <a:srgbClr val="000000">
+                <a:alpha val="63000"/>
+              </a:srgbClr>
+            </a:outerShdw>
+          </a:effectLst>
+        </a:effectStyle>
+      </a:effectStyleLst>
+      <a:bgFillStyleLst>
+        <a:solidFill>
+          <a:schemeClr val="phClr"/>
+        </a:solidFill>
+        <a:solidFill>
+          <a:schemeClr val="phClr">
+            <a:tint val="95000"/>
+            <a:satMod val="170000"/>
+          </a:schemeClr>
+        </a:solidFill>
+        <a:gradFill rotWithShape="1">
+          <a:gsLst>
+            <a:gs pos="0">
+              <a:schemeClr val="phClr">
+                <a:tint val="93000"/>
+                <a:satMod val="150000"/>
+                <a:shade val="98000"/>
+                <a:lumMod val="102000"/>
+              </a:schemeClr>
+            </a:gs>
+            <a:gs pos="50000">
+              <a:schemeClr val="phClr">
+                <a:tint val="98000"/>
+                <a:satMod val="130000"/>
+                <a:shade val="90000"/>
+                <a:lumMod val="103000"/>
+              </a:schemeClr>
+            </a:gs>
+            <a:gs pos="100000">
+              <a:schemeClr val="phClr">
+                <a:shade val="63000"/>
+                <a:satMod val="120000"/>
+              </a:schemeClr>
+            </a:gs>
+          </a:gsLst>
+          <a:lin ang="5400000" scaled="0"/>
+        </a:gradFill>
+      </a:bgFillStyleLst>
+    </a:fmtScheme>
+  </a:themeElements>
+  <a:objectDefaults/>
+  <a:extraClrSchemeLst/>
+  <a:extLst>
+    <a:ext uri="{05A4C25C-085E-4340-85A3-A5531E510DB2}">
+      <thm15:themeFamily xmlns:thm15="http://schemas.microsoft.com/office/thememl/2012/main" name="Office Theme" id="{62F939B6-93AF-4DB8-9C6B-D6C7DFDC589F}" vid="{4A3C46E8-61CC-4603-A589-7422A47A8E4A}"/>
+    </a:ext>
+  </a:extLst>
+</a:theme>
 </file>